--- a/04.pptx
+++ b/04.pptx
@@ -216,7 +216,7 @@
           <a:p>
             <a:fld id="{AA93C23F-80D8-41F7-A602-5BAA4D96D6F7}" type="datetimeFigureOut">
               <a:rPr lang="ko-KR" altLang="en-US" smtClean="0"/>
-              <a:t>2019-12-21</a:t>
+              <a:t>2025-03-18</a:t>
             </a:fld>
             <a:endParaRPr lang="ko-KR" altLang="en-US"/>
           </a:p>
@@ -1175,7 +1175,7 @@
           <a:p>
             <a:fld id="{AA93C23F-80D8-41F7-A602-5BAA4D96D6F7}" type="datetimeFigureOut">
               <a:rPr lang="ko-KR" altLang="en-US" smtClean="0"/>
-              <a:t>2019-12-21</a:t>
+              <a:t>2025-03-18</a:t>
             </a:fld>
             <a:endParaRPr lang="ko-KR" altLang="en-US"/>
           </a:p>
@@ -1353,7 +1353,7 @@
           <a:p>
             <a:fld id="{AA93C23F-80D8-41F7-A602-5BAA4D96D6F7}" type="datetimeFigureOut">
               <a:rPr lang="ko-KR" altLang="en-US" smtClean="0"/>
-              <a:t>2019-12-21</a:t>
+              <a:t>2025-03-18</a:t>
             </a:fld>
             <a:endParaRPr lang="ko-KR" altLang="en-US"/>
           </a:p>
@@ -1548,7 +1548,7 @@
                 <a:tabLst/>
                 <a:defRPr/>
               </a:pPr>
-              <a:t>2019-12-21</a:t>
+              <a:t>2025-03-18</a:t>
             </a:fld>
             <a:endParaRPr kumimoji="0" lang="ko-KR" altLang="en-US" sz="1200" b="0" i="0" u="none" strike="noStrike" kern="1200" cap="none" spc="0" normalizeH="0" baseline="0" noProof="0">
               <a:ln>
@@ -2063,7 +2063,7 @@
                 <a:tabLst/>
                 <a:defRPr/>
               </a:pPr>
-              <a:t>2019-12-21</a:t>
+              <a:t>2025-03-18</a:t>
             </a:fld>
             <a:endParaRPr kumimoji="0" lang="ko-KR" altLang="en-US" sz="1200" b="0" i="0" u="none" strike="noStrike" kern="1200" cap="none" spc="0" normalizeH="0" baseline="0" noProof="0">
               <a:ln>
@@ -2468,7 +2468,7 @@
                 <a:tabLst/>
                 <a:defRPr/>
               </a:pPr>
-              <a:t>2019-12-21</a:t>
+              <a:t>2025-03-18</a:t>
             </a:fld>
             <a:endParaRPr kumimoji="0" lang="ko-KR" altLang="en-US" sz="1200" b="0" i="0" u="none" strike="noStrike" kern="1200" cap="none" spc="0" normalizeH="0" baseline="0" noProof="0">
               <a:ln>
@@ -2857,7 +2857,7 @@
                 <a:tabLst/>
                 <a:defRPr/>
               </a:pPr>
-              <a:t>2019-12-21</a:t>
+              <a:t>2025-03-18</a:t>
             </a:fld>
             <a:endParaRPr kumimoji="0" lang="ko-KR" altLang="en-US" sz="1200" b="0" i="0" u="none" strike="noStrike" kern="1200" cap="none" spc="0" normalizeH="0" baseline="0" noProof="0">
               <a:ln>
@@ -3381,7 +3381,7 @@
                 <a:tabLst/>
                 <a:defRPr/>
               </a:pPr>
-              <a:t>2019-12-21</a:t>
+              <a:t>2025-03-18</a:t>
             </a:fld>
             <a:endParaRPr kumimoji="0" lang="ko-KR" altLang="en-US" sz="1200" b="0" i="0" u="none" strike="noStrike" kern="1200" cap="none" spc="0" normalizeH="0" baseline="0" noProof="0">
               <a:ln>
@@ -3658,7 +3658,7 @@
                 <a:tabLst/>
                 <a:defRPr/>
               </a:pPr>
-              <a:t>2019-12-21</a:t>
+              <a:t>2025-03-18</a:t>
             </a:fld>
             <a:endParaRPr kumimoji="0" lang="ko-KR" altLang="en-US" sz="1200" b="0" i="0" u="none" strike="noStrike" kern="1200" cap="none" spc="0" normalizeH="0" baseline="0" noProof="0">
               <a:ln>
@@ -3913,7 +3913,7 @@
                 <a:tabLst/>
                 <a:defRPr/>
               </a:pPr>
-              <a:t>2019-12-21</a:t>
+              <a:t>2025-03-18</a:t>
             </a:fld>
             <a:endParaRPr kumimoji="0" lang="ko-KR" altLang="en-US" sz="1200" b="0" i="0" u="none" strike="noStrike" kern="1200" cap="none" spc="0" normalizeH="0" baseline="0" noProof="0">
               <a:ln>
@@ -4348,7 +4348,7 @@
                 <a:tabLst/>
                 <a:defRPr/>
               </a:pPr>
-              <a:t>2019-12-21</a:t>
+              <a:t>2025-03-18</a:t>
             </a:fld>
             <a:endParaRPr kumimoji="0" lang="ko-KR" altLang="en-US" sz="1200" b="0" i="0" u="none" strike="noStrike" kern="1200" cap="none" spc="0" normalizeH="0" baseline="0" noProof="0">
               <a:ln>
@@ -4643,7 +4643,7 @@
           <a:p>
             <a:fld id="{AA93C23F-80D8-41F7-A602-5BAA4D96D6F7}" type="datetimeFigureOut">
               <a:rPr lang="ko-KR" altLang="en-US" smtClean="0"/>
-              <a:t>2019-12-21</a:t>
+              <a:t>2025-03-18</a:t>
             </a:fld>
             <a:endParaRPr lang="ko-KR" altLang="en-US"/>
           </a:p>
@@ -4944,7 +4944,7 @@
                 <a:tabLst/>
                 <a:defRPr/>
               </a:pPr>
-              <a:t>2019-12-21</a:t>
+              <a:t>2025-03-18</a:t>
             </a:fld>
             <a:endParaRPr kumimoji="0" lang="ko-KR" altLang="en-US" sz="1200" b="0" i="0" u="none" strike="noStrike" kern="1200" cap="none" spc="0" normalizeH="0" baseline="0" noProof="0">
               <a:ln>
@@ -5272,7 +5272,7 @@
                 <a:tabLst/>
                 <a:defRPr/>
               </a:pPr>
-              <a:t>2019-12-21</a:t>
+              <a:t>2025-03-18</a:t>
             </a:fld>
             <a:endParaRPr kumimoji="0" lang="ko-KR" altLang="en-US" sz="1200" b="0" i="0" u="none" strike="noStrike" kern="1200" cap="none" spc="0" normalizeH="0" baseline="0" noProof="0">
               <a:ln>
@@ -5610,7 +5610,7 @@
                 <a:tabLst/>
                 <a:defRPr/>
               </a:pPr>
-              <a:t>2019-12-21</a:t>
+              <a:t>2025-03-18</a:t>
             </a:fld>
             <a:endParaRPr kumimoji="0" lang="ko-KR" altLang="en-US" sz="1200" b="0" i="0" u="none" strike="noStrike" kern="1200" cap="none" spc="0" normalizeH="0" baseline="0" noProof="0">
               <a:ln>
@@ -5966,7 +5966,7 @@
           <a:p>
             <a:fld id="{AA93C23F-80D8-41F7-A602-5BAA4D96D6F7}" type="datetimeFigureOut">
               <a:rPr lang="ko-KR" altLang="en-US" smtClean="0"/>
-              <a:t>2019-12-21</a:t>
+              <a:t>2025-03-18</a:t>
             </a:fld>
             <a:endParaRPr lang="ko-KR" altLang="en-US"/>
           </a:p>
@@ -6195,7 +6195,7 @@
           <a:p>
             <a:fld id="{AA93C23F-80D8-41F7-A602-5BAA4D96D6F7}" type="datetimeFigureOut">
               <a:rPr lang="ko-KR" altLang="en-US" smtClean="0"/>
-              <a:t>2019-12-21</a:t>
+              <a:t>2025-03-18</a:t>
             </a:fld>
             <a:endParaRPr lang="ko-KR" altLang="en-US"/>
           </a:p>
@@ -6559,7 +6559,7 @@
           <a:p>
             <a:fld id="{AA93C23F-80D8-41F7-A602-5BAA4D96D6F7}" type="datetimeFigureOut">
               <a:rPr lang="ko-KR" altLang="en-US" smtClean="0"/>
-              <a:t>2019-12-21</a:t>
+              <a:t>2025-03-18</a:t>
             </a:fld>
             <a:endParaRPr lang="ko-KR" altLang="en-US"/>
           </a:p>
@@ -6676,7 +6676,7 @@
           <a:p>
             <a:fld id="{AA93C23F-80D8-41F7-A602-5BAA4D96D6F7}" type="datetimeFigureOut">
               <a:rPr lang="ko-KR" altLang="en-US" smtClean="0"/>
-              <a:t>2019-12-21</a:t>
+              <a:t>2025-03-18</a:t>
             </a:fld>
             <a:endParaRPr lang="ko-KR" altLang="en-US"/>
           </a:p>
@@ -6771,7 +6771,7 @@
           <a:p>
             <a:fld id="{AA93C23F-80D8-41F7-A602-5BAA4D96D6F7}" type="datetimeFigureOut">
               <a:rPr lang="ko-KR" altLang="en-US" smtClean="0"/>
-              <a:t>2019-12-21</a:t>
+              <a:t>2025-03-18</a:t>
             </a:fld>
             <a:endParaRPr lang="ko-KR" altLang="en-US"/>
           </a:p>
@@ -7046,7 +7046,7 @@
           <a:p>
             <a:fld id="{AA93C23F-80D8-41F7-A602-5BAA4D96D6F7}" type="datetimeFigureOut">
               <a:rPr lang="ko-KR" altLang="en-US" smtClean="0"/>
-              <a:t>2019-12-21</a:t>
+              <a:t>2025-03-18</a:t>
             </a:fld>
             <a:endParaRPr lang="ko-KR" altLang="en-US"/>
           </a:p>
@@ -7298,7 +7298,7 @@
           <a:p>
             <a:fld id="{AA93C23F-80D8-41F7-A602-5BAA4D96D6F7}" type="datetimeFigureOut">
               <a:rPr lang="ko-KR" altLang="en-US" smtClean="0"/>
-              <a:t>2019-12-21</a:t>
+              <a:t>2025-03-18</a:t>
             </a:fld>
             <a:endParaRPr lang="ko-KR" altLang="en-US"/>
           </a:p>
@@ -7509,7 +7509,7 @@
           <a:p>
             <a:fld id="{AA93C23F-80D8-41F7-A602-5BAA4D96D6F7}" type="datetimeFigureOut">
               <a:rPr lang="ko-KR" altLang="en-US" smtClean="0"/>
-              <a:t>2019-12-21</a:t>
+              <a:t>2025-03-18</a:t>
             </a:fld>
             <a:endParaRPr lang="ko-KR" altLang="en-US"/>
           </a:p>
@@ -7602,7 +7602,7 @@
           <p:nvPr userDrawn="1"/>
         </p:nvPicPr>
         <p:blipFill>
-          <a:blip r:embed="rId13">
+          <a:blip r:embed="rId13" cstate="hqprint">
             <a:extLst>
               <a:ext uri="{28A0092B-C50C-407E-A947-70E740481C1C}">
                 <a14:useLocalDpi xmlns:a14="http://schemas.microsoft.com/office/drawing/2010/main" val="0"/>
@@ -8220,7 +8220,7 @@
                 <a:tabLst/>
                 <a:defRPr/>
               </a:pPr>
-              <a:t>2019-12-21</a:t>
+              <a:t>2025-03-18</a:t>
             </a:fld>
             <a:endParaRPr kumimoji="0" lang="ko-KR" altLang="en-US" sz="1200" b="0" i="0" u="none" strike="noStrike" kern="1200" cap="none" spc="0" normalizeH="0" baseline="0" noProof="0">
               <a:ln>
@@ -8424,7 +8424,7 @@
           <p:nvPr userDrawn="1"/>
         </p:nvPicPr>
         <p:blipFill>
-          <a:blip r:embed="rId13">
+          <a:blip r:embed="rId13" cstate="hqprint">
             <a:extLst>
               <a:ext uri="{28A0092B-C50C-407E-A947-70E740481C1C}">
                 <a14:useLocalDpi xmlns:a14="http://schemas.microsoft.com/office/drawing/2010/main" val="0"/>
@@ -9174,6 +9174,13 @@
   <p:clrMapOvr>
     <a:masterClrMapping/>
   </p:clrMapOvr>
+  <p:timing>
+    <p:tnLst>
+      <p:par>
+        <p:cTn id="1" dur="indefinite" restart="never" nodeType="tmRoot"/>
+      </p:par>
+    </p:tnLst>
+  </p:timing>
 </p:sld>
 </file>
 
@@ -9666,6 +9673,50 @@
           </a:prstGeom>
         </p:spPr>
       </p:pic>
+      <p:sp>
+        <p:nvSpPr>
+          <p:cNvPr id="18" name="TextBox 17">
+            <a:extLst>
+              <a:ext uri="{FF2B5EF4-FFF2-40B4-BE49-F238E27FC236}">
+                <a16:creationId xmlns:a16="http://schemas.microsoft.com/office/drawing/2014/main" id="{4244D1F3-8A42-43EB-A1B6-893EE6C3FF14}"/>
+              </a:ext>
+            </a:extLst>
+          </p:cNvPr>
+          <p:cNvSpPr txBox="1"/>
+          <p:nvPr/>
+        </p:nvSpPr>
+        <p:spPr>
+          <a:xfrm>
+            <a:off x="10983569" y="339241"/>
+            <a:ext cx="668773" cy="338554"/>
+          </a:xfrm>
+          <a:prstGeom prst="rect">
+            <a:avLst/>
+          </a:prstGeom>
+          <a:noFill/>
+        </p:spPr>
+        <p:txBody>
+          <a:bodyPr wrap="none" rtlCol="0">
+            <a:spAutoFit/>
+          </a:bodyPr>
+          <a:lstStyle/>
+          <a:p>
+            <a:r>
+              <a:rPr lang="en-US" altLang="ko-KR" sz="1600" b="1" dirty="0">
+                <a:solidFill>
+                  <a:schemeClr val="bg1"/>
+                </a:solidFill>
+              </a:rPr>
+              <a:t>p144</a:t>
+            </a:r>
+            <a:endParaRPr lang="ko-KR" altLang="en-US" sz="1600" b="1" dirty="0">
+              <a:solidFill>
+                <a:schemeClr val="bg1"/>
+              </a:solidFill>
+            </a:endParaRPr>
+          </a:p>
+        </p:txBody>
+      </p:sp>
     </p:spTree>
     <p:extLst>
       <p:ext uri="{BB962C8B-B14F-4D97-AF65-F5344CB8AC3E}">
@@ -9676,6 +9727,13 @@
   <p:clrMapOvr>
     <a:masterClrMapping/>
   </p:clrMapOvr>
+  <p:timing>
+    <p:tnLst>
+      <p:par>
+        <p:cTn id="1" dur="indefinite" restart="never" nodeType="tmRoot"/>
+      </p:par>
+    </p:tnLst>
+  </p:timing>
 </p:sld>
 </file>
 
@@ -13111,6 +13169,50 @@
           </a:prstGeom>
         </p:spPr>
       </p:pic>
+      <p:sp>
+        <p:nvSpPr>
+          <p:cNvPr id="9" name="TextBox 8">
+            <a:extLst>
+              <a:ext uri="{FF2B5EF4-FFF2-40B4-BE49-F238E27FC236}">
+                <a16:creationId xmlns:a16="http://schemas.microsoft.com/office/drawing/2014/main" id="{16D326C2-43EC-4C03-AD35-210AAE9BD20C}"/>
+              </a:ext>
+            </a:extLst>
+          </p:cNvPr>
+          <p:cNvSpPr txBox="1"/>
+          <p:nvPr/>
+        </p:nvSpPr>
+        <p:spPr>
+          <a:xfrm>
+            <a:off x="10983569" y="339241"/>
+            <a:ext cx="668773" cy="338554"/>
+          </a:xfrm>
+          <a:prstGeom prst="rect">
+            <a:avLst/>
+          </a:prstGeom>
+          <a:noFill/>
+        </p:spPr>
+        <p:txBody>
+          <a:bodyPr wrap="none" rtlCol="0">
+            <a:spAutoFit/>
+          </a:bodyPr>
+          <a:lstStyle/>
+          <a:p>
+            <a:r>
+              <a:rPr lang="en-US" altLang="ko-KR" sz="1600" b="1" dirty="0">
+                <a:solidFill>
+                  <a:schemeClr val="bg1"/>
+                </a:solidFill>
+              </a:rPr>
+              <a:t>p147</a:t>
+            </a:r>
+            <a:endParaRPr lang="ko-KR" altLang="en-US" sz="1600" b="1" dirty="0">
+              <a:solidFill>
+                <a:schemeClr val="bg1"/>
+              </a:solidFill>
+            </a:endParaRPr>
+          </a:p>
+        </p:txBody>
+      </p:sp>
     </p:spTree>
     <p:extLst>
       <p:ext uri="{BB962C8B-B14F-4D97-AF65-F5344CB8AC3E}">
@@ -13121,6 +13223,13 @@
   <p:clrMapOvr>
     <a:masterClrMapping/>
   </p:clrMapOvr>
+  <p:timing>
+    <p:tnLst>
+      <p:par>
+        <p:cTn id="1" dur="indefinite" restart="never" nodeType="tmRoot"/>
+      </p:par>
+    </p:tnLst>
+  </p:timing>
 </p:sld>
 </file>
 
@@ -13438,7 +13547,7 @@
           <a:lstStyle/>
           <a:p>
             <a:r>
-              <a:rPr lang="en-US" altLang="ko-KR" sz="1200">
+              <a:rPr lang="en-US" altLang="ko-KR" sz="1200" dirty="0">
                 <a:solidFill>
                   <a:srgbClr val="000000"/>
                 </a:solidFill>
@@ -13451,7 +13560,7 @@
               <a:t> </a:t>
             </a:r>
             <a:r>
-              <a:rPr lang="en-US" altLang="ko-KR" sz="1200">
+              <a:rPr lang="en-US" altLang="ko-KR" sz="1200" dirty="0">
                 <a:solidFill>
                   <a:srgbClr val="0000FF"/>
                 </a:solidFill>
@@ -13464,7 +13573,7 @@
               <a:t>&lt;</a:t>
             </a:r>
             <a:r>
-              <a:rPr lang="en-US" altLang="ko-KR" sz="1200">
+              <a:rPr lang="en-US" altLang="ko-KR" sz="1200" dirty="0">
                 <a:solidFill>
                   <a:srgbClr val="800000"/>
                 </a:solidFill>
@@ -13477,7 +13586,7 @@
               <a:t>ul</a:t>
             </a:r>
             <a:r>
-              <a:rPr lang="en-US" altLang="ko-KR" sz="1200">
+              <a:rPr lang="en-US" altLang="ko-KR" sz="1200" dirty="0">
                 <a:solidFill>
                   <a:srgbClr val="0000FF"/>
                 </a:solidFill>
@@ -13489,7 +13598,7 @@
               </a:rPr>
               <a:t>&gt;</a:t>
             </a:r>
-            <a:endParaRPr lang="en-US" altLang="ko-KR" sz="1200">
+            <a:endParaRPr lang="en-US" altLang="ko-KR" sz="1200" dirty="0">
               <a:solidFill>
                 <a:srgbClr val="000000"/>
               </a:solidFill>
@@ -13502,7 +13611,7 @@
           </a:p>
           <a:p>
             <a:r>
-              <a:rPr lang="en-US" altLang="ko-KR" sz="1200">
+              <a:rPr lang="en-US" altLang="ko-KR" sz="1200" dirty="0">
                 <a:solidFill>
                   <a:srgbClr val="000000"/>
                 </a:solidFill>
@@ -13515,7 +13624,7 @@
               <a:t>   </a:t>
             </a:r>
             <a:r>
-              <a:rPr lang="en-US" altLang="ko-KR" sz="1200">
+              <a:rPr lang="en-US" altLang="ko-KR" sz="1200" dirty="0">
                 <a:solidFill>
                   <a:srgbClr val="0000FF"/>
                 </a:solidFill>
@@ -13528,7 +13637,7 @@
               <a:t>&lt;</a:t>
             </a:r>
             <a:r>
-              <a:rPr lang="en-US" altLang="ko-KR" sz="1200">
+              <a:rPr lang="en-US" altLang="ko-KR" sz="1200" dirty="0">
                 <a:solidFill>
                   <a:srgbClr val="800000"/>
                 </a:solidFill>
@@ -13541,7 +13650,7 @@
               <a:t>li</a:t>
             </a:r>
             <a:r>
-              <a:rPr lang="en-US" altLang="ko-KR" sz="1200">
+              <a:rPr lang="en-US" altLang="ko-KR" sz="1200" dirty="0">
                 <a:solidFill>
                   <a:srgbClr val="0000FF"/>
                 </a:solidFill>
@@ -13553,7 +13662,7 @@
               </a:rPr>
               <a:t>&gt;</a:t>
             </a:r>
-            <a:endParaRPr lang="en-US" altLang="ko-KR" sz="1200">
+            <a:endParaRPr lang="en-US" altLang="ko-KR" sz="1200" dirty="0">
               <a:solidFill>
                 <a:srgbClr val="000000"/>
               </a:solidFill>
@@ -13566,7 +13675,7 @@
           </a:p>
           <a:p>
             <a:r>
-              <a:rPr lang="en-US" altLang="ko-KR" sz="1200">
+              <a:rPr lang="en-US" altLang="ko-KR" sz="1200" dirty="0">
                 <a:solidFill>
                   <a:srgbClr val="000000"/>
                 </a:solidFill>
@@ -13579,7 +13688,7 @@
               <a:t>     </a:t>
             </a:r>
             <a:r>
-              <a:rPr lang="en-US" altLang="ko-KR" sz="1200">
+              <a:rPr lang="en-US" altLang="ko-KR" sz="1200" dirty="0">
                 <a:solidFill>
                   <a:srgbClr val="0000FF"/>
                 </a:solidFill>
@@ -13592,7 +13701,7 @@
               <a:t>&lt;</a:t>
             </a:r>
             <a:r>
-              <a:rPr lang="en-US" altLang="ko-KR" sz="1200">
+              <a:rPr lang="en-US" altLang="ko-KR" sz="1200" dirty="0">
                 <a:solidFill>
                   <a:srgbClr val="800000"/>
                 </a:solidFill>
@@ -13605,7 +13714,7 @@
               <a:t>label</a:t>
             </a:r>
             <a:r>
-              <a:rPr lang="en-US" altLang="ko-KR" sz="1200">
+              <a:rPr lang="en-US" altLang="ko-KR" sz="1200" dirty="0">
                 <a:solidFill>
                   <a:srgbClr val="000000"/>
                 </a:solidFill>
@@ -13618,7 +13727,7 @@
               <a:t> </a:t>
             </a:r>
             <a:r>
-              <a:rPr lang="en-US" altLang="ko-KR" sz="1200">
+              <a:rPr lang="en-US" altLang="ko-KR" sz="1200" dirty="0">
                 <a:solidFill>
                   <a:srgbClr val="FF0000"/>
                 </a:solidFill>
@@ -13631,7 +13740,7 @@
               <a:t>class</a:t>
             </a:r>
             <a:r>
-              <a:rPr lang="en-US" altLang="ko-KR" sz="1200">
+              <a:rPr lang="en-US" altLang="ko-KR" sz="1200" dirty="0">
                 <a:solidFill>
                   <a:srgbClr val="0000FF"/>
                 </a:solidFill>
@@ -13644,7 +13753,7 @@
               <a:t>="reg"</a:t>
             </a:r>
             <a:r>
-              <a:rPr lang="en-US" altLang="ko-KR" sz="1200">
+              <a:rPr lang="en-US" altLang="ko-KR" sz="1200" dirty="0">
                 <a:solidFill>
                   <a:srgbClr val="000000"/>
                 </a:solidFill>
@@ -13657,7 +13766,7 @@
               <a:t> </a:t>
             </a:r>
             <a:r>
-              <a:rPr lang="en-US" altLang="ko-KR" sz="1200">
+              <a:rPr lang="en-US" altLang="ko-KR" sz="1200" dirty="0">
                 <a:solidFill>
                   <a:srgbClr val="FF0000"/>
                 </a:solidFill>
@@ -13670,7 +13779,7 @@
               <a:t>for</a:t>
             </a:r>
             <a:r>
-              <a:rPr lang="en-US" altLang="ko-KR" sz="1200">
+              <a:rPr lang="en-US" altLang="ko-KR" sz="1200" dirty="0">
                 <a:solidFill>
                   <a:srgbClr val="0000FF"/>
                 </a:solidFill>
@@ -13683,7 +13792,7 @@
               <a:t>="member"&gt;</a:t>
             </a:r>
             <a:r>
-              <a:rPr lang="ko-KR" altLang="en-US" sz="1200">
+              <a:rPr lang="ko-KR" altLang="en-US" sz="1200" dirty="0">
                 <a:solidFill>
                   <a:srgbClr val="000000"/>
                 </a:solidFill>
@@ -13696,7 +13805,7 @@
               <a:t>참여인원</a:t>
             </a:r>
             <a:r>
-              <a:rPr lang="en-US" altLang="ko-KR" sz="1200">
+              <a:rPr lang="en-US" altLang="ko-KR" sz="1200" dirty="0">
                 <a:solidFill>
                   <a:srgbClr val="0000FF"/>
                 </a:solidFill>
@@ -13709,7 +13818,7 @@
               <a:t>&lt;</a:t>
             </a:r>
             <a:r>
-              <a:rPr lang="en-US" altLang="ko-KR" sz="1200">
+              <a:rPr lang="en-US" altLang="ko-KR" sz="1200" dirty="0">
                 <a:solidFill>
                   <a:srgbClr val="800000"/>
                 </a:solidFill>
@@ -13722,7 +13831,7 @@
               <a:t>small</a:t>
             </a:r>
             <a:r>
-              <a:rPr lang="en-US" altLang="ko-KR" sz="1200">
+              <a:rPr lang="en-US" altLang="ko-KR" sz="1200" dirty="0">
                 <a:solidFill>
                   <a:srgbClr val="0000FF"/>
                 </a:solidFill>
@@ -13735,7 +13844,7 @@
               <a:t>&gt;</a:t>
             </a:r>
             <a:r>
-              <a:rPr lang="en-US" altLang="ko-KR" sz="1200">
+              <a:rPr lang="en-US" altLang="ko-KR" sz="1200" dirty="0">
                 <a:solidFill>
                   <a:srgbClr val="000000"/>
                 </a:solidFill>
@@ -13748,7 +13857,7 @@
               <a:t>(</a:t>
             </a:r>
             <a:r>
-              <a:rPr lang="ko-KR" altLang="en-US" sz="1200">
+              <a:rPr lang="ko-KR" altLang="en-US" sz="1200" dirty="0">
                 <a:solidFill>
                   <a:srgbClr val="000000"/>
                 </a:solidFill>
@@ -13761,7 +13870,7 @@
               <a:t>최대</a:t>
             </a:r>
             <a:r>
-              <a:rPr lang="en-US" altLang="ko-KR" sz="1200">
+              <a:rPr lang="en-US" altLang="ko-KR" sz="1200" dirty="0">
                 <a:solidFill>
                   <a:srgbClr val="000000"/>
                 </a:solidFill>
@@ -13774,7 +13883,7 @@
               <a:t>10</a:t>
             </a:r>
             <a:r>
-              <a:rPr lang="ko-KR" altLang="en-US" sz="1200">
+              <a:rPr lang="ko-KR" altLang="en-US" sz="1200" dirty="0">
                 <a:solidFill>
                   <a:srgbClr val="000000"/>
                 </a:solidFill>
@@ -13787,7 +13896,7 @@
               <a:t>명</a:t>
             </a:r>
             <a:r>
-              <a:rPr lang="en-US" altLang="ko-KR" sz="1200">
+              <a:rPr lang="en-US" altLang="ko-KR" sz="1200" dirty="0">
                 <a:solidFill>
                   <a:srgbClr val="000000"/>
                 </a:solidFill>
@@ -13800,7 +13909,7 @@
               <a:t>)</a:t>
             </a:r>
             <a:r>
-              <a:rPr lang="en-US" altLang="ko-KR" sz="1200">
+              <a:rPr lang="en-US" altLang="ko-KR" sz="1200" dirty="0">
                 <a:solidFill>
                   <a:srgbClr val="0000FF"/>
                 </a:solidFill>
@@ -13813,7 +13922,7 @@
               <a:t>&lt;/</a:t>
             </a:r>
             <a:r>
-              <a:rPr lang="en-US" altLang="ko-KR" sz="1200">
+              <a:rPr lang="en-US" altLang="ko-KR" sz="1200" dirty="0">
                 <a:solidFill>
                   <a:srgbClr val="800000"/>
                 </a:solidFill>
@@ -13826,7 +13935,7 @@
               <a:t>small</a:t>
             </a:r>
             <a:r>
-              <a:rPr lang="en-US" altLang="ko-KR" sz="1200">
+              <a:rPr lang="en-US" altLang="ko-KR" sz="1200" dirty="0">
                 <a:solidFill>
                   <a:srgbClr val="0000FF"/>
                 </a:solidFill>
@@ -13839,7 +13948,7 @@
               <a:t>&gt;&lt;/</a:t>
             </a:r>
             <a:r>
-              <a:rPr lang="en-US" altLang="ko-KR" sz="1200">
+              <a:rPr lang="en-US" altLang="ko-KR" sz="1200" dirty="0">
                 <a:solidFill>
                   <a:srgbClr val="800000"/>
                 </a:solidFill>
@@ -13852,7 +13961,7 @@
               <a:t>label</a:t>
             </a:r>
             <a:r>
-              <a:rPr lang="en-US" altLang="ko-KR" sz="1200">
+              <a:rPr lang="en-US" altLang="ko-KR" sz="1200" dirty="0">
                 <a:solidFill>
                   <a:srgbClr val="0000FF"/>
                 </a:solidFill>
@@ -13864,7 +13973,7 @@
               </a:rPr>
               <a:t>&gt;</a:t>
             </a:r>
-            <a:endParaRPr lang="en-US" altLang="ko-KR" sz="1200">
+            <a:endParaRPr lang="en-US" altLang="ko-KR" sz="1200" dirty="0">
               <a:solidFill>
                 <a:srgbClr val="000000"/>
               </a:solidFill>
@@ -13877,7 +13986,7 @@
           </a:p>
           <a:p>
             <a:r>
-              <a:rPr lang="en-US" altLang="ko-KR" sz="1200">
+              <a:rPr lang="en-US" altLang="ko-KR" sz="1200" dirty="0">
                 <a:solidFill>
                   <a:srgbClr val="000000"/>
                 </a:solidFill>
@@ -13890,7 +13999,7 @@
               <a:t>     </a:t>
             </a:r>
             <a:r>
-              <a:rPr lang="en-US" altLang="ko-KR" sz="1200">
+              <a:rPr lang="en-US" altLang="ko-KR" sz="1200" dirty="0">
                 <a:solidFill>
                   <a:srgbClr val="0000FF"/>
                 </a:solidFill>
@@ -13903,7 +14012,7 @@
               <a:t>&lt;</a:t>
             </a:r>
             <a:r>
-              <a:rPr lang="en-US" altLang="ko-KR" sz="1200">
+              <a:rPr lang="en-US" altLang="ko-KR" sz="1200" dirty="0">
                 <a:solidFill>
                   <a:srgbClr val="800000"/>
                 </a:solidFill>
@@ -13916,7 +14025,7 @@
               <a:t>input</a:t>
             </a:r>
             <a:r>
-              <a:rPr lang="en-US" altLang="ko-KR" sz="1200">
+              <a:rPr lang="en-US" altLang="ko-KR" sz="1200" dirty="0">
                 <a:solidFill>
                   <a:srgbClr val="000000"/>
                 </a:solidFill>
@@ -13929,7 +14038,7 @@
               <a:t> </a:t>
             </a:r>
             <a:r>
-              <a:rPr lang="en-US" altLang="ko-KR" sz="1200">
+              <a:rPr lang="en-US" altLang="ko-KR" sz="1200" dirty="0">
                 <a:solidFill>
                   <a:srgbClr val="FF0000"/>
                 </a:solidFill>
@@ -13942,7 +14051,7 @@
               <a:t>type</a:t>
             </a:r>
             <a:r>
-              <a:rPr lang="en-US" altLang="ko-KR" sz="1200">
+              <a:rPr lang="en-US" altLang="ko-KR" sz="1200" dirty="0">
                 <a:solidFill>
                   <a:srgbClr val="0000FF"/>
                 </a:solidFill>
@@ -13955,7 +14064,7 @@
               <a:t>="number"</a:t>
             </a:r>
             <a:r>
-              <a:rPr lang="en-US" altLang="ko-KR" sz="1200">
+              <a:rPr lang="en-US" altLang="ko-KR" sz="1200" dirty="0">
                 <a:solidFill>
                   <a:srgbClr val="000000"/>
                 </a:solidFill>
@@ -13968,7 +14077,7 @@
               <a:t> </a:t>
             </a:r>
             <a:r>
-              <a:rPr lang="en-US" altLang="ko-KR" sz="1200">
+              <a:rPr lang="en-US" altLang="ko-KR" sz="1200" dirty="0">
                 <a:solidFill>
                   <a:srgbClr val="FF0000"/>
                 </a:solidFill>
@@ -13981,7 +14090,7 @@
               <a:t>id</a:t>
             </a:r>
             <a:r>
-              <a:rPr lang="en-US" altLang="ko-KR" sz="1200">
+              <a:rPr lang="en-US" altLang="ko-KR" sz="1200" dirty="0">
                 <a:solidFill>
                   <a:srgbClr val="0000FF"/>
                 </a:solidFill>
@@ -13994,7 +14103,7 @@
               <a:t>="member"</a:t>
             </a:r>
             <a:r>
-              <a:rPr lang="en-US" altLang="ko-KR" sz="1200">
+              <a:rPr lang="en-US" altLang="ko-KR" sz="1200" dirty="0">
                 <a:solidFill>
                   <a:srgbClr val="000000"/>
                 </a:solidFill>
@@ -14007,7 +14116,7 @@
               <a:t> </a:t>
             </a:r>
             <a:r>
-              <a:rPr lang="en-US" altLang="ko-KR" sz="1200">
+              <a:rPr lang="en-US" altLang="ko-KR" sz="1200" dirty="0">
                 <a:solidFill>
                   <a:srgbClr val="FF0000"/>
                 </a:solidFill>
@@ -14020,7 +14129,7 @@
               <a:t>value</a:t>
             </a:r>
             <a:r>
-              <a:rPr lang="en-US" altLang="ko-KR" sz="1200">
+              <a:rPr lang="en-US" altLang="ko-KR" sz="1200" dirty="0">
                 <a:solidFill>
                   <a:srgbClr val="0000FF"/>
                 </a:solidFill>
@@ -14033,7 +14142,7 @@
               <a:t>="1"</a:t>
             </a:r>
             <a:r>
-              <a:rPr lang="en-US" altLang="ko-KR" sz="1200">
+              <a:rPr lang="en-US" altLang="ko-KR" sz="1200" dirty="0">
                 <a:solidFill>
                   <a:srgbClr val="000000"/>
                 </a:solidFill>
@@ -14046,7 +14155,7 @@
               <a:t> </a:t>
             </a:r>
             <a:r>
-              <a:rPr lang="en-US" altLang="ko-KR" sz="1200">
+              <a:rPr lang="en-US" altLang="ko-KR" sz="1200" dirty="0">
                 <a:solidFill>
                   <a:srgbClr val="FF0000"/>
                 </a:solidFill>
@@ -14059,7 +14168,7 @@
               <a:t>min</a:t>
             </a:r>
             <a:r>
-              <a:rPr lang="en-US" altLang="ko-KR" sz="1200">
+              <a:rPr lang="en-US" altLang="ko-KR" sz="1200" dirty="0">
                 <a:solidFill>
                   <a:srgbClr val="0000FF"/>
                 </a:solidFill>
@@ -14072,7 +14181,7 @@
               <a:t>="0"</a:t>
             </a:r>
             <a:r>
-              <a:rPr lang="en-US" altLang="ko-KR" sz="1200">
+              <a:rPr lang="en-US" altLang="ko-KR" sz="1200" dirty="0">
                 <a:solidFill>
                   <a:srgbClr val="000000"/>
                 </a:solidFill>
@@ -14085,7 +14194,7 @@
               <a:t> </a:t>
             </a:r>
             <a:r>
-              <a:rPr lang="en-US" altLang="ko-KR" sz="1200">
+              <a:rPr lang="en-US" altLang="ko-KR" sz="1200" dirty="0">
                 <a:solidFill>
                   <a:srgbClr val="FF0000"/>
                 </a:solidFill>
@@ -14098,7 +14207,7 @@
               <a:t>max</a:t>
             </a:r>
             <a:r>
-              <a:rPr lang="en-US" altLang="ko-KR" sz="1200">
+              <a:rPr lang="en-US" altLang="ko-KR" sz="1200" dirty="0">
                 <a:solidFill>
                   <a:srgbClr val="0000FF"/>
                 </a:solidFill>
@@ -14111,7 +14220,7 @@
               <a:t>="10"</a:t>
             </a:r>
             <a:r>
-              <a:rPr lang="en-US" altLang="ko-KR" sz="1200">
+              <a:rPr lang="en-US" altLang="ko-KR" sz="1200" dirty="0">
                 <a:solidFill>
                   <a:srgbClr val="000000"/>
                 </a:solidFill>
@@ -14124,7 +14233,7 @@
               <a:t> </a:t>
             </a:r>
             <a:r>
-              <a:rPr lang="en-US" altLang="ko-KR" sz="1200">
+              <a:rPr lang="en-US" altLang="ko-KR" sz="1200" dirty="0">
                 <a:solidFill>
                   <a:srgbClr val="FF0000"/>
                 </a:solidFill>
@@ -14137,7 +14246,7 @@
               <a:t>step</a:t>
             </a:r>
             <a:r>
-              <a:rPr lang="en-US" altLang="ko-KR" sz="1200">
+              <a:rPr lang="en-US" altLang="ko-KR" sz="1200" dirty="0">
                 <a:solidFill>
                   <a:srgbClr val="0000FF"/>
                 </a:solidFill>
@@ -14149,7 +14258,7 @@
               </a:rPr>
               <a:t>="1"&gt;</a:t>
             </a:r>
-            <a:endParaRPr lang="en-US" altLang="ko-KR" sz="1200">
+            <a:endParaRPr lang="en-US" altLang="ko-KR" sz="1200" dirty="0">
               <a:solidFill>
                 <a:srgbClr val="000000"/>
               </a:solidFill>
@@ -14162,7 +14271,7 @@
           </a:p>
           <a:p>
             <a:r>
-              <a:rPr lang="en-US" altLang="ko-KR" sz="1200">
+              <a:rPr lang="en-US" altLang="ko-KR" sz="1200" dirty="0">
                 <a:solidFill>
                   <a:srgbClr val="0000FF"/>
                 </a:solidFill>
@@ -14175,7 +14284,7 @@
               <a:t>  &lt;/</a:t>
             </a:r>
             <a:r>
-              <a:rPr lang="en-US" altLang="ko-KR" sz="1200">
+              <a:rPr lang="en-US" altLang="ko-KR" sz="1200" dirty="0">
                 <a:solidFill>
                   <a:srgbClr val="800000"/>
                 </a:solidFill>
@@ -14188,7 +14297,7 @@
               <a:t>li</a:t>
             </a:r>
             <a:r>
-              <a:rPr lang="en-US" altLang="ko-KR" sz="1200">
+              <a:rPr lang="en-US" altLang="ko-KR" sz="1200" dirty="0">
                 <a:solidFill>
                   <a:srgbClr val="0000FF"/>
                 </a:solidFill>
@@ -14200,7 +14309,7 @@
               </a:rPr>
               <a:t>&gt;</a:t>
             </a:r>
-            <a:endParaRPr lang="en-US" altLang="ko-KR" sz="1200">
+            <a:endParaRPr lang="en-US" altLang="ko-KR" sz="1200" dirty="0">
               <a:solidFill>
                 <a:srgbClr val="000000"/>
               </a:solidFill>
@@ -14213,7 +14322,7 @@
           </a:p>
           <a:p>
             <a:r>
-              <a:rPr lang="en-US" altLang="ko-KR" sz="1200">
+              <a:rPr lang="en-US" altLang="ko-KR" sz="1200" dirty="0">
                 <a:solidFill>
                   <a:srgbClr val="0000FF"/>
                 </a:solidFill>
@@ -14226,7 +14335,7 @@
               <a:t>  &lt;</a:t>
             </a:r>
             <a:r>
-              <a:rPr lang="en-US" altLang="ko-KR" sz="1200">
+              <a:rPr lang="en-US" altLang="ko-KR" sz="1200" dirty="0">
                 <a:solidFill>
                   <a:srgbClr val="800000"/>
                 </a:solidFill>
@@ -14239,7 +14348,7 @@
               <a:t>li</a:t>
             </a:r>
             <a:r>
-              <a:rPr lang="en-US" altLang="ko-KR" sz="1200">
+              <a:rPr lang="en-US" altLang="ko-KR" sz="1200" dirty="0">
                 <a:solidFill>
                   <a:srgbClr val="0000FF"/>
                 </a:solidFill>
@@ -14251,7 +14360,7 @@
               </a:rPr>
               <a:t>&gt;</a:t>
             </a:r>
-            <a:endParaRPr lang="en-US" altLang="ko-KR" sz="1200">
+            <a:endParaRPr lang="en-US" altLang="ko-KR" sz="1200" dirty="0">
               <a:solidFill>
                 <a:srgbClr val="000000"/>
               </a:solidFill>
@@ -14264,7 +14373,7 @@
           </a:p>
           <a:p>
             <a:r>
-              <a:rPr lang="en-US" altLang="ko-KR" sz="1200">
+              <a:rPr lang="en-US" altLang="ko-KR" sz="1200" dirty="0">
                 <a:solidFill>
                   <a:srgbClr val="0000FF"/>
                 </a:solidFill>
@@ -14277,7 +14386,7 @@
               <a:t>    &lt;</a:t>
             </a:r>
             <a:r>
-              <a:rPr lang="en-US" altLang="ko-KR" sz="1200">
+              <a:rPr lang="en-US" altLang="ko-KR" sz="1200" dirty="0">
                 <a:solidFill>
                   <a:srgbClr val="800000"/>
                 </a:solidFill>
@@ -14290,7 +14399,7 @@
               <a:t>label</a:t>
             </a:r>
             <a:r>
-              <a:rPr lang="en-US" altLang="ko-KR" sz="1200">
+              <a:rPr lang="en-US" altLang="ko-KR" sz="1200" dirty="0">
                 <a:solidFill>
                   <a:srgbClr val="000000"/>
                 </a:solidFill>
@@ -14303,7 +14412,7 @@
               <a:t> </a:t>
             </a:r>
             <a:r>
-              <a:rPr lang="en-US" altLang="ko-KR" sz="1200">
+              <a:rPr lang="en-US" altLang="ko-KR" sz="1200" dirty="0">
                 <a:solidFill>
                   <a:srgbClr val="FF0000"/>
                 </a:solidFill>
@@ -14316,7 +14425,7 @@
               <a:t>class</a:t>
             </a:r>
             <a:r>
-              <a:rPr lang="en-US" altLang="ko-KR" sz="1200">
+              <a:rPr lang="en-US" altLang="ko-KR" sz="1200" dirty="0">
                 <a:solidFill>
                   <a:srgbClr val="0000FF"/>
                 </a:solidFill>
@@ -14329,7 +14438,7 @@
               <a:t>="reg"</a:t>
             </a:r>
             <a:r>
-              <a:rPr lang="en-US" altLang="ko-KR" sz="1200">
+              <a:rPr lang="en-US" altLang="ko-KR" sz="1200" dirty="0">
                 <a:solidFill>
                   <a:srgbClr val="000000"/>
                 </a:solidFill>
@@ -14342,7 +14451,7 @@
               <a:t> </a:t>
             </a:r>
             <a:r>
-              <a:rPr lang="en-US" altLang="ko-KR" sz="1200">
+              <a:rPr lang="en-US" altLang="ko-KR" sz="1200" dirty="0">
                 <a:solidFill>
                   <a:srgbClr val="FF0000"/>
                 </a:solidFill>
@@ -14355,7 +14464,7 @@
               <a:t>for</a:t>
             </a:r>
             <a:r>
-              <a:rPr lang="en-US" altLang="ko-KR" sz="1200">
+              <a:rPr lang="en-US" altLang="ko-KR" sz="1200" dirty="0">
                 <a:solidFill>
                   <a:srgbClr val="0000FF"/>
                 </a:solidFill>
@@ -14368,7 +14477,7 @@
               <a:t>="stuffs"&gt;</a:t>
             </a:r>
             <a:r>
-              <a:rPr lang="ko-KR" altLang="en-US" sz="1200">
+              <a:rPr lang="ko-KR" altLang="en-US" sz="1200" dirty="0">
                 <a:solidFill>
                   <a:srgbClr val="000000"/>
                 </a:solidFill>
@@ -14381,7 +14490,7 @@
               <a:t>지원물품</a:t>
             </a:r>
             <a:r>
-              <a:rPr lang="en-US" altLang="ko-KR" sz="1200">
+              <a:rPr lang="en-US" altLang="ko-KR" sz="1200" dirty="0">
                 <a:solidFill>
                   <a:srgbClr val="0000FF"/>
                 </a:solidFill>
@@ -14394,7 +14503,7 @@
               <a:t>&lt;</a:t>
             </a:r>
             <a:r>
-              <a:rPr lang="en-US" altLang="ko-KR" sz="1200">
+              <a:rPr lang="en-US" altLang="ko-KR" sz="1200" dirty="0">
                 <a:solidFill>
                   <a:srgbClr val="800000"/>
                 </a:solidFill>
@@ -14407,7 +14516,7 @@
               <a:t>small</a:t>
             </a:r>
             <a:r>
-              <a:rPr lang="en-US" altLang="ko-KR" sz="1200">
+              <a:rPr lang="en-US" altLang="ko-KR" sz="1200" dirty="0">
                 <a:solidFill>
                   <a:srgbClr val="0000FF"/>
                 </a:solidFill>
@@ -14420,7 +14529,7 @@
               <a:t>&gt;</a:t>
             </a:r>
             <a:r>
-              <a:rPr lang="en-US" altLang="ko-KR" sz="1200">
+              <a:rPr lang="en-US" altLang="ko-KR" sz="1200" dirty="0">
                 <a:solidFill>
                   <a:srgbClr val="000000"/>
                 </a:solidFill>
@@ -14433,7 +14542,7 @@
               <a:t>(1</a:t>
             </a:r>
             <a:r>
-              <a:rPr lang="ko-KR" altLang="en-US" sz="1200">
+              <a:rPr lang="ko-KR" altLang="en-US" sz="1200" dirty="0">
                 <a:solidFill>
                   <a:srgbClr val="000000"/>
                 </a:solidFill>
@@ -14446,7 +14555,7 @@
               <a:t>인당 </a:t>
             </a:r>
             <a:r>
-              <a:rPr lang="en-US" altLang="ko-KR" sz="1200">
+              <a:rPr lang="en-US" altLang="ko-KR" sz="1200" dirty="0">
                 <a:solidFill>
                   <a:srgbClr val="000000"/>
                 </a:solidFill>
@@ -14459,7 +14568,7 @@
               <a:t>5</a:t>
             </a:r>
             <a:r>
-              <a:rPr lang="ko-KR" altLang="en-US" sz="1200">
+              <a:rPr lang="ko-KR" altLang="en-US" sz="1200" dirty="0">
                 <a:solidFill>
                   <a:srgbClr val="000000"/>
                 </a:solidFill>
@@ -14472,7 +14581,7 @@
               <a:t>개</a:t>
             </a:r>
             <a:r>
-              <a:rPr lang="en-US" altLang="ko-KR" sz="1200">
+              <a:rPr lang="en-US" altLang="ko-KR" sz="1200" dirty="0">
                 <a:solidFill>
                   <a:srgbClr val="000000"/>
                 </a:solidFill>
@@ -14485,7 +14594,7 @@
               <a:t>)</a:t>
             </a:r>
             <a:r>
-              <a:rPr lang="en-US" altLang="ko-KR" sz="1200">
+              <a:rPr lang="en-US" altLang="ko-KR" sz="1200" dirty="0">
                 <a:solidFill>
                   <a:srgbClr val="0000FF"/>
                 </a:solidFill>
@@ -14498,7 +14607,7 @@
               <a:t>&lt;/</a:t>
             </a:r>
             <a:r>
-              <a:rPr lang="en-US" altLang="ko-KR" sz="1200">
+              <a:rPr lang="en-US" altLang="ko-KR" sz="1200" dirty="0">
                 <a:solidFill>
                   <a:srgbClr val="800000"/>
                 </a:solidFill>
@@ -14511,7 +14620,7 @@
               <a:t>small</a:t>
             </a:r>
             <a:r>
-              <a:rPr lang="en-US" altLang="ko-KR" sz="1200">
+              <a:rPr lang="en-US" altLang="ko-KR" sz="1200" dirty="0">
                 <a:solidFill>
                   <a:srgbClr val="0000FF"/>
                 </a:solidFill>
@@ -14524,7 +14633,7 @@
               <a:t>&gt;&lt;/</a:t>
             </a:r>
             <a:r>
-              <a:rPr lang="en-US" altLang="ko-KR" sz="1200">
+              <a:rPr lang="en-US" altLang="ko-KR" sz="1200" dirty="0">
                 <a:solidFill>
                   <a:srgbClr val="800000"/>
                 </a:solidFill>
@@ -14537,7 +14646,7 @@
               <a:t>label</a:t>
             </a:r>
             <a:r>
-              <a:rPr lang="en-US" altLang="ko-KR" sz="1200">
+              <a:rPr lang="en-US" altLang="ko-KR" sz="1200" dirty="0">
                 <a:solidFill>
                   <a:srgbClr val="0000FF"/>
                 </a:solidFill>
@@ -14549,7 +14658,7 @@
               </a:rPr>
               <a:t>&gt;</a:t>
             </a:r>
-            <a:endParaRPr lang="en-US" altLang="ko-KR" sz="1200">
+            <a:endParaRPr lang="en-US" altLang="ko-KR" sz="1200" dirty="0">
               <a:solidFill>
                 <a:srgbClr val="000000"/>
               </a:solidFill>
@@ -14562,7 +14671,7 @@
           </a:p>
           <a:p>
             <a:r>
-              <a:rPr lang="en-US" altLang="ko-KR" sz="1200">
+              <a:rPr lang="en-US" altLang="ko-KR" sz="1200" dirty="0">
                 <a:solidFill>
                   <a:srgbClr val="0000FF"/>
                 </a:solidFill>
@@ -14575,7 +14684,7 @@
               <a:t>    &lt;</a:t>
             </a:r>
             <a:r>
-              <a:rPr lang="en-US" altLang="ko-KR" sz="1200">
+              <a:rPr lang="en-US" altLang="ko-KR" sz="1200" dirty="0">
                 <a:solidFill>
                   <a:srgbClr val="800000"/>
                 </a:solidFill>
@@ -14588,7 +14697,7 @@
               <a:t>input</a:t>
             </a:r>
             <a:r>
-              <a:rPr lang="en-US" altLang="ko-KR" sz="1200">
+              <a:rPr lang="en-US" altLang="ko-KR" sz="1200" dirty="0">
                 <a:solidFill>
                   <a:srgbClr val="000000"/>
                 </a:solidFill>
@@ -14601,7 +14710,7 @@
               <a:t> </a:t>
             </a:r>
             <a:r>
-              <a:rPr lang="en-US" altLang="ko-KR" sz="1200">
+              <a:rPr lang="en-US" altLang="ko-KR" sz="1200" dirty="0">
                 <a:solidFill>
                   <a:srgbClr val="FF0000"/>
                 </a:solidFill>
@@ -14614,7 +14723,7 @@
               <a:t>type</a:t>
             </a:r>
             <a:r>
-              <a:rPr lang="en-US" altLang="ko-KR" sz="1200">
+              <a:rPr lang="en-US" altLang="ko-KR" sz="1200" dirty="0">
                 <a:solidFill>
                   <a:srgbClr val="0000FF"/>
                 </a:solidFill>
@@ -14627,7 +14736,7 @@
               <a:t>="number"</a:t>
             </a:r>
             <a:r>
-              <a:rPr lang="en-US" altLang="ko-KR" sz="1200">
+              <a:rPr lang="en-US" altLang="ko-KR" sz="1200" dirty="0">
                 <a:solidFill>
                   <a:srgbClr val="000000"/>
                 </a:solidFill>
@@ -14640,7 +14749,7 @@
               <a:t> </a:t>
             </a:r>
             <a:r>
-              <a:rPr lang="en-US" altLang="ko-KR" sz="1200">
+              <a:rPr lang="en-US" altLang="ko-KR" sz="1200" dirty="0">
                 <a:solidFill>
                   <a:srgbClr val="FF0000"/>
                 </a:solidFill>
@@ -14653,7 +14762,7 @@
               <a:t>id</a:t>
             </a:r>
             <a:r>
-              <a:rPr lang="en-US" altLang="ko-KR" sz="1200">
+              <a:rPr lang="en-US" altLang="ko-KR" sz="1200" dirty="0">
                 <a:solidFill>
                   <a:srgbClr val="0000FF"/>
                 </a:solidFill>
@@ -14666,7 +14775,7 @@
               <a:t>="stuffs"</a:t>
             </a:r>
             <a:r>
-              <a:rPr lang="en-US" altLang="ko-KR" sz="1200">
+              <a:rPr lang="en-US" altLang="ko-KR" sz="1200" dirty="0">
                 <a:solidFill>
                   <a:srgbClr val="000000"/>
                 </a:solidFill>
@@ -14679,7 +14788,7 @@
               <a:t> </a:t>
             </a:r>
             <a:r>
-              <a:rPr lang="en-US" altLang="ko-KR" sz="1200">
+              <a:rPr lang="en-US" altLang="ko-KR" sz="1200" dirty="0">
                 <a:solidFill>
                   <a:srgbClr val="FF0000"/>
                 </a:solidFill>
@@ -14692,7 +14801,7 @@
               <a:t>value</a:t>
             </a:r>
             <a:r>
-              <a:rPr lang="en-US" altLang="ko-KR" sz="1200">
+              <a:rPr lang="en-US" altLang="ko-KR" sz="1200" dirty="0">
                 <a:solidFill>
                   <a:srgbClr val="0000FF"/>
                 </a:solidFill>
@@ -14705,7 +14814,7 @@
               <a:t>="1"</a:t>
             </a:r>
             <a:r>
-              <a:rPr lang="en-US" altLang="ko-KR" sz="1200">
+              <a:rPr lang="en-US" altLang="ko-KR" sz="1200" dirty="0">
                 <a:solidFill>
                   <a:srgbClr val="000000"/>
                 </a:solidFill>
@@ -14718,7 +14827,7 @@
               <a:t> </a:t>
             </a:r>
             <a:r>
-              <a:rPr lang="en-US" altLang="ko-KR" sz="1200">
+              <a:rPr lang="en-US" altLang="ko-KR" sz="1200" dirty="0">
                 <a:solidFill>
                   <a:srgbClr val="FF0000"/>
                 </a:solidFill>
@@ -14731,7 +14840,7 @@
               <a:t>min</a:t>
             </a:r>
             <a:r>
-              <a:rPr lang="en-US" altLang="ko-KR" sz="1200">
+              <a:rPr lang="en-US" altLang="ko-KR" sz="1200" dirty="0">
                 <a:solidFill>
                   <a:srgbClr val="0000FF"/>
                 </a:solidFill>
@@ -14744,7 +14853,7 @@
               <a:t>="0"</a:t>
             </a:r>
             <a:r>
-              <a:rPr lang="en-US" altLang="ko-KR" sz="1200">
+              <a:rPr lang="en-US" altLang="ko-KR" sz="1200" dirty="0">
                 <a:solidFill>
                   <a:srgbClr val="000000"/>
                 </a:solidFill>
@@ -14757,7 +14866,7 @@
               <a:t> </a:t>
             </a:r>
             <a:r>
-              <a:rPr lang="en-US" altLang="ko-KR" sz="1200">
+              <a:rPr lang="en-US" altLang="ko-KR" sz="1200" dirty="0">
                 <a:solidFill>
                   <a:srgbClr val="FF0000"/>
                 </a:solidFill>
@@ -14770,7 +14879,7 @@
               <a:t>max</a:t>
             </a:r>
             <a:r>
-              <a:rPr lang="en-US" altLang="ko-KR" sz="1200">
+              <a:rPr lang="en-US" altLang="ko-KR" sz="1200" dirty="0">
                 <a:solidFill>
                   <a:srgbClr val="0000FF"/>
                 </a:solidFill>
@@ -14783,7 +14892,7 @@
               <a:t>="50"</a:t>
             </a:r>
             <a:r>
-              <a:rPr lang="en-US" altLang="ko-KR" sz="1200">
+              <a:rPr lang="en-US" altLang="ko-KR" sz="1200" dirty="0">
                 <a:solidFill>
                   <a:srgbClr val="000000"/>
                 </a:solidFill>
@@ -14796,7 +14905,7 @@
               <a:t> </a:t>
             </a:r>
             <a:r>
-              <a:rPr lang="en-US" altLang="ko-KR" sz="1200">
+              <a:rPr lang="en-US" altLang="ko-KR" sz="1200" dirty="0">
                 <a:solidFill>
                   <a:srgbClr val="FF0000"/>
                 </a:solidFill>
@@ -14809,7 +14918,7 @@
               <a:t>step</a:t>
             </a:r>
             <a:r>
-              <a:rPr lang="en-US" altLang="ko-KR" sz="1200">
+              <a:rPr lang="en-US" altLang="ko-KR" sz="1200" dirty="0">
                 <a:solidFill>
                   <a:srgbClr val="0000FF"/>
                 </a:solidFill>
@@ -14821,7 +14930,7 @@
               </a:rPr>
               <a:t>="5"&gt;</a:t>
             </a:r>
-            <a:endParaRPr lang="en-US" altLang="ko-KR" sz="1200">
+            <a:endParaRPr lang="en-US" altLang="ko-KR" sz="1200" dirty="0">
               <a:solidFill>
                 <a:srgbClr val="000000"/>
               </a:solidFill>
@@ -14834,7 +14943,7 @@
           </a:p>
           <a:p>
             <a:r>
-              <a:rPr lang="en-US" altLang="ko-KR" sz="1200">
+              <a:rPr lang="en-US" altLang="ko-KR" sz="1200" dirty="0">
                 <a:solidFill>
                   <a:srgbClr val="0000FF"/>
                 </a:solidFill>
@@ -14847,7 +14956,7 @@
               <a:t>  &lt;/</a:t>
             </a:r>
             <a:r>
-              <a:rPr lang="en-US" altLang="ko-KR" sz="1200">
+              <a:rPr lang="en-US" altLang="ko-KR" sz="1200" dirty="0">
                 <a:solidFill>
                   <a:srgbClr val="800000"/>
                 </a:solidFill>
@@ -14860,7 +14969,7 @@
               <a:t>li</a:t>
             </a:r>
             <a:r>
-              <a:rPr lang="en-US" altLang="ko-KR" sz="1200">
+              <a:rPr lang="en-US" altLang="ko-KR" sz="1200" dirty="0">
                 <a:solidFill>
                   <a:srgbClr val="0000FF"/>
                 </a:solidFill>
@@ -14872,7 +14981,7 @@
               </a:rPr>
               <a:t>&gt;</a:t>
             </a:r>
-            <a:endParaRPr lang="en-US" altLang="ko-KR" sz="1200">
+            <a:endParaRPr lang="en-US" altLang="ko-KR" sz="1200" dirty="0">
               <a:solidFill>
                 <a:srgbClr val="000000"/>
               </a:solidFill>
@@ -14885,7 +14994,7 @@
           </a:p>
           <a:p>
             <a:r>
-              <a:rPr lang="en-US" altLang="ko-KR" sz="1200">
+              <a:rPr lang="en-US" altLang="ko-KR" sz="1200" dirty="0">
                 <a:solidFill>
                   <a:srgbClr val="0000FF"/>
                 </a:solidFill>
@@ -14898,7 +15007,7 @@
               <a:t>  &lt;</a:t>
             </a:r>
             <a:r>
-              <a:rPr lang="en-US" altLang="ko-KR" sz="1200">
+              <a:rPr lang="en-US" altLang="ko-KR" sz="1200" dirty="0">
                 <a:solidFill>
                   <a:srgbClr val="800000"/>
                 </a:solidFill>
@@ -14911,7 +15020,7 @@
               <a:t>li</a:t>
             </a:r>
             <a:r>
-              <a:rPr lang="en-US" altLang="ko-KR" sz="1200">
+              <a:rPr lang="en-US" altLang="ko-KR" sz="1200" dirty="0">
                 <a:solidFill>
                   <a:srgbClr val="0000FF"/>
                 </a:solidFill>
@@ -14923,7 +15032,7 @@
               </a:rPr>
               <a:t>&gt;</a:t>
             </a:r>
-            <a:endParaRPr lang="en-US" altLang="ko-KR" sz="1200">
+            <a:endParaRPr lang="en-US" altLang="ko-KR" sz="1200" dirty="0">
               <a:solidFill>
                 <a:srgbClr val="000000"/>
               </a:solidFill>
@@ -14936,7 +15045,7 @@
           </a:p>
           <a:p>
             <a:r>
-              <a:rPr lang="en-US" altLang="ko-KR" sz="1200">
+              <a:rPr lang="en-US" altLang="ko-KR" sz="1200" dirty="0">
                 <a:solidFill>
                   <a:srgbClr val="0000FF"/>
                 </a:solidFill>
@@ -14949,7 +15058,7 @@
               <a:t>    &lt;</a:t>
             </a:r>
             <a:r>
-              <a:rPr lang="en-US" altLang="ko-KR" sz="1200">
+              <a:rPr lang="en-US" altLang="ko-KR" sz="1200" dirty="0">
                 <a:solidFill>
                   <a:srgbClr val="800000"/>
                 </a:solidFill>
@@ -14962,7 +15071,7 @@
               <a:t>label</a:t>
             </a:r>
             <a:r>
-              <a:rPr lang="en-US" altLang="ko-KR" sz="1200">
+              <a:rPr lang="en-US" altLang="ko-KR" sz="1200" dirty="0">
                 <a:solidFill>
                   <a:srgbClr val="000000"/>
                 </a:solidFill>
@@ -14975,7 +15084,7 @@
               <a:t> </a:t>
             </a:r>
             <a:r>
-              <a:rPr lang="en-US" altLang="ko-KR" sz="1200">
+              <a:rPr lang="en-US" altLang="ko-KR" sz="1200" dirty="0">
                 <a:solidFill>
                   <a:srgbClr val="FF0000"/>
                 </a:solidFill>
@@ -14988,7 +15097,7 @@
               <a:t>class</a:t>
             </a:r>
             <a:r>
-              <a:rPr lang="en-US" altLang="ko-KR" sz="1200">
+              <a:rPr lang="en-US" altLang="ko-KR" sz="1200" dirty="0">
                 <a:solidFill>
                   <a:srgbClr val="0000FF"/>
                 </a:solidFill>
@@ -15001,7 +15110,7 @@
               <a:t>="reg"</a:t>
             </a:r>
             <a:r>
-              <a:rPr lang="en-US" altLang="ko-KR" sz="1200">
+              <a:rPr lang="en-US" altLang="ko-KR" sz="1200" dirty="0">
                 <a:solidFill>
                   <a:srgbClr val="000000"/>
                 </a:solidFill>
@@ -15014,7 +15123,7 @@
               <a:t> </a:t>
             </a:r>
             <a:r>
-              <a:rPr lang="en-US" altLang="ko-KR" sz="1200">
+              <a:rPr lang="en-US" altLang="ko-KR" sz="1200" dirty="0">
                 <a:solidFill>
                   <a:srgbClr val="FF0000"/>
                 </a:solidFill>
@@ -15027,20 +15136,46 @@
               <a:t>for</a:t>
             </a:r>
             <a:r>
-              <a:rPr lang="en-US" altLang="ko-KR" sz="1200">
-                <a:solidFill>
-                  <a:srgbClr val="0000FF"/>
-                </a:solidFill>
-                <a:highlight>
-                  <a:srgbClr val="FFFFFF"/>
-                </a:highlight>
-                <a:latin typeface="D2Coding" panose="020B0609020101020101" pitchFamily="49" charset="-127"/>
-                <a:ea typeface="D2Coding" panose="020B0609020101020101" pitchFamily="49" charset="-127"/>
-              </a:rPr>
-              <a:t>="satis"&gt;</a:t>
-            </a:r>
-            <a:r>
-              <a:rPr lang="ko-KR" altLang="en-US" sz="1200">
+              <a:rPr lang="en-US" altLang="ko-KR" sz="1200" dirty="0">
+                <a:solidFill>
+                  <a:srgbClr val="0000FF"/>
+                </a:solidFill>
+                <a:highlight>
+                  <a:srgbClr val="FFFFFF"/>
+                </a:highlight>
+                <a:latin typeface="D2Coding" panose="020B0609020101020101" pitchFamily="49" charset="-127"/>
+                <a:ea typeface="D2Coding" panose="020B0609020101020101" pitchFamily="49" charset="-127"/>
+              </a:rPr>
+              <a:t>="</a:t>
+            </a:r>
+            <a:r>
+              <a:rPr lang="en-US" altLang="ko-KR" sz="1200" dirty="0" err="1">
+                <a:solidFill>
+                  <a:srgbClr val="0000FF"/>
+                </a:solidFill>
+                <a:highlight>
+                  <a:srgbClr val="FFFFFF"/>
+                </a:highlight>
+                <a:latin typeface="D2Coding" panose="020B0609020101020101" pitchFamily="49" charset="-127"/>
+                <a:ea typeface="D2Coding" panose="020B0609020101020101" pitchFamily="49" charset="-127"/>
+              </a:rPr>
+              <a:t>satis</a:t>
+            </a:r>
+            <a:r>
+              <a:rPr lang="en-US" altLang="ko-KR" sz="1200" dirty="0">
+                <a:solidFill>
+                  <a:srgbClr val="0000FF"/>
+                </a:solidFill>
+                <a:highlight>
+                  <a:srgbClr val="FFFFFF"/>
+                </a:highlight>
+                <a:latin typeface="D2Coding" panose="020B0609020101020101" pitchFamily="49" charset="-127"/>
+                <a:ea typeface="D2Coding" panose="020B0609020101020101" pitchFamily="49" charset="-127"/>
+              </a:rPr>
+              <a:t>"&gt;</a:t>
+            </a:r>
+            <a:r>
+              <a:rPr lang="ko-KR" altLang="en-US" sz="1200" dirty="0">
                 <a:solidFill>
                   <a:srgbClr val="000000"/>
                 </a:solidFill>
@@ -15053,7 +15188,7 @@
               <a:t>희망 단계</a:t>
             </a:r>
             <a:r>
-              <a:rPr lang="en-US" altLang="ko-KR" sz="1200">
+              <a:rPr lang="en-US" altLang="ko-KR" sz="1200" dirty="0">
                 <a:solidFill>
                   <a:srgbClr val="0000FF"/>
                 </a:solidFill>
@@ -15066,7 +15201,7 @@
               <a:t>&lt;</a:t>
             </a:r>
             <a:r>
-              <a:rPr lang="en-US" altLang="ko-KR" sz="1200">
+              <a:rPr lang="en-US" altLang="ko-KR" sz="1200" dirty="0">
                 <a:solidFill>
                   <a:srgbClr val="800000"/>
                 </a:solidFill>
@@ -15079,7 +15214,7 @@
               <a:t>small</a:t>
             </a:r>
             <a:r>
-              <a:rPr lang="en-US" altLang="ko-KR" sz="1200">
+              <a:rPr lang="en-US" altLang="ko-KR" sz="1200" dirty="0">
                 <a:solidFill>
                   <a:srgbClr val="0000FF"/>
                 </a:solidFill>
@@ -15092,7 +15227,7 @@
               <a:t>&gt;</a:t>
             </a:r>
             <a:r>
-              <a:rPr lang="en-US" altLang="ko-KR" sz="1200">
+              <a:rPr lang="en-US" altLang="ko-KR" sz="1200" dirty="0">
                 <a:solidFill>
                   <a:srgbClr val="000000"/>
                 </a:solidFill>
@@ -15105,7 +15240,7 @@
               <a:t>(</a:t>
             </a:r>
             <a:r>
-              <a:rPr lang="ko-KR" altLang="en-US" sz="1200">
+              <a:rPr lang="ko-KR" altLang="en-US" sz="1200" dirty="0">
                 <a:solidFill>
                   <a:srgbClr val="000000"/>
                 </a:solidFill>
@@ -15118,7 +15253,7 @@
               <a:t>하</a:t>
             </a:r>
             <a:r>
-              <a:rPr lang="en-US" altLang="ko-KR" sz="1200">
+              <a:rPr lang="en-US" altLang="ko-KR" sz="1200" dirty="0">
                 <a:solidFill>
                   <a:srgbClr val="000000"/>
                 </a:solidFill>
@@ -15131,7 +15266,7 @@
               <a:t>,</a:t>
             </a:r>
             <a:r>
-              <a:rPr lang="ko-KR" altLang="en-US" sz="1200">
+              <a:rPr lang="ko-KR" altLang="en-US" sz="1200" dirty="0">
                 <a:solidFill>
                   <a:srgbClr val="000000"/>
                 </a:solidFill>
@@ -15144,7 +15279,7 @@
               <a:t>중</a:t>
             </a:r>
             <a:r>
-              <a:rPr lang="en-US" altLang="ko-KR" sz="1200">
+              <a:rPr lang="en-US" altLang="ko-KR" sz="1200" dirty="0">
                 <a:solidFill>
                   <a:srgbClr val="000000"/>
                 </a:solidFill>
@@ -15157,7 +15292,7 @@
               <a:t>,</a:t>
             </a:r>
             <a:r>
-              <a:rPr lang="ko-KR" altLang="en-US" sz="1200">
+              <a:rPr lang="ko-KR" altLang="en-US" sz="1200" dirty="0">
                 <a:solidFill>
                   <a:srgbClr val="000000"/>
                 </a:solidFill>
@@ -15170,7 +15305,7 @@
               <a:t>상</a:t>
             </a:r>
             <a:r>
-              <a:rPr lang="en-US" altLang="ko-KR" sz="1200">
+              <a:rPr lang="en-US" altLang="ko-KR" sz="1200" dirty="0">
                 <a:solidFill>
                   <a:srgbClr val="000000"/>
                 </a:solidFill>
@@ -15183,7 +15318,7 @@
               <a:t>)</a:t>
             </a:r>
             <a:r>
-              <a:rPr lang="en-US" altLang="ko-KR" sz="1200">
+              <a:rPr lang="en-US" altLang="ko-KR" sz="1200" dirty="0">
                 <a:solidFill>
                   <a:srgbClr val="0000FF"/>
                 </a:solidFill>
@@ -15196,7 +15331,7 @@
               <a:t>&lt;/</a:t>
             </a:r>
             <a:r>
-              <a:rPr lang="en-US" altLang="ko-KR" sz="1200">
+              <a:rPr lang="en-US" altLang="ko-KR" sz="1200" dirty="0">
                 <a:solidFill>
                   <a:srgbClr val="800000"/>
                 </a:solidFill>
@@ -15209,7 +15344,7 @@
               <a:t>small</a:t>
             </a:r>
             <a:r>
-              <a:rPr lang="en-US" altLang="ko-KR" sz="1200">
+              <a:rPr lang="en-US" altLang="ko-KR" sz="1200" dirty="0">
                 <a:solidFill>
                   <a:srgbClr val="0000FF"/>
                 </a:solidFill>
@@ -15222,7 +15357,7 @@
               <a:t>&gt;&lt;/</a:t>
             </a:r>
             <a:r>
-              <a:rPr lang="en-US" altLang="ko-KR" sz="1200">
+              <a:rPr lang="en-US" altLang="ko-KR" sz="1200" dirty="0">
                 <a:solidFill>
                   <a:srgbClr val="800000"/>
                 </a:solidFill>
@@ -15235,7 +15370,7 @@
               <a:t>label</a:t>
             </a:r>
             <a:r>
-              <a:rPr lang="en-US" altLang="ko-KR" sz="1200">
+              <a:rPr lang="en-US" altLang="ko-KR" sz="1200" dirty="0">
                 <a:solidFill>
                   <a:srgbClr val="0000FF"/>
                 </a:solidFill>
@@ -15247,7 +15382,7 @@
               </a:rPr>
               <a:t>&gt;</a:t>
             </a:r>
-            <a:endParaRPr lang="en-US" altLang="ko-KR" sz="1200">
+            <a:endParaRPr lang="en-US" altLang="ko-KR" sz="1200" dirty="0">
               <a:solidFill>
                 <a:srgbClr val="000000"/>
               </a:solidFill>
@@ -15260,7 +15395,7 @@
           </a:p>
           <a:p>
             <a:r>
-              <a:rPr lang="en-US" altLang="ko-KR" sz="1200">
+              <a:rPr lang="en-US" altLang="ko-KR" sz="1200" dirty="0">
                 <a:solidFill>
                   <a:srgbClr val="0000FF"/>
                 </a:solidFill>
@@ -15273,7 +15408,7 @@
               <a:t>    &lt;</a:t>
             </a:r>
             <a:r>
-              <a:rPr lang="en-US" altLang="ko-KR" sz="1200">
+              <a:rPr lang="en-US" altLang="ko-KR" sz="1200" dirty="0">
                 <a:solidFill>
                   <a:srgbClr val="800000"/>
                 </a:solidFill>
@@ -15286,7 +15421,7 @@
               <a:t>input</a:t>
             </a:r>
             <a:r>
-              <a:rPr lang="en-US" altLang="ko-KR" sz="1200">
+              <a:rPr lang="en-US" altLang="ko-KR" sz="1200" dirty="0">
                 <a:solidFill>
                   <a:srgbClr val="000000"/>
                 </a:solidFill>
@@ -15299,7 +15434,7 @@
               <a:t> </a:t>
             </a:r>
             <a:r>
-              <a:rPr lang="en-US" altLang="ko-KR" sz="1200">
+              <a:rPr lang="en-US" altLang="ko-KR" sz="1200" dirty="0">
                 <a:solidFill>
                   <a:srgbClr val="FF0000"/>
                 </a:solidFill>
@@ -15312,7 +15447,7 @@
               <a:t>type</a:t>
             </a:r>
             <a:r>
-              <a:rPr lang="en-US" altLang="ko-KR" sz="1200">
+              <a:rPr lang="en-US" altLang="ko-KR" sz="1200" dirty="0">
                 <a:solidFill>
                   <a:srgbClr val="0000FF"/>
                 </a:solidFill>
@@ -15325,7 +15460,7 @@
               <a:t>="range"</a:t>
             </a:r>
             <a:r>
-              <a:rPr lang="en-US" altLang="ko-KR" sz="1200">
+              <a:rPr lang="en-US" altLang="ko-KR" sz="1200" dirty="0">
                 <a:solidFill>
                   <a:srgbClr val="000000"/>
                 </a:solidFill>
@@ -15338,7 +15473,7 @@
               <a:t> </a:t>
             </a:r>
             <a:r>
-              <a:rPr lang="en-US" altLang="ko-KR" sz="1200">
+              <a:rPr lang="en-US" altLang="ko-KR" sz="1200" dirty="0">
                 <a:solidFill>
                   <a:srgbClr val="FF0000"/>
                 </a:solidFill>
@@ -15351,20 +15486,46 @@
               <a:t>id</a:t>
             </a:r>
             <a:r>
-              <a:rPr lang="en-US" altLang="ko-KR" sz="1200">
-                <a:solidFill>
-                  <a:srgbClr val="0000FF"/>
-                </a:solidFill>
-                <a:highlight>
-                  <a:srgbClr val="FFFFFF"/>
-                </a:highlight>
-                <a:latin typeface="D2Coding" panose="020B0609020101020101" pitchFamily="49" charset="-127"/>
-                <a:ea typeface="D2Coding" panose="020B0609020101020101" pitchFamily="49" charset="-127"/>
-              </a:rPr>
-              <a:t>="satis"</a:t>
-            </a:r>
-            <a:r>
-              <a:rPr lang="en-US" altLang="ko-KR" sz="1200">
+              <a:rPr lang="en-US" altLang="ko-KR" sz="1200" dirty="0">
+                <a:solidFill>
+                  <a:srgbClr val="0000FF"/>
+                </a:solidFill>
+                <a:highlight>
+                  <a:srgbClr val="FFFFFF"/>
+                </a:highlight>
+                <a:latin typeface="D2Coding" panose="020B0609020101020101" pitchFamily="49" charset="-127"/>
+                <a:ea typeface="D2Coding" panose="020B0609020101020101" pitchFamily="49" charset="-127"/>
+              </a:rPr>
+              <a:t>="</a:t>
+            </a:r>
+            <a:r>
+              <a:rPr lang="en-US" altLang="ko-KR" sz="1200" dirty="0" err="1">
+                <a:solidFill>
+                  <a:srgbClr val="0000FF"/>
+                </a:solidFill>
+                <a:highlight>
+                  <a:srgbClr val="FFFFFF"/>
+                </a:highlight>
+                <a:latin typeface="D2Coding" panose="020B0609020101020101" pitchFamily="49" charset="-127"/>
+                <a:ea typeface="D2Coding" panose="020B0609020101020101" pitchFamily="49" charset="-127"/>
+              </a:rPr>
+              <a:t>satis</a:t>
+            </a:r>
+            <a:r>
+              <a:rPr lang="en-US" altLang="ko-KR" sz="1200" dirty="0">
+                <a:solidFill>
+                  <a:srgbClr val="0000FF"/>
+                </a:solidFill>
+                <a:highlight>
+                  <a:srgbClr val="FFFFFF"/>
+                </a:highlight>
+                <a:latin typeface="D2Coding" panose="020B0609020101020101" pitchFamily="49" charset="-127"/>
+                <a:ea typeface="D2Coding" panose="020B0609020101020101" pitchFamily="49" charset="-127"/>
+              </a:rPr>
+              <a:t>"</a:t>
+            </a:r>
+            <a:r>
+              <a:rPr lang="en-US" altLang="ko-KR" sz="1200" dirty="0">
                 <a:solidFill>
                   <a:srgbClr val="000000"/>
                 </a:solidFill>
@@ -15377,7 +15538,7 @@
               <a:t> </a:t>
             </a:r>
             <a:r>
-              <a:rPr lang="en-US" altLang="ko-KR" sz="1200">
+              <a:rPr lang="en-US" altLang="ko-KR" sz="1200" dirty="0">
                 <a:solidFill>
                   <a:srgbClr val="FF0000"/>
                 </a:solidFill>
@@ -15390,7 +15551,7 @@
               <a:t>value</a:t>
             </a:r>
             <a:r>
-              <a:rPr lang="en-US" altLang="ko-KR" sz="1200">
+              <a:rPr lang="en-US" altLang="ko-KR" sz="1200" dirty="0">
                 <a:solidFill>
                   <a:srgbClr val="0000FF"/>
                 </a:solidFill>
@@ -15403,7 +15564,7 @@
               <a:t>="1"</a:t>
             </a:r>
             <a:r>
-              <a:rPr lang="en-US" altLang="ko-KR" sz="1200">
+              <a:rPr lang="en-US" altLang="ko-KR" sz="1200" dirty="0">
                 <a:solidFill>
                   <a:srgbClr val="000000"/>
                 </a:solidFill>
@@ -15416,7 +15577,7 @@
               <a:t> </a:t>
             </a:r>
             <a:r>
-              <a:rPr lang="en-US" altLang="ko-KR" sz="1200">
+              <a:rPr lang="en-US" altLang="ko-KR" sz="1200" dirty="0">
                 <a:solidFill>
                   <a:srgbClr val="FF0000"/>
                 </a:solidFill>
@@ -15429,7 +15590,7 @@
               <a:t>min</a:t>
             </a:r>
             <a:r>
-              <a:rPr lang="en-US" altLang="ko-KR" sz="1200">
+              <a:rPr lang="en-US" altLang="ko-KR" sz="1200" dirty="0">
                 <a:solidFill>
                   <a:srgbClr val="0000FF"/>
                 </a:solidFill>
@@ -15442,7 +15603,7 @@
               <a:t>="1"</a:t>
             </a:r>
             <a:r>
-              <a:rPr lang="en-US" altLang="ko-KR" sz="1200">
+              <a:rPr lang="en-US" altLang="ko-KR" sz="1200" dirty="0">
                 <a:solidFill>
                   <a:srgbClr val="000000"/>
                 </a:solidFill>
@@ -15455,7 +15616,7 @@
               <a:t> </a:t>
             </a:r>
             <a:r>
-              <a:rPr lang="en-US" altLang="ko-KR" sz="1200">
+              <a:rPr lang="en-US" altLang="ko-KR" sz="1200" dirty="0">
                 <a:solidFill>
                   <a:srgbClr val="FF0000"/>
                 </a:solidFill>
@@ -15468,7 +15629,7 @@
               <a:t>max</a:t>
             </a:r>
             <a:r>
-              <a:rPr lang="en-US" altLang="ko-KR" sz="1200">
+              <a:rPr lang="en-US" altLang="ko-KR" sz="1200" dirty="0">
                 <a:solidFill>
                   <a:srgbClr val="0000FF"/>
                 </a:solidFill>
@@ -15480,7 +15641,7 @@
               </a:rPr>
               <a:t>="3"&gt;</a:t>
             </a:r>
-            <a:endParaRPr lang="en-US" altLang="ko-KR" sz="1200">
+            <a:endParaRPr lang="en-US" altLang="ko-KR" sz="1200" dirty="0">
               <a:solidFill>
                 <a:srgbClr val="000000"/>
               </a:solidFill>
@@ -15493,7 +15654,7 @@
           </a:p>
           <a:p>
             <a:r>
-              <a:rPr lang="en-US" altLang="ko-KR" sz="1200">
+              <a:rPr lang="en-US" altLang="ko-KR" sz="1200" dirty="0">
                 <a:solidFill>
                   <a:srgbClr val="0000FF"/>
                 </a:solidFill>
@@ -15506,7 +15667,7 @@
               <a:t>  &lt;/</a:t>
             </a:r>
             <a:r>
-              <a:rPr lang="en-US" altLang="ko-KR" sz="1200">
+              <a:rPr lang="en-US" altLang="ko-KR" sz="1200" dirty="0">
                 <a:solidFill>
                   <a:srgbClr val="800000"/>
                 </a:solidFill>
@@ -15519,7 +15680,7 @@
               <a:t>li</a:t>
             </a:r>
             <a:r>
-              <a:rPr lang="en-US" altLang="ko-KR" sz="1200">
+              <a:rPr lang="en-US" altLang="ko-KR" sz="1200" dirty="0">
                 <a:solidFill>
                   <a:srgbClr val="0000FF"/>
                 </a:solidFill>
@@ -15532,7 +15693,7 @@
               <a:t>&gt;</a:t>
             </a:r>
             <a:r>
-              <a:rPr lang="en-US" altLang="ko-KR" sz="1200">
+              <a:rPr lang="en-US" altLang="ko-KR" sz="1200" dirty="0">
                 <a:solidFill>
                   <a:srgbClr val="000000"/>
                 </a:solidFill>
@@ -15547,7 +15708,7 @@
           </a:p>
           <a:p>
             <a:r>
-              <a:rPr lang="en-US" altLang="ko-KR" sz="1200">
+              <a:rPr lang="en-US" altLang="ko-KR" sz="1200" dirty="0">
                 <a:solidFill>
                   <a:srgbClr val="0000FF"/>
                 </a:solidFill>
@@ -15560,7 +15721,7 @@
               <a:t>&lt;/</a:t>
             </a:r>
             <a:r>
-              <a:rPr lang="en-US" altLang="ko-KR" sz="1200">
+              <a:rPr lang="en-US" altLang="ko-KR" sz="1200" dirty="0">
                 <a:solidFill>
                   <a:srgbClr val="800000"/>
                 </a:solidFill>
@@ -15573,7 +15734,7 @@
               <a:t>ul</a:t>
             </a:r>
             <a:r>
-              <a:rPr lang="en-US" altLang="ko-KR" sz="1200">
+              <a:rPr lang="en-US" altLang="ko-KR" sz="1200" dirty="0">
                 <a:solidFill>
                   <a:srgbClr val="0000FF"/>
                 </a:solidFill>
@@ -15585,7 +15746,7 @@
               </a:rPr>
               <a:t>&gt;</a:t>
             </a:r>
-            <a:endParaRPr lang="ko-KR" altLang="en-US" sz="1200"/>
+            <a:endParaRPr lang="ko-KR" altLang="en-US" sz="1200" dirty="0"/>
           </a:p>
         </p:txBody>
       </p:sp>
@@ -15646,6 +15807,50 @@
           </a:fontRef>
         </p:style>
       </p:cxnSp>
+      <p:sp>
+        <p:nvSpPr>
+          <p:cNvPr id="14" name="TextBox 13">
+            <a:extLst>
+              <a:ext uri="{FF2B5EF4-FFF2-40B4-BE49-F238E27FC236}">
+                <a16:creationId xmlns:a16="http://schemas.microsoft.com/office/drawing/2014/main" id="{28A70300-03FD-442F-9228-99D5D2895A4C}"/>
+              </a:ext>
+            </a:extLst>
+          </p:cNvPr>
+          <p:cNvSpPr txBox="1"/>
+          <p:nvPr/>
+        </p:nvSpPr>
+        <p:spPr>
+          <a:xfrm>
+            <a:off x="10983569" y="339241"/>
+            <a:ext cx="668773" cy="338554"/>
+          </a:xfrm>
+          <a:prstGeom prst="rect">
+            <a:avLst/>
+          </a:prstGeom>
+          <a:noFill/>
+        </p:spPr>
+        <p:txBody>
+          <a:bodyPr wrap="none" rtlCol="0">
+            <a:spAutoFit/>
+          </a:bodyPr>
+          <a:lstStyle/>
+          <a:p>
+            <a:r>
+              <a:rPr lang="en-US" altLang="ko-KR" sz="1600" b="1" dirty="0">
+                <a:solidFill>
+                  <a:schemeClr val="bg1"/>
+                </a:solidFill>
+              </a:rPr>
+              <a:t>p149</a:t>
+            </a:r>
+            <a:endParaRPr lang="ko-KR" altLang="en-US" sz="1600" b="1" dirty="0">
+              <a:solidFill>
+                <a:schemeClr val="bg1"/>
+              </a:solidFill>
+            </a:endParaRPr>
+          </a:p>
+        </p:txBody>
+      </p:sp>
     </p:spTree>
     <p:extLst>
       <p:ext uri="{BB962C8B-B14F-4D97-AF65-F5344CB8AC3E}">
@@ -15656,6 +15861,13 @@
   <p:clrMapOvr>
     <a:masterClrMapping/>
   </p:clrMapOvr>
+  <p:timing>
+    <p:tnLst>
+      <p:par>
+        <p:cTn id="1" dur="indefinite" restart="never" nodeType="tmRoot"/>
+      </p:par>
+    </p:tnLst>
+  </p:timing>
 </p:sld>
 </file>
 
@@ -16040,6 +16252,50 @@
           </a:fontRef>
         </p:style>
       </p:cxnSp>
+      <p:sp>
+        <p:nvSpPr>
+          <p:cNvPr id="14" name="TextBox 13">
+            <a:extLst>
+              <a:ext uri="{FF2B5EF4-FFF2-40B4-BE49-F238E27FC236}">
+                <a16:creationId xmlns:a16="http://schemas.microsoft.com/office/drawing/2014/main" id="{90A06371-343A-4990-A1F0-E8575563C2DD}"/>
+              </a:ext>
+            </a:extLst>
+          </p:cNvPr>
+          <p:cNvSpPr txBox="1"/>
+          <p:nvPr/>
+        </p:nvSpPr>
+        <p:spPr>
+          <a:xfrm>
+            <a:off x="10983569" y="339241"/>
+            <a:ext cx="668773" cy="338554"/>
+          </a:xfrm>
+          <a:prstGeom prst="rect">
+            <a:avLst/>
+          </a:prstGeom>
+          <a:noFill/>
+        </p:spPr>
+        <p:txBody>
+          <a:bodyPr wrap="none" rtlCol="0">
+            <a:spAutoFit/>
+          </a:bodyPr>
+          <a:lstStyle/>
+          <a:p>
+            <a:r>
+              <a:rPr lang="en-US" altLang="ko-KR" sz="1600" b="1" dirty="0">
+                <a:solidFill>
+                  <a:schemeClr val="bg1"/>
+                </a:solidFill>
+              </a:rPr>
+              <a:t>p151</a:t>
+            </a:r>
+            <a:endParaRPr lang="ko-KR" altLang="en-US" sz="1600" b="1" dirty="0">
+              <a:solidFill>
+                <a:schemeClr val="bg1"/>
+              </a:solidFill>
+            </a:endParaRPr>
+          </a:p>
+        </p:txBody>
+      </p:sp>
     </p:spTree>
     <p:extLst>
       <p:ext uri="{BB962C8B-B14F-4D97-AF65-F5344CB8AC3E}">
@@ -16050,6 +16306,13 @@
   <p:clrMapOvr>
     <a:masterClrMapping/>
   </p:clrMapOvr>
+  <p:timing>
+    <p:tnLst>
+      <p:par>
+        <p:cTn id="1" dur="indefinite" restart="never" nodeType="tmRoot"/>
+      </p:par>
+    </p:tnLst>
+  </p:timing>
 </p:sld>
 </file>
 
@@ -16123,7 +16386,7 @@
               </a:lnSpc>
             </a:pPr>
             <a:r>
-              <a:rPr lang="en-US" altLang="ko-KR" sz="1300">
+              <a:rPr lang="en-US" altLang="ko-KR" sz="1300" dirty="0">
                 <a:solidFill>
                   <a:srgbClr val="0000FF"/>
                 </a:solidFill>
@@ -16136,7 +16399,7 @@
               <a:t>&lt;</a:t>
             </a:r>
             <a:r>
-              <a:rPr lang="en-US" altLang="ko-KR" sz="1300">
+              <a:rPr lang="en-US" altLang="ko-KR" sz="1300" dirty="0">
                 <a:solidFill>
                   <a:srgbClr val="800000"/>
                 </a:solidFill>
@@ -16149,7 +16412,7 @@
               <a:t>form</a:t>
             </a:r>
             <a:r>
-              <a:rPr lang="en-US" altLang="ko-KR" sz="1300">
+              <a:rPr lang="en-US" altLang="ko-KR" sz="1300" dirty="0">
                 <a:solidFill>
                   <a:srgbClr val="0000FF"/>
                 </a:solidFill>
@@ -16161,7 +16424,7 @@
               </a:rPr>
               <a:t>&gt;</a:t>
             </a:r>
-            <a:endParaRPr lang="en-US" altLang="ko-KR" sz="1300">
+            <a:endParaRPr lang="en-US" altLang="ko-KR" sz="1300" dirty="0">
               <a:solidFill>
                 <a:srgbClr val="000000"/>
               </a:solidFill>
@@ -16179,7 +16442,7 @@
               </a:lnSpc>
             </a:pPr>
             <a:r>
-              <a:rPr lang="en-US" altLang="ko-KR" sz="1300">
+              <a:rPr lang="en-US" altLang="ko-KR" sz="1300" dirty="0">
                 <a:solidFill>
                   <a:srgbClr val="0000FF"/>
                 </a:solidFill>
@@ -16192,7 +16455,7 @@
               <a:t>  &lt;</a:t>
             </a:r>
             <a:r>
-              <a:rPr lang="en-US" altLang="ko-KR" sz="1300">
+              <a:rPr lang="en-US" altLang="ko-KR" sz="1300" dirty="0" err="1">
                 <a:solidFill>
                   <a:srgbClr val="800000"/>
                 </a:solidFill>
@@ -16205,7 +16468,7 @@
               <a:t>fieldset</a:t>
             </a:r>
             <a:r>
-              <a:rPr lang="en-US" altLang="ko-KR" sz="1300">
+              <a:rPr lang="en-US" altLang="ko-KR" sz="1300" dirty="0">
                 <a:solidFill>
                   <a:srgbClr val="0000FF"/>
                 </a:solidFill>
@@ -16217,7 +16480,7 @@
               </a:rPr>
               <a:t>&gt;</a:t>
             </a:r>
-            <a:endParaRPr lang="en-US" altLang="ko-KR" sz="1300">
+            <a:endParaRPr lang="en-US" altLang="ko-KR" sz="1300" dirty="0">
               <a:solidFill>
                 <a:srgbClr val="000000"/>
               </a:solidFill>
@@ -16235,7 +16498,7 @@
               </a:lnSpc>
             </a:pPr>
             <a:r>
-              <a:rPr lang="en-US" altLang="ko-KR" sz="1300">
+              <a:rPr lang="en-US" altLang="ko-KR" sz="1300" dirty="0">
                 <a:solidFill>
                   <a:srgbClr val="0000FF"/>
                 </a:solidFill>
@@ -16248,7 +16511,7 @@
               <a:t>    &lt;</a:t>
             </a:r>
             <a:r>
-              <a:rPr lang="en-US" altLang="ko-KR" sz="1300">
+              <a:rPr lang="en-US" altLang="ko-KR" sz="1300" dirty="0">
                 <a:solidFill>
                   <a:srgbClr val="800000"/>
                 </a:solidFill>
@@ -16261,7 +16524,7 @@
               <a:t>legend</a:t>
             </a:r>
             <a:r>
-              <a:rPr lang="en-US" altLang="ko-KR" sz="1300">
+              <a:rPr lang="en-US" altLang="ko-KR" sz="1300" dirty="0">
                 <a:solidFill>
                   <a:srgbClr val="0000FF"/>
                 </a:solidFill>
@@ -16274,7 +16537,7 @@
               <a:t>&gt;</a:t>
             </a:r>
             <a:r>
-              <a:rPr lang="ko-KR" altLang="en-US" sz="1300">
+              <a:rPr lang="ko-KR" altLang="en-US" sz="1300" dirty="0">
                 <a:solidFill>
                   <a:srgbClr val="000000"/>
                 </a:solidFill>
@@ -16287,7 +16550,7 @@
               <a:t>신청 과목</a:t>
             </a:r>
             <a:r>
-              <a:rPr lang="en-US" altLang="ko-KR" sz="1300">
+              <a:rPr lang="en-US" altLang="ko-KR" sz="1300" dirty="0">
                 <a:solidFill>
                   <a:srgbClr val="0000FF"/>
                 </a:solidFill>
@@ -16300,7 +16563,7 @@
               <a:t>&lt;/</a:t>
             </a:r>
             <a:r>
-              <a:rPr lang="en-US" altLang="ko-KR" sz="1300">
+              <a:rPr lang="en-US" altLang="ko-KR" sz="1300" dirty="0">
                 <a:solidFill>
                   <a:srgbClr val="800000"/>
                 </a:solidFill>
@@ -16313,7 +16576,7 @@
               <a:t>legend</a:t>
             </a:r>
             <a:r>
-              <a:rPr lang="en-US" altLang="ko-KR" sz="1300">
+              <a:rPr lang="en-US" altLang="ko-KR" sz="1300" dirty="0">
                 <a:solidFill>
                   <a:srgbClr val="0000FF"/>
                 </a:solidFill>
@@ -16325,7 +16588,7 @@
               </a:rPr>
               <a:t>&gt;</a:t>
             </a:r>
-            <a:endParaRPr lang="en-US" altLang="ko-KR" sz="1300">
+            <a:endParaRPr lang="en-US" altLang="ko-KR" sz="1300" dirty="0">
               <a:solidFill>
                 <a:srgbClr val="000000"/>
               </a:solidFill>
@@ -16343,7 +16606,7 @@
               </a:lnSpc>
             </a:pPr>
             <a:r>
-              <a:rPr lang="en-US" altLang="ko-KR" sz="1300">
+              <a:rPr lang="en-US" altLang="ko-KR" sz="1300" dirty="0">
                 <a:solidFill>
                   <a:srgbClr val="0000FF"/>
                 </a:solidFill>
@@ -16356,7 +16619,7 @@
               <a:t>    &lt;</a:t>
             </a:r>
             <a:r>
-              <a:rPr lang="en-US" altLang="ko-KR" sz="1300">
+              <a:rPr lang="en-US" altLang="ko-KR" sz="1300" dirty="0">
                 <a:solidFill>
                   <a:srgbClr val="800000"/>
                 </a:solidFill>
@@ -16369,7 +16632,7 @@
               <a:t>p</a:t>
             </a:r>
             <a:r>
-              <a:rPr lang="en-US" altLang="ko-KR" sz="1300">
+              <a:rPr lang="en-US" altLang="ko-KR" sz="1300" dirty="0">
                 <a:solidFill>
                   <a:srgbClr val="0000FF"/>
                 </a:solidFill>
@@ -16382,7 +16645,7 @@
               <a:t>&gt;</a:t>
             </a:r>
             <a:r>
-              <a:rPr lang="ko-KR" altLang="en-US" sz="1300">
+              <a:rPr lang="ko-KR" altLang="en-US" sz="1300" dirty="0">
                 <a:solidFill>
                   <a:srgbClr val="000000"/>
                 </a:solidFill>
@@ -16395,7 +16658,7 @@
               <a:t>이 달에 신청할 과목을 선택하세요 </a:t>
             </a:r>
             <a:r>
-              <a:rPr lang="en-US" altLang="ko-KR" sz="1300">
+              <a:rPr lang="en-US" altLang="ko-KR" sz="1300" dirty="0">
                 <a:solidFill>
                   <a:srgbClr val="000000"/>
                 </a:solidFill>
@@ -16408,7 +16671,7 @@
               <a:t>(1</a:t>
             </a:r>
             <a:r>
-              <a:rPr lang="ko-KR" altLang="en-US" sz="1300">
+              <a:rPr lang="ko-KR" altLang="en-US" sz="1300" dirty="0">
                 <a:solidFill>
                   <a:srgbClr val="000000"/>
                 </a:solidFill>
@@ -16421,7 +16684,7 @@
               <a:t>과목만 가능</a:t>
             </a:r>
             <a:r>
-              <a:rPr lang="en-US" altLang="ko-KR" sz="1300">
+              <a:rPr lang="en-US" altLang="ko-KR" sz="1300" dirty="0">
                 <a:solidFill>
                   <a:srgbClr val="000000"/>
                 </a:solidFill>
@@ -16434,7 +16697,7 @@
               <a:t>)</a:t>
             </a:r>
             <a:r>
-              <a:rPr lang="en-US" altLang="ko-KR" sz="1300">
+              <a:rPr lang="en-US" altLang="ko-KR" sz="1300" dirty="0">
                 <a:solidFill>
                   <a:srgbClr val="0000FF"/>
                 </a:solidFill>
@@ -16447,7 +16710,7 @@
               <a:t>&lt;/</a:t>
             </a:r>
             <a:r>
-              <a:rPr lang="en-US" altLang="ko-KR" sz="1300">
+              <a:rPr lang="en-US" altLang="ko-KR" sz="1300" dirty="0">
                 <a:solidFill>
                   <a:srgbClr val="800000"/>
                 </a:solidFill>
@@ -16460,7 +16723,7 @@
               <a:t>p</a:t>
             </a:r>
             <a:r>
-              <a:rPr lang="en-US" altLang="ko-KR" sz="1300">
+              <a:rPr lang="en-US" altLang="ko-KR" sz="1300" dirty="0">
                 <a:solidFill>
                   <a:srgbClr val="0000FF"/>
                 </a:solidFill>
@@ -16472,7 +16735,7 @@
               </a:rPr>
               <a:t>&gt;</a:t>
             </a:r>
-            <a:endParaRPr lang="ko-KR" altLang="en-US" sz="1300">
+            <a:endParaRPr lang="ko-KR" altLang="en-US" sz="1300" dirty="0">
               <a:solidFill>
                 <a:srgbClr val="000000"/>
               </a:solidFill>
@@ -16490,7 +16753,7 @@
               </a:lnSpc>
             </a:pPr>
             <a:r>
-              <a:rPr lang="en-US" altLang="ko-KR" sz="1300">
+              <a:rPr lang="en-US" altLang="ko-KR" sz="1300" dirty="0">
                 <a:solidFill>
                   <a:srgbClr val="0000FF"/>
                 </a:solidFill>
@@ -16503,7 +16766,7 @@
               <a:t>    &lt;</a:t>
             </a:r>
             <a:r>
-              <a:rPr lang="en-US" altLang="ko-KR" sz="1300">
+              <a:rPr lang="en-US" altLang="ko-KR" sz="1300" dirty="0">
                 <a:solidFill>
                   <a:srgbClr val="800000"/>
                 </a:solidFill>
@@ -16516,7 +16779,7 @@
               <a:t>label</a:t>
             </a:r>
             <a:r>
-              <a:rPr lang="en-US" altLang="ko-KR" sz="1300">
+              <a:rPr lang="en-US" altLang="ko-KR" sz="1300" dirty="0">
                 <a:solidFill>
                   <a:srgbClr val="0000FF"/>
                 </a:solidFill>
@@ -16529,7 +16792,7 @@
               <a:t>&gt;&lt;</a:t>
             </a:r>
             <a:r>
-              <a:rPr lang="en-US" altLang="ko-KR" sz="1300">
+              <a:rPr lang="en-US" altLang="ko-KR" sz="1300" dirty="0">
                 <a:solidFill>
                   <a:srgbClr val="800000"/>
                 </a:solidFill>
@@ -16542,7 +16805,7 @@
               <a:t>input</a:t>
             </a:r>
             <a:r>
-              <a:rPr lang="en-US" altLang="ko-KR" sz="1300">
+              <a:rPr lang="en-US" altLang="ko-KR" sz="1300" dirty="0">
                 <a:solidFill>
                   <a:srgbClr val="000000"/>
                 </a:solidFill>
@@ -16555,7 +16818,7 @@
               <a:t> </a:t>
             </a:r>
             <a:r>
-              <a:rPr lang="en-US" altLang="ko-KR" sz="1300">
+              <a:rPr lang="en-US" altLang="ko-KR" sz="1300" dirty="0">
                 <a:solidFill>
                   <a:srgbClr val="FF0000"/>
                 </a:solidFill>
@@ -16568,7 +16831,7 @@
               <a:t>type</a:t>
             </a:r>
             <a:r>
-              <a:rPr lang="en-US" altLang="ko-KR" sz="1300">
+              <a:rPr lang="en-US" altLang="ko-KR" sz="1300" dirty="0">
                 <a:solidFill>
                   <a:srgbClr val="0000FF"/>
                 </a:solidFill>
@@ -16581,7 +16844,7 @@
               <a:t>="radio"</a:t>
             </a:r>
             <a:r>
-              <a:rPr lang="en-US" altLang="ko-KR" sz="1300">
+              <a:rPr lang="en-US" altLang="ko-KR" sz="1300" dirty="0">
                 <a:solidFill>
                   <a:srgbClr val="000000"/>
                 </a:solidFill>
@@ -16594,7 +16857,7 @@
               <a:t> </a:t>
             </a:r>
             <a:r>
-              <a:rPr lang="en-US" altLang="ko-KR" sz="1300">
+              <a:rPr lang="en-US" altLang="ko-KR" sz="1300" dirty="0">
                 <a:solidFill>
                   <a:srgbClr val="FF0000"/>
                 </a:solidFill>
@@ -16607,7 +16870,7 @@
               <a:t>name</a:t>
             </a:r>
             <a:r>
-              <a:rPr lang="en-US" altLang="ko-KR" sz="1300">
+              <a:rPr lang="en-US" altLang="ko-KR" sz="1300" dirty="0">
                 <a:solidFill>
                   <a:srgbClr val="0000FF"/>
                 </a:solidFill>
@@ -16620,7 +16883,7 @@
               <a:t>="subject"</a:t>
             </a:r>
             <a:r>
-              <a:rPr lang="en-US" altLang="ko-KR" sz="1300">
+              <a:rPr lang="en-US" altLang="ko-KR" sz="1300" dirty="0">
                 <a:solidFill>
                   <a:srgbClr val="000000"/>
                 </a:solidFill>
@@ -16633,7 +16896,7 @@
               <a:t> </a:t>
             </a:r>
             <a:r>
-              <a:rPr lang="en-US" altLang="ko-KR" sz="1300">
+              <a:rPr lang="en-US" altLang="ko-KR" sz="1300" dirty="0">
                 <a:solidFill>
                   <a:srgbClr val="FF0000"/>
                 </a:solidFill>
@@ -16646,7 +16909,7 @@
               <a:t>value</a:t>
             </a:r>
             <a:r>
-              <a:rPr lang="en-US" altLang="ko-KR" sz="1300">
+              <a:rPr lang="en-US" altLang="ko-KR" sz="1300" dirty="0">
                 <a:solidFill>
                   <a:srgbClr val="0000FF"/>
                 </a:solidFill>
@@ -16659,7 +16922,7 @@
               <a:t>="speaking"&gt;</a:t>
             </a:r>
             <a:r>
-              <a:rPr lang="ko-KR" altLang="en-US" sz="1300">
+              <a:rPr lang="ko-KR" altLang="en-US" sz="1300" dirty="0">
                 <a:solidFill>
                   <a:srgbClr val="000000"/>
                 </a:solidFill>
@@ -16672,7 +16935,7 @@
               <a:t>회화</a:t>
             </a:r>
             <a:r>
-              <a:rPr lang="en-US" altLang="ko-KR" sz="1300">
+              <a:rPr lang="en-US" altLang="ko-KR" sz="1300" dirty="0">
                 <a:solidFill>
                   <a:srgbClr val="0000FF"/>
                 </a:solidFill>
@@ -16685,7 +16948,7 @@
               <a:t>&lt;/</a:t>
             </a:r>
             <a:r>
-              <a:rPr lang="en-US" altLang="ko-KR" sz="1300">
+              <a:rPr lang="en-US" altLang="ko-KR" sz="1300" dirty="0">
                 <a:solidFill>
                   <a:srgbClr val="800000"/>
                 </a:solidFill>
@@ -16698,7 +16961,7 @@
               <a:t>label</a:t>
             </a:r>
             <a:r>
-              <a:rPr lang="en-US" altLang="ko-KR" sz="1300">
+              <a:rPr lang="en-US" altLang="ko-KR" sz="1300" dirty="0">
                 <a:solidFill>
                   <a:srgbClr val="0000FF"/>
                 </a:solidFill>
@@ -16710,7 +16973,7 @@
               </a:rPr>
               <a:t>&gt;</a:t>
             </a:r>
-            <a:endParaRPr lang="en-US" altLang="ko-KR" sz="1300">
+            <a:endParaRPr lang="en-US" altLang="ko-KR" sz="1300" dirty="0">
               <a:solidFill>
                 <a:srgbClr val="000000"/>
               </a:solidFill>
@@ -16728,7 +16991,7 @@
               </a:lnSpc>
             </a:pPr>
             <a:r>
-              <a:rPr lang="en-US" altLang="ko-KR" sz="1300">
+              <a:rPr lang="en-US" altLang="ko-KR" sz="1300" dirty="0">
                 <a:solidFill>
                   <a:srgbClr val="0000FF"/>
                 </a:solidFill>
@@ -16741,7 +17004,7 @@
               <a:t>    &lt;</a:t>
             </a:r>
             <a:r>
-              <a:rPr lang="en-US" altLang="ko-KR" sz="1300">
+              <a:rPr lang="en-US" altLang="ko-KR" sz="1300" dirty="0">
                 <a:solidFill>
                   <a:srgbClr val="800000"/>
                 </a:solidFill>
@@ -16754,7 +17017,7 @@
               <a:t>label</a:t>
             </a:r>
             <a:r>
-              <a:rPr lang="en-US" altLang="ko-KR" sz="1300">
+              <a:rPr lang="en-US" altLang="ko-KR" sz="1300" dirty="0">
                 <a:solidFill>
                   <a:srgbClr val="0000FF"/>
                 </a:solidFill>
@@ -16767,7 +17030,7 @@
               <a:t>&gt;&lt;</a:t>
             </a:r>
             <a:r>
-              <a:rPr lang="en-US" altLang="ko-KR" sz="1300">
+              <a:rPr lang="en-US" altLang="ko-KR" sz="1300" dirty="0">
                 <a:solidFill>
                   <a:srgbClr val="800000"/>
                 </a:solidFill>
@@ -16780,7 +17043,7 @@
               <a:t>input</a:t>
             </a:r>
             <a:r>
-              <a:rPr lang="en-US" altLang="ko-KR" sz="1300">
+              <a:rPr lang="en-US" altLang="ko-KR" sz="1300" dirty="0">
                 <a:solidFill>
                   <a:srgbClr val="000000"/>
                 </a:solidFill>
@@ -16793,7 +17056,7 @@
               <a:t> </a:t>
             </a:r>
             <a:r>
-              <a:rPr lang="en-US" altLang="ko-KR" sz="1300">
+              <a:rPr lang="en-US" altLang="ko-KR" sz="1300" dirty="0">
                 <a:solidFill>
                   <a:srgbClr val="FF0000"/>
                 </a:solidFill>
@@ -16806,7 +17069,7 @@
               <a:t>type</a:t>
             </a:r>
             <a:r>
-              <a:rPr lang="en-US" altLang="ko-KR" sz="1300">
+              <a:rPr lang="en-US" altLang="ko-KR" sz="1300" dirty="0">
                 <a:solidFill>
                   <a:srgbClr val="0000FF"/>
                 </a:solidFill>
@@ -16819,7 +17082,7 @@
               <a:t>="radio"</a:t>
             </a:r>
             <a:r>
-              <a:rPr lang="en-US" altLang="ko-KR" sz="1300">
+              <a:rPr lang="en-US" altLang="ko-KR" sz="1300" dirty="0">
                 <a:solidFill>
                   <a:srgbClr val="000000"/>
                 </a:solidFill>
@@ -16832,7 +17095,7 @@
               <a:t> </a:t>
             </a:r>
             <a:r>
-              <a:rPr lang="en-US" altLang="ko-KR" sz="1300">
+              <a:rPr lang="en-US" altLang="ko-KR" sz="1300" dirty="0">
                 <a:solidFill>
                   <a:srgbClr val="FF0000"/>
                 </a:solidFill>
@@ -16845,7 +17108,7 @@
               <a:t>name</a:t>
             </a:r>
             <a:r>
-              <a:rPr lang="en-US" altLang="ko-KR" sz="1300">
+              <a:rPr lang="en-US" altLang="ko-KR" sz="1300" dirty="0">
                 <a:solidFill>
                   <a:srgbClr val="0000FF"/>
                 </a:solidFill>
@@ -16858,7 +17121,7 @@
               <a:t>="subject"</a:t>
             </a:r>
             <a:r>
-              <a:rPr lang="en-US" altLang="ko-KR" sz="1300">
+              <a:rPr lang="en-US" altLang="ko-KR" sz="1300" dirty="0">
                 <a:solidFill>
                   <a:srgbClr val="000000"/>
                 </a:solidFill>
@@ -16871,7 +17134,7 @@
               <a:t> </a:t>
             </a:r>
             <a:r>
-              <a:rPr lang="en-US" altLang="ko-KR" sz="1300">
+              <a:rPr lang="en-US" altLang="ko-KR" sz="1300" dirty="0">
                 <a:solidFill>
                   <a:srgbClr val="FF0000"/>
                 </a:solidFill>
@@ -16884,7 +17147,7 @@
               <a:t>value</a:t>
             </a:r>
             <a:r>
-              <a:rPr lang="en-US" altLang="ko-KR" sz="1300">
+              <a:rPr lang="en-US" altLang="ko-KR" sz="1300" dirty="0">
                 <a:solidFill>
                   <a:srgbClr val="0000FF"/>
                 </a:solidFill>
@@ -16897,7 +17160,7 @@
               <a:t>="grammar"&gt;</a:t>
             </a:r>
             <a:r>
-              <a:rPr lang="ko-KR" altLang="en-US" sz="1300">
+              <a:rPr lang="ko-KR" altLang="en-US" sz="1300" dirty="0">
                 <a:solidFill>
                   <a:srgbClr val="000000"/>
                 </a:solidFill>
@@ -16910,7 +17173,7 @@
               <a:t>문법</a:t>
             </a:r>
             <a:r>
-              <a:rPr lang="en-US" altLang="ko-KR" sz="1300">
+              <a:rPr lang="en-US" altLang="ko-KR" sz="1300" dirty="0">
                 <a:solidFill>
                   <a:srgbClr val="0000FF"/>
                 </a:solidFill>
@@ -16923,7 +17186,7 @@
               <a:t>&lt;/</a:t>
             </a:r>
             <a:r>
-              <a:rPr lang="en-US" altLang="ko-KR" sz="1300">
+              <a:rPr lang="en-US" altLang="ko-KR" sz="1300" dirty="0">
                 <a:solidFill>
                   <a:srgbClr val="800000"/>
                 </a:solidFill>
@@ -16936,7 +17199,7 @@
               <a:t>label</a:t>
             </a:r>
             <a:r>
-              <a:rPr lang="en-US" altLang="ko-KR" sz="1300">
+              <a:rPr lang="en-US" altLang="ko-KR" sz="1300" dirty="0">
                 <a:solidFill>
                   <a:srgbClr val="0000FF"/>
                 </a:solidFill>
@@ -16948,7 +17211,7 @@
               </a:rPr>
               <a:t>&gt;</a:t>
             </a:r>
-            <a:endParaRPr lang="en-US" altLang="ko-KR" sz="1300">
+            <a:endParaRPr lang="en-US" altLang="ko-KR" sz="1300" dirty="0">
               <a:solidFill>
                 <a:srgbClr val="000000"/>
               </a:solidFill>
@@ -16966,7 +17229,7 @@
               </a:lnSpc>
             </a:pPr>
             <a:r>
-              <a:rPr lang="en-US" altLang="ko-KR" sz="1300">
+              <a:rPr lang="en-US" altLang="ko-KR" sz="1300" dirty="0">
                 <a:solidFill>
                   <a:srgbClr val="0000FF"/>
                 </a:solidFill>
@@ -16979,7 +17242,7 @@
               <a:t>    &lt;</a:t>
             </a:r>
             <a:r>
-              <a:rPr lang="en-US" altLang="ko-KR" sz="1300">
+              <a:rPr lang="en-US" altLang="ko-KR" sz="1300" dirty="0">
                 <a:solidFill>
                   <a:srgbClr val="800000"/>
                 </a:solidFill>
@@ -16992,7 +17255,7 @@
               <a:t>label</a:t>
             </a:r>
             <a:r>
-              <a:rPr lang="en-US" altLang="ko-KR" sz="1300">
+              <a:rPr lang="en-US" altLang="ko-KR" sz="1300" dirty="0">
                 <a:solidFill>
                   <a:srgbClr val="0000FF"/>
                 </a:solidFill>
@@ -17005,7 +17268,7 @@
               <a:t>&gt;&lt;</a:t>
             </a:r>
             <a:r>
-              <a:rPr lang="en-US" altLang="ko-KR" sz="1300">
+              <a:rPr lang="en-US" altLang="ko-KR" sz="1300" dirty="0">
                 <a:solidFill>
                   <a:srgbClr val="800000"/>
                 </a:solidFill>
@@ -17018,7 +17281,7 @@
               <a:t>input</a:t>
             </a:r>
             <a:r>
-              <a:rPr lang="en-US" altLang="ko-KR" sz="1300">
+              <a:rPr lang="en-US" altLang="ko-KR" sz="1300" dirty="0">
                 <a:solidFill>
                   <a:srgbClr val="000000"/>
                 </a:solidFill>
@@ -17031,7 +17294,7 @@
               <a:t> </a:t>
             </a:r>
             <a:r>
-              <a:rPr lang="en-US" altLang="ko-KR" sz="1300">
+              <a:rPr lang="en-US" altLang="ko-KR" sz="1300" dirty="0">
                 <a:solidFill>
                   <a:srgbClr val="FF0000"/>
                 </a:solidFill>
@@ -17044,7 +17307,7 @@
               <a:t>type</a:t>
             </a:r>
             <a:r>
-              <a:rPr lang="en-US" altLang="ko-KR" sz="1300">
+              <a:rPr lang="en-US" altLang="ko-KR" sz="1300" dirty="0">
                 <a:solidFill>
                   <a:srgbClr val="0000FF"/>
                 </a:solidFill>
@@ -17057,7 +17320,7 @@
               <a:t>="radio"</a:t>
             </a:r>
             <a:r>
-              <a:rPr lang="en-US" altLang="ko-KR" sz="1300">
+              <a:rPr lang="en-US" altLang="ko-KR" sz="1300" dirty="0">
                 <a:solidFill>
                   <a:srgbClr val="000000"/>
                 </a:solidFill>
@@ -17070,7 +17333,7 @@
               <a:t> </a:t>
             </a:r>
             <a:r>
-              <a:rPr lang="en-US" altLang="ko-KR" sz="1300">
+              <a:rPr lang="en-US" altLang="ko-KR" sz="1300" dirty="0">
                 <a:solidFill>
                   <a:srgbClr val="FF0000"/>
                 </a:solidFill>
@@ -17083,7 +17346,7 @@
               <a:t>name</a:t>
             </a:r>
             <a:r>
-              <a:rPr lang="en-US" altLang="ko-KR" sz="1300">
+              <a:rPr lang="en-US" altLang="ko-KR" sz="1300" dirty="0">
                 <a:solidFill>
                   <a:srgbClr val="0000FF"/>
                 </a:solidFill>
@@ -17096,7 +17359,7 @@
               <a:t>="subject"</a:t>
             </a:r>
             <a:r>
-              <a:rPr lang="en-US" altLang="ko-KR" sz="1300">
+              <a:rPr lang="en-US" altLang="ko-KR" sz="1300" dirty="0">
                 <a:solidFill>
                   <a:srgbClr val="000000"/>
                 </a:solidFill>
@@ -17109,7 +17372,7 @@
               <a:t> </a:t>
             </a:r>
             <a:r>
-              <a:rPr lang="en-US" altLang="ko-KR" sz="1300">
+              <a:rPr lang="en-US" altLang="ko-KR" sz="1300" dirty="0">
                 <a:solidFill>
                   <a:srgbClr val="FF0000"/>
                 </a:solidFill>
@@ -17122,7 +17385,7 @@
               <a:t>value</a:t>
             </a:r>
             <a:r>
-              <a:rPr lang="en-US" altLang="ko-KR" sz="1300">
+              <a:rPr lang="en-US" altLang="ko-KR" sz="1300" dirty="0">
                 <a:solidFill>
                   <a:srgbClr val="0000FF"/>
                 </a:solidFill>
@@ -17135,7 +17398,7 @@
               <a:t>="writing"&gt;</a:t>
             </a:r>
             <a:r>
-              <a:rPr lang="ko-KR" altLang="en-US" sz="1300">
+              <a:rPr lang="ko-KR" altLang="en-US" sz="1300" dirty="0">
                 <a:solidFill>
                   <a:srgbClr val="000000"/>
                 </a:solidFill>
@@ -17148,7 +17411,7 @@
               <a:t>작문</a:t>
             </a:r>
             <a:r>
-              <a:rPr lang="en-US" altLang="ko-KR" sz="1300">
+              <a:rPr lang="en-US" altLang="ko-KR" sz="1300" dirty="0">
                 <a:solidFill>
                   <a:srgbClr val="0000FF"/>
                 </a:solidFill>
@@ -17161,7 +17424,7 @@
               <a:t>&lt;/</a:t>
             </a:r>
             <a:r>
-              <a:rPr lang="en-US" altLang="ko-KR" sz="1300">
+              <a:rPr lang="en-US" altLang="ko-KR" sz="1300" dirty="0">
                 <a:solidFill>
                   <a:srgbClr val="800000"/>
                 </a:solidFill>
@@ -17174,7 +17437,7 @@
               <a:t>label</a:t>
             </a:r>
             <a:r>
-              <a:rPr lang="en-US" altLang="ko-KR" sz="1300">
+              <a:rPr lang="en-US" altLang="ko-KR" sz="1300" dirty="0">
                 <a:solidFill>
                   <a:srgbClr val="0000FF"/>
                 </a:solidFill>
@@ -17187,7 +17450,7 @@
               <a:t>&gt;</a:t>
             </a:r>
             <a:r>
-              <a:rPr lang="en-US" altLang="ko-KR" sz="1300">
+              <a:rPr lang="en-US" altLang="ko-KR" sz="1300" dirty="0">
                 <a:solidFill>
                   <a:srgbClr val="000000"/>
                 </a:solidFill>
@@ -17207,7 +17470,7 @@
               </a:lnSpc>
             </a:pPr>
             <a:r>
-              <a:rPr lang="en-US" altLang="ko-KR" sz="1300">
+              <a:rPr lang="en-US" altLang="ko-KR" sz="1300" dirty="0">
                 <a:solidFill>
                   <a:srgbClr val="0000FF"/>
                 </a:solidFill>
@@ -17220,7 +17483,7 @@
               <a:t>  &lt;/</a:t>
             </a:r>
             <a:r>
-              <a:rPr lang="en-US" altLang="ko-KR" sz="1300">
+              <a:rPr lang="en-US" altLang="ko-KR" sz="1300" dirty="0" err="1">
                 <a:solidFill>
                   <a:srgbClr val="800000"/>
                 </a:solidFill>
@@ -17233,7 +17496,7 @@
               <a:t>fieldset</a:t>
             </a:r>
             <a:r>
-              <a:rPr lang="en-US" altLang="ko-KR" sz="1300">
+              <a:rPr lang="en-US" altLang="ko-KR" sz="1300" dirty="0">
                 <a:solidFill>
                   <a:srgbClr val="0000FF"/>
                 </a:solidFill>
@@ -17245,7 +17508,7 @@
               </a:rPr>
               <a:t>&gt;</a:t>
             </a:r>
-            <a:endParaRPr lang="en-US" altLang="ko-KR" sz="1300">
+            <a:endParaRPr lang="en-US" altLang="ko-KR" sz="1300" dirty="0">
               <a:solidFill>
                 <a:srgbClr val="000000"/>
               </a:solidFill>
@@ -17263,7 +17526,7 @@
               </a:lnSpc>
             </a:pPr>
             <a:r>
-              <a:rPr lang="en-US" altLang="ko-KR" sz="1300">
+              <a:rPr lang="en-US" altLang="ko-KR" sz="1300" dirty="0">
                 <a:solidFill>
                   <a:srgbClr val="0000FF"/>
                 </a:solidFill>
@@ -17276,7 +17539,7 @@
               <a:t>  &lt;</a:t>
             </a:r>
             <a:r>
-              <a:rPr lang="en-US" altLang="ko-KR" sz="1300">
+              <a:rPr lang="en-US" altLang="ko-KR" sz="1300" dirty="0" err="1">
                 <a:solidFill>
                   <a:srgbClr val="800000"/>
                 </a:solidFill>
@@ -17289,7 +17552,7 @@
               <a:t>fieldset</a:t>
             </a:r>
             <a:r>
-              <a:rPr lang="en-US" altLang="ko-KR" sz="1300">
+              <a:rPr lang="en-US" altLang="ko-KR" sz="1300" dirty="0">
                 <a:solidFill>
                   <a:srgbClr val="0000FF"/>
                 </a:solidFill>
@@ -17301,7 +17564,7 @@
               </a:rPr>
               <a:t>&gt;</a:t>
             </a:r>
-            <a:endParaRPr lang="en-US" altLang="ko-KR" sz="1300">
+            <a:endParaRPr lang="en-US" altLang="ko-KR" sz="1300" dirty="0">
               <a:solidFill>
                 <a:srgbClr val="000000"/>
               </a:solidFill>
@@ -17319,7 +17582,7 @@
               </a:lnSpc>
             </a:pPr>
             <a:r>
-              <a:rPr lang="en-US" altLang="ko-KR" sz="1300">
+              <a:rPr lang="en-US" altLang="ko-KR" sz="1300" dirty="0">
                 <a:solidFill>
                   <a:srgbClr val="0000FF"/>
                 </a:solidFill>
@@ -17332,7 +17595,7 @@
               <a:t>    &lt;</a:t>
             </a:r>
             <a:r>
-              <a:rPr lang="en-US" altLang="ko-KR" sz="1300">
+              <a:rPr lang="en-US" altLang="ko-KR" sz="1300" dirty="0">
                 <a:solidFill>
                   <a:srgbClr val="800000"/>
                 </a:solidFill>
@@ -17345,7 +17608,7 @@
               <a:t>legend</a:t>
             </a:r>
             <a:r>
-              <a:rPr lang="en-US" altLang="ko-KR" sz="1300">
+              <a:rPr lang="en-US" altLang="ko-KR" sz="1300" dirty="0">
                 <a:solidFill>
                   <a:srgbClr val="0000FF"/>
                 </a:solidFill>
@@ -17358,7 +17621,7 @@
               <a:t>&gt;</a:t>
             </a:r>
             <a:r>
-              <a:rPr lang="ko-KR" altLang="en-US" sz="1300">
+              <a:rPr lang="ko-KR" altLang="en-US" sz="1300" dirty="0" err="1">
                 <a:solidFill>
                   <a:srgbClr val="000000"/>
                 </a:solidFill>
@@ -17371,7 +17634,7 @@
               <a:t>메일링</a:t>
             </a:r>
             <a:r>
-              <a:rPr lang="en-US" altLang="ko-KR" sz="1300">
+              <a:rPr lang="en-US" altLang="ko-KR" sz="1300" dirty="0">
                 <a:solidFill>
                   <a:srgbClr val="0000FF"/>
                 </a:solidFill>
@@ -17384,7 +17647,7 @@
               <a:t>&lt;/</a:t>
             </a:r>
             <a:r>
-              <a:rPr lang="en-US" altLang="ko-KR" sz="1300">
+              <a:rPr lang="en-US" altLang="ko-KR" sz="1300" dirty="0">
                 <a:solidFill>
                   <a:srgbClr val="800000"/>
                 </a:solidFill>
@@ -17397,7 +17660,7 @@
               <a:t>legend</a:t>
             </a:r>
             <a:r>
-              <a:rPr lang="en-US" altLang="ko-KR" sz="1300">
+              <a:rPr lang="en-US" altLang="ko-KR" sz="1300" dirty="0">
                 <a:solidFill>
                   <a:srgbClr val="0000FF"/>
                 </a:solidFill>
@@ -17409,7 +17672,7 @@
               </a:rPr>
               <a:t>&gt;</a:t>
             </a:r>
-            <a:endParaRPr lang="en-US" altLang="ko-KR" sz="1300">
+            <a:endParaRPr lang="en-US" altLang="ko-KR" sz="1300" dirty="0">
               <a:solidFill>
                 <a:srgbClr val="000000"/>
               </a:solidFill>
@@ -17427,7 +17690,7 @@
               </a:lnSpc>
             </a:pPr>
             <a:r>
-              <a:rPr lang="en-US" altLang="ko-KR" sz="1300">
+              <a:rPr lang="en-US" altLang="ko-KR" sz="1300" dirty="0">
                 <a:solidFill>
                   <a:srgbClr val="0000FF"/>
                 </a:solidFill>
@@ -17440,7 +17703,7 @@
               <a:t>    &lt;</a:t>
             </a:r>
             <a:r>
-              <a:rPr lang="en-US" altLang="ko-KR" sz="1300">
+              <a:rPr lang="en-US" altLang="ko-KR" sz="1300" dirty="0">
                 <a:solidFill>
                   <a:srgbClr val="800000"/>
                 </a:solidFill>
@@ -17453,7 +17716,7 @@
               <a:t>p</a:t>
             </a:r>
             <a:r>
-              <a:rPr lang="en-US" altLang="ko-KR" sz="1300">
+              <a:rPr lang="en-US" altLang="ko-KR" sz="1300" dirty="0">
                 <a:solidFill>
                   <a:srgbClr val="0000FF"/>
                 </a:solidFill>
@@ -17466,7 +17729,7 @@
               <a:t>&gt;</a:t>
             </a:r>
             <a:r>
-              <a:rPr lang="ko-KR" altLang="en-US" sz="1300">
+              <a:rPr lang="ko-KR" altLang="en-US" sz="1300" dirty="0">
                 <a:solidFill>
                   <a:srgbClr val="000000"/>
                 </a:solidFill>
@@ -17479,7 +17742,7 @@
               <a:t>메일로 받고 싶은 뉴스 주제를 선택해 주세요 </a:t>
             </a:r>
             <a:r>
-              <a:rPr lang="en-US" altLang="ko-KR" sz="1300">
+              <a:rPr lang="en-US" altLang="ko-KR" sz="1300" dirty="0">
                 <a:solidFill>
                   <a:srgbClr val="000000"/>
                 </a:solidFill>
@@ -17492,7 +17755,7 @@
               <a:t>(</a:t>
             </a:r>
             <a:r>
-              <a:rPr lang="ko-KR" altLang="en-US" sz="1300">
+              <a:rPr lang="ko-KR" altLang="en-US" sz="1300" dirty="0">
                 <a:solidFill>
                   <a:srgbClr val="000000"/>
                 </a:solidFill>
@@ -17505,7 +17768,7 @@
               <a:t>복수 선택 가능</a:t>
             </a:r>
             <a:r>
-              <a:rPr lang="en-US" altLang="ko-KR" sz="1300">
+              <a:rPr lang="en-US" altLang="ko-KR" sz="1300" dirty="0">
                 <a:solidFill>
                   <a:srgbClr val="000000"/>
                 </a:solidFill>
@@ -17518,7 +17781,7 @@
               <a:t>)</a:t>
             </a:r>
             <a:r>
-              <a:rPr lang="en-US" altLang="ko-KR" sz="1300">
+              <a:rPr lang="en-US" altLang="ko-KR" sz="1300" dirty="0">
                 <a:solidFill>
                   <a:srgbClr val="0000FF"/>
                 </a:solidFill>
@@ -17531,7 +17794,7 @@
               <a:t>&lt;/</a:t>
             </a:r>
             <a:r>
-              <a:rPr lang="en-US" altLang="ko-KR" sz="1300">
+              <a:rPr lang="en-US" altLang="ko-KR" sz="1300" dirty="0">
                 <a:solidFill>
                   <a:srgbClr val="800000"/>
                 </a:solidFill>
@@ -17544,7 +17807,7 @@
               <a:t>p</a:t>
             </a:r>
             <a:r>
-              <a:rPr lang="en-US" altLang="ko-KR" sz="1300">
+              <a:rPr lang="en-US" altLang="ko-KR" sz="1300" dirty="0">
                 <a:solidFill>
                   <a:srgbClr val="0000FF"/>
                 </a:solidFill>
@@ -17556,7 +17819,7 @@
               </a:rPr>
               <a:t>&gt;</a:t>
             </a:r>
-            <a:endParaRPr lang="ko-KR" altLang="en-US" sz="1300">
+            <a:endParaRPr lang="ko-KR" altLang="en-US" sz="1300" dirty="0">
               <a:solidFill>
                 <a:srgbClr val="000000"/>
               </a:solidFill>
@@ -17574,7 +17837,7 @@
               </a:lnSpc>
             </a:pPr>
             <a:r>
-              <a:rPr lang="en-US" altLang="ko-KR" sz="1300">
+              <a:rPr lang="en-US" altLang="ko-KR" sz="1300" dirty="0">
                 <a:solidFill>
                   <a:srgbClr val="0000FF"/>
                 </a:solidFill>
@@ -17587,7 +17850,7 @@
               <a:t>    &lt;</a:t>
             </a:r>
             <a:r>
-              <a:rPr lang="en-US" altLang="ko-KR" sz="1300">
+              <a:rPr lang="en-US" altLang="ko-KR" sz="1300" dirty="0">
                 <a:solidFill>
                   <a:srgbClr val="800000"/>
                 </a:solidFill>
@@ -17600,7 +17863,7 @@
               <a:t>label</a:t>
             </a:r>
             <a:r>
-              <a:rPr lang="en-US" altLang="ko-KR" sz="1300">
+              <a:rPr lang="en-US" altLang="ko-KR" sz="1300" dirty="0">
                 <a:solidFill>
                   <a:srgbClr val="0000FF"/>
                 </a:solidFill>
@@ -17613,7 +17876,7 @@
               <a:t>&gt;&lt;</a:t>
             </a:r>
             <a:r>
-              <a:rPr lang="en-US" altLang="ko-KR" sz="1300">
+              <a:rPr lang="en-US" altLang="ko-KR" sz="1300" dirty="0">
                 <a:solidFill>
                   <a:srgbClr val="800000"/>
                 </a:solidFill>
@@ -17626,7 +17889,7 @@
               <a:t>input</a:t>
             </a:r>
             <a:r>
-              <a:rPr lang="en-US" altLang="ko-KR" sz="1300">
+              <a:rPr lang="en-US" altLang="ko-KR" sz="1300" dirty="0">
                 <a:solidFill>
                   <a:srgbClr val="000000"/>
                 </a:solidFill>
@@ -17639,7 +17902,7 @@
               <a:t> </a:t>
             </a:r>
             <a:r>
-              <a:rPr lang="en-US" altLang="ko-KR" sz="1300">
+              <a:rPr lang="en-US" altLang="ko-KR" sz="1300" dirty="0">
                 <a:solidFill>
                   <a:srgbClr val="FF0000"/>
                 </a:solidFill>
@@ -17652,7 +17915,7 @@
               <a:t>type</a:t>
             </a:r>
             <a:r>
-              <a:rPr lang="en-US" altLang="ko-KR" sz="1300">
+              <a:rPr lang="en-US" altLang="ko-KR" sz="1300" dirty="0">
                 <a:solidFill>
                   <a:srgbClr val="0000FF"/>
                 </a:solidFill>
@@ -17665,7 +17928,7 @@
               <a:t>="checkbox"</a:t>
             </a:r>
             <a:r>
-              <a:rPr lang="en-US" altLang="ko-KR" sz="1300">
+              <a:rPr lang="en-US" altLang="ko-KR" sz="1300" dirty="0">
                 <a:solidFill>
                   <a:srgbClr val="000000"/>
                 </a:solidFill>
@@ -17678,7 +17941,7 @@
               <a:t> </a:t>
             </a:r>
             <a:r>
-              <a:rPr lang="en-US" altLang="ko-KR" sz="1300">
+              <a:rPr lang="en-US" altLang="ko-KR" sz="1300" dirty="0">
                 <a:solidFill>
                   <a:srgbClr val="FF0000"/>
                 </a:solidFill>
@@ -17691,20 +17954,33 @@
               <a:t>name</a:t>
             </a:r>
             <a:r>
-              <a:rPr lang="en-US" altLang="ko-KR" sz="1300">
-                <a:solidFill>
-                  <a:srgbClr val="0000FF"/>
-                </a:solidFill>
-                <a:highlight>
-                  <a:srgbClr val="FFFFFF"/>
-                </a:highlight>
-                <a:latin typeface="D2Coding" panose="020B0609020101020101" pitchFamily="49" charset="-127"/>
-                <a:ea typeface="D2Coding" panose="020B0609020101020101" pitchFamily="49" charset="-127"/>
-              </a:rPr>
-              <a:t>="mailing1"</a:t>
-            </a:r>
-            <a:r>
-              <a:rPr lang="en-US" altLang="ko-KR" sz="1300">
+              <a:rPr lang="en-US" altLang="ko-KR" sz="1300" dirty="0">
+                <a:solidFill>
+                  <a:srgbClr val="0000FF"/>
+                </a:solidFill>
+                <a:highlight>
+                  <a:srgbClr val="FFFFFF"/>
+                </a:highlight>
+                <a:latin typeface="D2Coding" panose="020B0609020101020101" pitchFamily="49" charset="-127"/>
+                <a:ea typeface="D2Coding" panose="020B0609020101020101" pitchFamily="49" charset="-127"/>
+              </a:rPr>
+              <a:t>="</a:t>
+            </a:r>
+            <a:r>
+              <a:rPr lang="en-US" altLang="ko-KR" sz="1300" dirty="0" smtClean="0">
+                <a:solidFill>
+                  <a:srgbClr val="0000FF"/>
+                </a:solidFill>
+                <a:highlight>
+                  <a:srgbClr val="FFFFFF"/>
+                </a:highlight>
+                <a:latin typeface="D2Coding" panose="020B0609020101020101" pitchFamily="49" charset="-127"/>
+                <a:ea typeface="D2Coding" panose="020B0609020101020101" pitchFamily="49" charset="-127"/>
+              </a:rPr>
+              <a:t>mailing"</a:t>
+            </a:r>
+            <a:r>
+              <a:rPr lang="en-US" altLang="ko-KR" sz="1300" dirty="0" smtClean="0">
                 <a:solidFill>
                   <a:srgbClr val="000000"/>
                 </a:solidFill>
@@ -17717,7 +17993,7 @@
               <a:t> </a:t>
             </a:r>
             <a:r>
-              <a:rPr lang="en-US" altLang="ko-KR" sz="1300">
+              <a:rPr lang="en-US" altLang="ko-KR" sz="1300" dirty="0">
                 <a:solidFill>
                   <a:srgbClr val="FF0000"/>
                 </a:solidFill>
@@ -17730,7 +18006,7 @@
               <a:t>value</a:t>
             </a:r>
             <a:r>
-              <a:rPr lang="en-US" altLang="ko-KR" sz="1300">
+              <a:rPr lang="en-US" altLang="ko-KR" sz="1300" dirty="0">
                 <a:solidFill>
                   <a:srgbClr val="0000FF"/>
                 </a:solidFill>
@@ -17743,7 +18019,7 @@
               <a:t>="news"&gt;</a:t>
             </a:r>
             <a:r>
-              <a:rPr lang="ko-KR" altLang="en-US" sz="1300">
+              <a:rPr lang="ko-KR" altLang="en-US" sz="1300" dirty="0">
                 <a:solidFill>
                   <a:srgbClr val="000000"/>
                 </a:solidFill>
@@ -17756,7 +18032,7 @@
               <a:t>해외 단신</a:t>
             </a:r>
             <a:r>
-              <a:rPr lang="en-US" altLang="ko-KR" sz="1300">
+              <a:rPr lang="en-US" altLang="ko-KR" sz="1300" dirty="0">
                 <a:solidFill>
                   <a:srgbClr val="0000FF"/>
                 </a:solidFill>
@@ -17769,7 +18045,7 @@
               <a:t>&lt;/</a:t>
             </a:r>
             <a:r>
-              <a:rPr lang="en-US" altLang="ko-KR" sz="1300">
+              <a:rPr lang="en-US" altLang="ko-KR" sz="1300" dirty="0">
                 <a:solidFill>
                   <a:srgbClr val="800000"/>
                 </a:solidFill>
@@ -17782,7 +18058,7 @@
               <a:t>label</a:t>
             </a:r>
             <a:r>
-              <a:rPr lang="en-US" altLang="ko-KR" sz="1300">
+              <a:rPr lang="en-US" altLang="ko-KR" sz="1300" dirty="0">
                 <a:solidFill>
                   <a:srgbClr val="0000FF"/>
                 </a:solidFill>
@@ -17794,7 +18070,7 @@
               </a:rPr>
               <a:t>&gt;</a:t>
             </a:r>
-            <a:endParaRPr lang="en-US" altLang="ko-KR" sz="1300">
+            <a:endParaRPr lang="en-US" altLang="ko-KR" sz="1300" dirty="0">
               <a:solidFill>
                 <a:srgbClr val="000000"/>
               </a:solidFill>
@@ -17812,7 +18088,7 @@
               </a:lnSpc>
             </a:pPr>
             <a:r>
-              <a:rPr lang="en-US" altLang="ko-KR" sz="1300">
+              <a:rPr lang="en-US" altLang="ko-KR" sz="1300" dirty="0">
                 <a:solidFill>
                   <a:srgbClr val="0000FF"/>
                 </a:solidFill>
@@ -17825,7 +18101,7 @@
               <a:t>    &lt;</a:t>
             </a:r>
             <a:r>
-              <a:rPr lang="en-US" altLang="ko-KR" sz="1300">
+              <a:rPr lang="en-US" altLang="ko-KR" sz="1300" dirty="0">
                 <a:solidFill>
                   <a:srgbClr val="800000"/>
                 </a:solidFill>
@@ -17838,7 +18114,7 @@
               <a:t>label</a:t>
             </a:r>
             <a:r>
-              <a:rPr lang="en-US" altLang="ko-KR" sz="1300">
+              <a:rPr lang="en-US" altLang="ko-KR" sz="1300" dirty="0">
                 <a:solidFill>
                   <a:srgbClr val="0000FF"/>
                 </a:solidFill>
@@ -17851,7 +18127,7 @@
               <a:t>&gt;&lt;</a:t>
             </a:r>
             <a:r>
-              <a:rPr lang="en-US" altLang="ko-KR" sz="1300">
+              <a:rPr lang="en-US" altLang="ko-KR" sz="1300" dirty="0">
                 <a:solidFill>
                   <a:srgbClr val="800000"/>
                 </a:solidFill>
@@ -17864,7 +18140,7 @@
               <a:t>input</a:t>
             </a:r>
             <a:r>
-              <a:rPr lang="en-US" altLang="ko-KR" sz="1300">
+              <a:rPr lang="en-US" altLang="ko-KR" sz="1300" dirty="0">
                 <a:solidFill>
                   <a:srgbClr val="000000"/>
                 </a:solidFill>
@@ -17877,7 +18153,7 @@
               <a:t> </a:t>
             </a:r>
             <a:r>
-              <a:rPr lang="en-US" altLang="ko-KR" sz="1300">
+              <a:rPr lang="en-US" altLang="ko-KR" sz="1300" dirty="0">
                 <a:solidFill>
                   <a:srgbClr val="FF0000"/>
                 </a:solidFill>
@@ -17890,7 +18166,7 @@
               <a:t>type</a:t>
             </a:r>
             <a:r>
-              <a:rPr lang="en-US" altLang="ko-KR" sz="1300">
+              <a:rPr lang="en-US" altLang="ko-KR" sz="1300" dirty="0">
                 <a:solidFill>
                   <a:srgbClr val="0000FF"/>
                 </a:solidFill>
@@ -17903,7 +18179,7 @@
               <a:t>="checkbox"</a:t>
             </a:r>
             <a:r>
-              <a:rPr lang="en-US" altLang="ko-KR" sz="1300">
+              <a:rPr lang="en-US" altLang="ko-KR" sz="1300" dirty="0">
                 <a:solidFill>
                   <a:srgbClr val="000000"/>
                 </a:solidFill>
@@ -17916,7 +18192,7 @@
               <a:t> </a:t>
             </a:r>
             <a:r>
-              <a:rPr lang="en-US" altLang="ko-KR" sz="1300">
+              <a:rPr lang="en-US" altLang="ko-KR" sz="1300" dirty="0">
                 <a:solidFill>
                   <a:srgbClr val="FF0000"/>
                 </a:solidFill>
@@ -17929,20 +18205,33 @@
               <a:t>name</a:t>
             </a:r>
             <a:r>
-              <a:rPr lang="en-US" altLang="ko-KR" sz="1300">
-                <a:solidFill>
-                  <a:srgbClr val="0000FF"/>
-                </a:solidFill>
-                <a:highlight>
-                  <a:srgbClr val="FFFFFF"/>
-                </a:highlight>
-                <a:latin typeface="D2Coding" panose="020B0609020101020101" pitchFamily="49" charset="-127"/>
-                <a:ea typeface="D2Coding" panose="020B0609020101020101" pitchFamily="49" charset="-127"/>
-              </a:rPr>
-              <a:t>="mailing2"</a:t>
-            </a:r>
-            <a:r>
-              <a:rPr lang="en-US" altLang="ko-KR" sz="1300">
+              <a:rPr lang="en-US" altLang="ko-KR" sz="1300" dirty="0">
+                <a:solidFill>
+                  <a:srgbClr val="0000FF"/>
+                </a:solidFill>
+                <a:highlight>
+                  <a:srgbClr val="FFFFFF"/>
+                </a:highlight>
+                <a:latin typeface="D2Coding" panose="020B0609020101020101" pitchFamily="49" charset="-127"/>
+                <a:ea typeface="D2Coding" panose="020B0609020101020101" pitchFamily="49" charset="-127"/>
+              </a:rPr>
+              <a:t>="</a:t>
+            </a:r>
+            <a:r>
+              <a:rPr lang="en-US" altLang="ko-KR" sz="1300" dirty="0" smtClean="0">
+                <a:solidFill>
+                  <a:srgbClr val="0000FF"/>
+                </a:solidFill>
+                <a:highlight>
+                  <a:srgbClr val="FFFFFF"/>
+                </a:highlight>
+                <a:latin typeface="D2Coding" panose="020B0609020101020101" pitchFamily="49" charset="-127"/>
+                <a:ea typeface="D2Coding" panose="020B0609020101020101" pitchFamily="49" charset="-127"/>
+              </a:rPr>
+              <a:t>mailing"</a:t>
+            </a:r>
+            <a:r>
+              <a:rPr lang="en-US" altLang="ko-KR" sz="1300" dirty="0" smtClean="0">
                 <a:solidFill>
                   <a:srgbClr val="000000"/>
                 </a:solidFill>
@@ -17955,7 +18244,7 @@
               <a:t> </a:t>
             </a:r>
             <a:r>
-              <a:rPr lang="en-US" altLang="ko-KR" sz="1300">
+              <a:rPr lang="en-US" altLang="ko-KR" sz="1300" dirty="0">
                 <a:solidFill>
                   <a:srgbClr val="FF0000"/>
                 </a:solidFill>
@@ -17968,7 +18257,7 @@
               <a:t>value</a:t>
             </a:r>
             <a:r>
-              <a:rPr lang="en-US" altLang="ko-KR" sz="1300">
+              <a:rPr lang="en-US" altLang="ko-KR" sz="1300" dirty="0">
                 <a:solidFill>
                   <a:srgbClr val="0000FF"/>
                 </a:solidFill>
@@ -17981,7 +18270,7 @@
               <a:t>="dialog"&gt;</a:t>
             </a:r>
             <a:r>
-              <a:rPr lang="en-US" altLang="ko-KR" sz="1300">
+              <a:rPr lang="en-US" altLang="ko-KR" sz="1300" dirty="0">
                 <a:solidFill>
                   <a:srgbClr val="000000"/>
                 </a:solidFill>
@@ -17994,7 +18283,7 @@
               <a:t>5</a:t>
             </a:r>
             <a:r>
-              <a:rPr lang="ko-KR" altLang="en-US" sz="1300">
+              <a:rPr lang="ko-KR" altLang="en-US" sz="1300" dirty="0">
                 <a:solidFill>
                   <a:srgbClr val="000000"/>
                 </a:solidFill>
@@ -18007,7 +18296,7 @@
               <a:t>분 회화    </a:t>
             </a:r>
             <a:r>
-              <a:rPr lang="en-US" altLang="ko-KR" sz="1300">
+              <a:rPr lang="en-US" altLang="ko-KR" sz="1300" dirty="0">
                 <a:solidFill>
                   <a:srgbClr val="0000FF"/>
                 </a:solidFill>
@@ -18020,7 +18309,7 @@
               <a:t>&lt;/</a:t>
             </a:r>
             <a:r>
-              <a:rPr lang="en-US" altLang="ko-KR" sz="1300">
+              <a:rPr lang="en-US" altLang="ko-KR" sz="1300" dirty="0">
                 <a:solidFill>
                   <a:srgbClr val="800000"/>
                 </a:solidFill>
@@ -18033,7 +18322,7 @@
               <a:t>label</a:t>
             </a:r>
             <a:r>
-              <a:rPr lang="en-US" altLang="ko-KR" sz="1300">
+              <a:rPr lang="en-US" altLang="ko-KR" sz="1300" dirty="0">
                 <a:solidFill>
                   <a:srgbClr val="0000FF"/>
                 </a:solidFill>
@@ -18045,7 +18334,7 @@
               </a:rPr>
               <a:t>&gt;</a:t>
             </a:r>
-            <a:endParaRPr lang="en-US" altLang="ko-KR" sz="1300">
+            <a:endParaRPr lang="en-US" altLang="ko-KR" sz="1300" dirty="0">
               <a:solidFill>
                 <a:srgbClr val="000000"/>
               </a:solidFill>
@@ -18063,6 +18352,123 @@
               </a:lnSpc>
             </a:pPr>
             <a:r>
+              <a:rPr lang="en-US" altLang="ko-KR" sz="1300" dirty="0">
+                <a:solidFill>
+                  <a:srgbClr val="0000FF"/>
+                </a:solidFill>
+                <a:highlight>
+                  <a:srgbClr val="FFFFFF"/>
+                </a:highlight>
+                <a:latin typeface="D2Coding" panose="020B0609020101020101" pitchFamily="49" charset="-127"/>
+                <a:ea typeface="D2Coding" panose="020B0609020101020101" pitchFamily="49" charset="-127"/>
+              </a:rPr>
+              <a:t>    &lt;</a:t>
+            </a:r>
+            <a:r>
+              <a:rPr lang="en-US" altLang="ko-KR" sz="1300" dirty="0">
+                <a:solidFill>
+                  <a:srgbClr val="800000"/>
+                </a:solidFill>
+                <a:highlight>
+                  <a:srgbClr val="FFFFFF"/>
+                </a:highlight>
+                <a:latin typeface="D2Coding" panose="020B0609020101020101" pitchFamily="49" charset="-127"/>
+                <a:ea typeface="D2Coding" panose="020B0609020101020101" pitchFamily="49" charset="-127"/>
+              </a:rPr>
+              <a:t>label</a:t>
+            </a:r>
+            <a:r>
+              <a:rPr lang="en-US" altLang="ko-KR" sz="1300" dirty="0">
+                <a:solidFill>
+                  <a:srgbClr val="0000FF"/>
+                </a:solidFill>
+                <a:highlight>
+                  <a:srgbClr val="FFFFFF"/>
+                </a:highlight>
+                <a:latin typeface="D2Coding" panose="020B0609020101020101" pitchFamily="49" charset="-127"/>
+                <a:ea typeface="D2Coding" panose="020B0609020101020101" pitchFamily="49" charset="-127"/>
+              </a:rPr>
+              <a:t>&gt;&lt;</a:t>
+            </a:r>
+            <a:r>
+              <a:rPr lang="en-US" altLang="ko-KR" sz="1300" dirty="0">
+                <a:solidFill>
+                  <a:srgbClr val="800000"/>
+                </a:solidFill>
+                <a:highlight>
+                  <a:srgbClr val="FFFFFF"/>
+                </a:highlight>
+                <a:latin typeface="D2Coding" panose="020B0609020101020101" pitchFamily="49" charset="-127"/>
+                <a:ea typeface="D2Coding" panose="020B0609020101020101" pitchFamily="49" charset="-127"/>
+              </a:rPr>
+              <a:t>input</a:t>
+            </a:r>
+            <a:r>
+              <a:rPr lang="en-US" altLang="ko-KR" sz="1300" dirty="0">
+                <a:solidFill>
+                  <a:srgbClr val="000000"/>
+                </a:solidFill>
+                <a:highlight>
+                  <a:srgbClr val="FFFFFF"/>
+                </a:highlight>
+                <a:latin typeface="D2Coding" panose="020B0609020101020101" pitchFamily="49" charset="-127"/>
+                <a:ea typeface="D2Coding" panose="020B0609020101020101" pitchFamily="49" charset="-127"/>
+              </a:rPr>
+              <a:t> </a:t>
+            </a:r>
+            <a:r>
+              <a:rPr lang="en-US" altLang="ko-KR" sz="1300" dirty="0">
+                <a:solidFill>
+                  <a:srgbClr val="FF0000"/>
+                </a:solidFill>
+                <a:highlight>
+                  <a:srgbClr val="FFFFFF"/>
+                </a:highlight>
+                <a:latin typeface="D2Coding" panose="020B0609020101020101" pitchFamily="49" charset="-127"/>
+                <a:ea typeface="D2Coding" panose="020B0609020101020101" pitchFamily="49" charset="-127"/>
+              </a:rPr>
+              <a:t>type</a:t>
+            </a:r>
+            <a:r>
+              <a:rPr lang="en-US" altLang="ko-KR" sz="1300" dirty="0">
+                <a:solidFill>
+                  <a:srgbClr val="0000FF"/>
+                </a:solidFill>
+                <a:highlight>
+                  <a:srgbClr val="FFFFFF"/>
+                </a:highlight>
+                <a:latin typeface="D2Coding" panose="020B0609020101020101" pitchFamily="49" charset="-127"/>
+                <a:ea typeface="D2Coding" panose="020B0609020101020101" pitchFamily="49" charset="-127"/>
+              </a:rPr>
+              <a:t>="checkbox"</a:t>
+            </a:r>
+            <a:r>
+              <a:rPr lang="en-US" altLang="ko-KR" sz="1300" dirty="0">
+                <a:solidFill>
+                  <a:srgbClr val="000000"/>
+                </a:solidFill>
+                <a:highlight>
+                  <a:srgbClr val="FFFFFF"/>
+                </a:highlight>
+                <a:latin typeface="D2Coding" panose="020B0609020101020101" pitchFamily="49" charset="-127"/>
+                <a:ea typeface="D2Coding" panose="020B0609020101020101" pitchFamily="49" charset="-127"/>
+              </a:rPr>
+              <a:t> </a:t>
+            </a:r>
+            <a:r>
+              <a:rPr lang="en-US" altLang="ko-KR" sz="1300" dirty="0">
+                <a:solidFill>
+                  <a:srgbClr val="FF0000"/>
+                </a:solidFill>
+                <a:highlight>
+                  <a:srgbClr val="FFFFFF"/>
+                </a:highlight>
+                <a:latin typeface="D2Coding" panose="020B0609020101020101" pitchFamily="49" charset="-127"/>
+                <a:ea typeface="D2Coding" panose="020B0609020101020101" pitchFamily="49" charset="-127"/>
+              </a:rPr>
+              <a:t>name</a:t>
+            </a:r>
+            <a:r>
               <a:rPr lang="en-US" altLang="ko-KR" sz="1300">
                 <a:solidFill>
                   <a:srgbClr val="0000FF"/>
@@ -18073,10 +18479,88 @@
                 <a:latin typeface="D2Coding" panose="020B0609020101020101" pitchFamily="49" charset="-127"/>
                 <a:ea typeface="D2Coding" panose="020B0609020101020101" pitchFamily="49" charset="-127"/>
               </a:rPr>
-              <a:t>    &lt;</a:t>
-            </a:r>
-            <a:r>
-              <a:rPr lang="en-US" altLang="ko-KR" sz="1300">
+              <a:t>="</a:t>
+            </a:r>
+            <a:r>
+              <a:rPr lang="en-US" altLang="ko-KR" sz="1300" smtClean="0">
+                <a:solidFill>
+                  <a:srgbClr val="0000FF"/>
+                </a:solidFill>
+                <a:highlight>
+                  <a:srgbClr val="FFFFFF"/>
+                </a:highlight>
+                <a:latin typeface="D2Coding" panose="020B0609020101020101" pitchFamily="49" charset="-127"/>
+                <a:ea typeface="D2Coding" panose="020B0609020101020101" pitchFamily="49" charset="-127"/>
+              </a:rPr>
+              <a:t>mailing"</a:t>
+            </a:r>
+            <a:r>
+              <a:rPr lang="en-US" altLang="ko-KR" sz="1300" smtClean="0">
+                <a:solidFill>
+                  <a:srgbClr val="000000"/>
+                </a:solidFill>
+                <a:highlight>
+                  <a:srgbClr val="FFFFFF"/>
+                </a:highlight>
+                <a:latin typeface="D2Coding" panose="020B0609020101020101" pitchFamily="49" charset="-127"/>
+                <a:ea typeface="D2Coding" panose="020B0609020101020101" pitchFamily="49" charset="-127"/>
+              </a:rPr>
+              <a:t> </a:t>
+            </a:r>
+            <a:r>
+              <a:rPr lang="en-US" altLang="ko-KR" sz="1300" dirty="0">
+                <a:solidFill>
+                  <a:srgbClr val="FF0000"/>
+                </a:solidFill>
+                <a:highlight>
+                  <a:srgbClr val="FFFFFF"/>
+                </a:highlight>
+                <a:latin typeface="D2Coding" panose="020B0609020101020101" pitchFamily="49" charset="-127"/>
+                <a:ea typeface="D2Coding" panose="020B0609020101020101" pitchFamily="49" charset="-127"/>
+              </a:rPr>
+              <a:t>value</a:t>
+            </a:r>
+            <a:r>
+              <a:rPr lang="en-US" altLang="ko-KR" sz="1300" dirty="0">
+                <a:solidFill>
+                  <a:srgbClr val="0000FF"/>
+                </a:solidFill>
+                <a:highlight>
+                  <a:srgbClr val="FFFFFF"/>
+                </a:highlight>
+                <a:latin typeface="D2Coding" panose="020B0609020101020101" pitchFamily="49" charset="-127"/>
+                <a:ea typeface="D2Coding" panose="020B0609020101020101" pitchFamily="49" charset="-127"/>
+              </a:rPr>
+              <a:t>="pops"&gt;</a:t>
+            </a:r>
+            <a:r>
+              <a:rPr lang="ko-KR" altLang="en-US" sz="1300" dirty="0" err="1">
+                <a:solidFill>
+                  <a:srgbClr val="000000"/>
+                </a:solidFill>
+                <a:highlight>
+                  <a:srgbClr val="FFFFFF"/>
+                </a:highlight>
+                <a:latin typeface="D2Coding" panose="020B0609020101020101" pitchFamily="49" charset="-127"/>
+                <a:ea typeface="D2Coding" panose="020B0609020101020101" pitchFamily="49" charset="-127"/>
+              </a:rPr>
+              <a:t>모닝팝스</a:t>
+            </a:r>
+            <a:r>
+              <a:rPr lang="en-US" altLang="ko-KR" sz="1300" dirty="0">
+                <a:solidFill>
+                  <a:srgbClr val="0000FF"/>
+                </a:solidFill>
+                <a:highlight>
+                  <a:srgbClr val="FFFFFF"/>
+                </a:highlight>
+                <a:latin typeface="D2Coding" panose="020B0609020101020101" pitchFamily="49" charset="-127"/>
+                <a:ea typeface="D2Coding" panose="020B0609020101020101" pitchFamily="49" charset="-127"/>
+              </a:rPr>
+              <a:t>&lt;/</a:t>
+            </a:r>
+            <a:r>
+              <a:rPr lang="en-US" altLang="ko-KR" sz="1300" dirty="0">
                 <a:solidFill>
                   <a:srgbClr val="800000"/>
                 </a:solidFill>
@@ -18089,189 +18573,7 @@
               <a:t>label</a:t>
             </a:r>
             <a:r>
-              <a:rPr lang="en-US" altLang="ko-KR" sz="1300">
-                <a:solidFill>
-                  <a:srgbClr val="0000FF"/>
-                </a:solidFill>
-                <a:highlight>
-                  <a:srgbClr val="FFFFFF"/>
-                </a:highlight>
-                <a:latin typeface="D2Coding" panose="020B0609020101020101" pitchFamily="49" charset="-127"/>
-                <a:ea typeface="D2Coding" panose="020B0609020101020101" pitchFamily="49" charset="-127"/>
-              </a:rPr>
-              <a:t>&gt;&lt;</a:t>
-            </a:r>
-            <a:r>
-              <a:rPr lang="en-US" altLang="ko-KR" sz="1300">
-                <a:solidFill>
-                  <a:srgbClr val="800000"/>
-                </a:solidFill>
-                <a:highlight>
-                  <a:srgbClr val="FFFFFF"/>
-                </a:highlight>
-                <a:latin typeface="D2Coding" panose="020B0609020101020101" pitchFamily="49" charset="-127"/>
-                <a:ea typeface="D2Coding" panose="020B0609020101020101" pitchFamily="49" charset="-127"/>
-              </a:rPr>
-              <a:t>input</a:t>
-            </a:r>
-            <a:r>
-              <a:rPr lang="en-US" altLang="ko-KR" sz="1300">
-                <a:solidFill>
-                  <a:srgbClr val="000000"/>
-                </a:solidFill>
-                <a:highlight>
-                  <a:srgbClr val="FFFFFF"/>
-                </a:highlight>
-                <a:latin typeface="D2Coding" panose="020B0609020101020101" pitchFamily="49" charset="-127"/>
-                <a:ea typeface="D2Coding" panose="020B0609020101020101" pitchFamily="49" charset="-127"/>
-              </a:rPr>
-              <a:t> </a:t>
-            </a:r>
-            <a:r>
-              <a:rPr lang="en-US" altLang="ko-KR" sz="1300">
-                <a:solidFill>
-                  <a:srgbClr val="FF0000"/>
-                </a:solidFill>
-                <a:highlight>
-                  <a:srgbClr val="FFFFFF"/>
-                </a:highlight>
-                <a:latin typeface="D2Coding" panose="020B0609020101020101" pitchFamily="49" charset="-127"/>
-                <a:ea typeface="D2Coding" panose="020B0609020101020101" pitchFamily="49" charset="-127"/>
-              </a:rPr>
-              <a:t>type</a:t>
-            </a:r>
-            <a:r>
-              <a:rPr lang="en-US" altLang="ko-KR" sz="1300">
-                <a:solidFill>
-                  <a:srgbClr val="0000FF"/>
-                </a:solidFill>
-                <a:highlight>
-                  <a:srgbClr val="FFFFFF"/>
-                </a:highlight>
-                <a:latin typeface="D2Coding" panose="020B0609020101020101" pitchFamily="49" charset="-127"/>
-                <a:ea typeface="D2Coding" panose="020B0609020101020101" pitchFamily="49" charset="-127"/>
-              </a:rPr>
-              <a:t>="checkbox"</a:t>
-            </a:r>
-            <a:r>
-              <a:rPr lang="en-US" altLang="ko-KR" sz="1300">
-                <a:solidFill>
-                  <a:srgbClr val="000000"/>
-                </a:solidFill>
-                <a:highlight>
-                  <a:srgbClr val="FFFFFF"/>
-                </a:highlight>
-                <a:latin typeface="D2Coding" panose="020B0609020101020101" pitchFamily="49" charset="-127"/>
-                <a:ea typeface="D2Coding" panose="020B0609020101020101" pitchFamily="49" charset="-127"/>
-              </a:rPr>
-              <a:t> </a:t>
-            </a:r>
-            <a:r>
-              <a:rPr lang="en-US" altLang="ko-KR" sz="1300">
-                <a:solidFill>
-                  <a:srgbClr val="FF0000"/>
-                </a:solidFill>
-                <a:highlight>
-                  <a:srgbClr val="FFFFFF"/>
-                </a:highlight>
-                <a:latin typeface="D2Coding" panose="020B0609020101020101" pitchFamily="49" charset="-127"/>
-                <a:ea typeface="D2Coding" panose="020B0609020101020101" pitchFamily="49" charset="-127"/>
-              </a:rPr>
-              <a:t>name</a:t>
-            </a:r>
-            <a:r>
-              <a:rPr lang="en-US" altLang="ko-KR" sz="1300">
-                <a:solidFill>
-                  <a:srgbClr val="0000FF"/>
-                </a:solidFill>
-                <a:highlight>
-                  <a:srgbClr val="FFFFFF"/>
-                </a:highlight>
-                <a:latin typeface="D2Coding" panose="020B0609020101020101" pitchFamily="49" charset="-127"/>
-                <a:ea typeface="D2Coding" panose="020B0609020101020101" pitchFamily="49" charset="-127"/>
-              </a:rPr>
-              <a:t>="mailing3"</a:t>
-            </a:r>
-            <a:r>
-              <a:rPr lang="en-US" altLang="ko-KR" sz="1300">
-                <a:solidFill>
-                  <a:srgbClr val="000000"/>
-                </a:solidFill>
-                <a:highlight>
-                  <a:srgbClr val="FFFFFF"/>
-                </a:highlight>
-                <a:latin typeface="D2Coding" panose="020B0609020101020101" pitchFamily="49" charset="-127"/>
-                <a:ea typeface="D2Coding" panose="020B0609020101020101" pitchFamily="49" charset="-127"/>
-              </a:rPr>
-              <a:t> </a:t>
-            </a:r>
-            <a:r>
-              <a:rPr lang="en-US" altLang="ko-KR" sz="1300">
-                <a:solidFill>
-                  <a:srgbClr val="FF0000"/>
-                </a:solidFill>
-                <a:highlight>
-                  <a:srgbClr val="FFFFFF"/>
-                </a:highlight>
-                <a:latin typeface="D2Coding" panose="020B0609020101020101" pitchFamily="49" charset="-127"/>
-                <a:ea typeface="D2Coding" panose="020B0609020101020101" pitchFamily="49" charset="-127"/>
-              </a:rPr>
-              <a:t>value</a:t>
-            </a:r>
-            <a:r>
-              <a:rPr lang="en-US" altLang="ko-KR" sz="1300">
-                <a:solidFill>
-                  <a:srgbClr val="0000FF"/>
-                </a:solidFill>
-                <a:highlight>
-                  <a:srgbClr val="FFFFFF"/>
-                </a:highlight>
-                <a:latin typeface="D2Coding" panose="020B0609020101020101" pitchFamily="49" charset="-127"/>
-                <a:ea typeface="D2Coding" panose="020B0609020101020101" pitchFamily="49" charset="-127"/>
-              </a:rPr>
-              <a:t>="pops"&gt;</a:t>
-            </a:r>
-            <a:r>
-              <a:rPr lang="ko-KR" altLang="en-US" sz="1300">
-                <a:solidFill>
-                  <a:srgbClr val="000000"/>
-                </a:solidFill>
-                <a:highlight>
-                  <a:srgbClr val="FFFFFF"/>
-                </a:highlight>
-                <a:latin typeface="D2Coding" panose="020B0609020101020101" pitchFamily="49" charset="-127"/>
-                <a:ea typeface="D2Coding" panose="020B0609020101020101" pitchFamily="49" charset="-127"/>
-              </a:rPr>
-              <a:t>모닝팝스</a:t>
-            </a:r>
-            <a:r>
-              <a:rPr lang="en-US" altLang="ko-KR" sz="1300">
-                <a:solidFill>
-                  <a:srgbClr val="0000FF"/>
-                </a:solidFill>
-                <a:highlight>
-                  <a:srgbClr val="FFFFFF"/>
-                </a:highlight>
-                <a:latin typeface="D2Coding" panose="020B0609020101020101" pitchFamily="49" charset="-127"/>
-                <a:ea typeface="D2Coding" panose="020B0609020101020101" pitchFamily="49" charset="-127"/>
-              </a:rPr>
-              <a:t>&lt;/</a:t>
-            </a:r>
-            <a:r>
-              <a:rPr lang="en-US" altLang="ko-KR" sz="1300">
-                <a:solidFill>
-                  <a:srgbClr val="800000"/>
-                </a:solidFill>
-                <a:highlight>
-                  <a:srgbClr val="FFFFFF"/>
-                </a:highlight>
-                <a:latin typeface="D2Coding" panose="020B0609020101020101" pitchFamily="49" charset="-127"/>
-                <a:ea typeface="D2Coding" panose="020B0609020101020101" pitchFamily="49" charset="-127"/>
-              </a:rPr>
-              <a:t>label</a:t>
-            </a:r>
-            <a:r>
-              <a:rPr lang="en-US" altLang="ko-KR" sz="1300">
+              <a:rPr lang="en-US" altLang="ko-KR" sz="1300" dirty="0">
                 <a:solidFill>
                   <a:srgbClr val="0000FF"/>
                 </a:solidFill>
@@ -18283,7 +18585,7 @@
               </a:rPr>
               <a:t>&gt;</a:t>
             </a:r>
-            <a:endParaRPr lang="en-US" altLang="ko-KR" sz="1300">
+            <a:endParaRPr lang="en-US" altLang="ko-KR" sz="1300" dirty="0">
               <a:solidFill>
                 <a:srgbClr val="000000"/>
               </a:solidFill>
@@ -18301,7 +18603,7 @@
               </a:lnSpc>
             </a:pPr>
             <a:r>
-              <a:rPr lang="en-US" altLang="ko-KR" sz="1300">
+              <a:rPr lang="en-US" altLang="ko-KR" sz="1300" dirty="0">
                 <a:solidFill>
                   <a:srgbClr val="0000FF"/>
                 </a:solidFill>
@@ -18314,7 +18616,7 @@
               <a:t>  &lt;/</a:t>
             </a:r>
             <a:r>
-              <a:rPr lang="en-US" altLang="ko-KR" sz="1300">
+              <a:rPr lang="en-US" altLang="ko-KR" sz="1300" dirty="0" err="1">
                 <a:solidFill>
                   <a:srgbClr val="800000"/>
                 </a:solidFill>
@@ -18327,7 +18629,7 @@
               <a:t>fieldset</a:t>
             </a:r>
             <a:r>
-              <a:rPr lang="en-US" altLang="ko-KR" sz="1300">
+              <a:rPr lang="en-US" altLang="ko-KR" sz="1300" dirty="0">
                 <a:solidFill>
                   <a:srgbClr val="0000FF"/>
                 </a:solidFill>
@@ -18339,7 +18641,7 @@
               </a:rPr>
               <a:t>&gt;</a:t>
             </a:r>
-            <a:endParaRPr lang="en-US" altLang="ko-KR" sz="1300">
+            <a:endParaRPr lang="en-US" altLang="ko-KR" sz="1300" dirty="0">
               <a:solidFill>
                 <a:srgbClr val="000000"/>
               </a:solidFill>
@@ -18357,7 +18659,7 @@
               </a:lnSpc>
             </a:pPr>
             <a:r>
-              <a:rPr lang="en-US" altLang="ko-KR" sz="1300">
+              <a:rPr lang="en-US" altLang="ko-KR" sz="1300" dirty="0">
                 <a:solidFill>
                   <a:srgbClr val="0000FF"/>
                 </a:solidFill>
@@ -18370,7 +18672,7 @@
               <a:t>&lt;/</a:t>
             </a:r>
             <a:r>
-              <a:rPr lang="en-US" altLang="ko-KR" sz="1300">
+              <a:rPr lang="en-US" altLang="ko-KR" sz="1300" dirty="0">
                 <a:solidFill>
                   <a:srgbClr val="800000"/>
                 </a:solidFill>
@@ -18383,7 +18685,7 @@
               <a:t>form</a:t>
             </a:r>
             <a:r>
-              <a:rPr lang="en-US" altLang="ko-KR" sz="1300">
+              <a:rPr lang="en-US" altLang="ko-KR" sz="1300" dirty="0">
                 <a:solidFill>
                   <a:srgbClr val="0000FF"/>
                 </a:solidFill>
@@ -18395,7 +18697,7 @@
               </a:rPr>
               <a:t>&gt;</a:t>
             </a:r>
-            <a:endParaRPr lang="ko-KR" altLang="en-US" sz="1300"/>
+            <a:endParaRPr lang="ko-KR" altLang="en-US" sz="1300" dirty="0"/>
           </a:p>
         </p:txBody>
       </p:sp>
@@ -18435,6 +18737,50 @@
           </a:prstGeom>
         </p:spPr>
       </p:pic>
+      <p:sp>
+        <p:nvSpPr>
+          <p:cNvPr id="5" name="TextBox 4">
+            <a:extLst>
+              <a:ext uri="{FF2B5EF4-FFF2-40B4-BE49-F238E27FC236}">
+                <a16:creationId xmlns:a16="http://schemas.microsoft.com/office/drawing/2014/main" id="{A7C130B1-13B2-4C04-94BB-40CF24F8A927}"/>
+              </a:ext>
+            </a:extLst>
+          </p:cNvPr>
+          <p:cNvSpPr txBox="1"/>
+          <p:nvPr/>
+        </p:nvSpPr>
+        <p:spPr>
+          <a:xfrm>
+            <a:off x="10983569" y="339241"/>
+            <a:ext cx="668773" cy="338554"/>
+          </a:xfrm>
+          <a:prstGeom prst="rect">
+            <a:avLst/>
+          </a:prstGeom>
+          <a:noFill/>
+        </p:spPr>
+        <p:txBody>
+          <a:bodyPr wrap="none" rtlCol="0">
+            <a:spAutoFit/>
+          </a:bodyPr>
+          <a:lstStyle/>
+          <a:p>
+            <a:r>
+              <a:rPr lang="en-US" altLang="ko-KR" sz="1600" b="1" dirty="0">
+                <a:solidFill>
+                  <a:schemeClr val="bg1"/>
+                </a:solidFill>
+              </a:rPr>
+              <a:t>p151</a:t>
+            </a:r>
+            <a:endParaRPr lang="ko-KR" altLang="en-US" sz="1600" b="1" dirty="0">
+              <a:solidFill>
+                <a:schemeClr val="bg1"/>
+              </a:solidFill>
+            </a:endParaRPr>
+          </a:p>
+        </p:txBody>
+      </p:sp>
     </p:spTree>
     <p:extLst>
       <p:ext uri="{BB962C8B-B14F-4D97-AF65-F5344CB8AC3E}">
@@ -18445,6 +18791,13 @@
   <p:clrMapOvr>
     <a:masterClrMapping/>
   </p:clrMapOvr>
+  <p:timing>
+    <p:tnLst>
+      <p:par>
+        <p:cTn id="1" dur="indefinite" restart="never" nodeType="tmRoot"/>
+      </p:par>
+    </p:tnLst>
+  </p:timing>
 </p:sld>
 </file>
 
@@ -18995,6 +19348,50 @@
           </a:prstGeom>
         </p:spPr>
       </p:pic>
+      <p:sp>
+        <p:nvSpPr>
+          <p:cNvPr id="11" name="TextBox 10">
+            <a:extLst>
+              <a:ext uri="{FF2B5EF4-FFF2-40B4-BE49-F238E27FC236}">
+                <a16:creationId xmlns:a16="http://schemas.microsoft.com/office/drawing/2014/main" id="{18585970-36E7-407F-A415-E4C1457EE9D1}"/>
+              </a:ext>
+            </a:extLst>
+          </p:cNvPr>
+          <p:cNvSpPr txBox="1"/>
+          <p:nvPr/>
+        </p:nvSpPr>
+        <p:spPr>
+          <a:xfrm>
+            <a:off x="10983569" y="339241"/>
+            <a:ext cx="668773" cy="338554"/>
+          </a:xfrm>
+          <a:prstGeom prst="rect">
+            <a:avLst/>
+          </a:prstGeom>
+          <a:noFill/>
+        </p:spPr>
+        <p:txBody>
+          <a:bodyPr wrap="none" rtlCol="0">
+            <a:spAutoFit/>
+          </a:bodyPr>
+          <a:lstStyle/>
+          <a:p>
+            <a:r>
+              <a:rPr lang="en-US" altLang="ko-KR" sz="1600" b="1" dirty="0">
+                <a:solidFill>
+                  <a:schemeClr val="bg1"/>
+                </a:solidFill>
+              </a:rPr>
+              <a:t>p153</a:t>
+            </a:r>
+            <a:endParaRPr lang="ko-KR" altLang="en-US" sz="1600" b="1" dirty="0">
+              <a:solidFill>
+                <a:schemeClr val="bg1"/>
+              </a:solidFill>
+            </a:endParaRPr>
+          </a:p>
+        </p:txBody>
+      </p:sp>
     </p:spTree>
     <p:extLst>
       <p:ext uri="{BB962C8B-B14F-4D97-AF65-F5344CB8AC3E}">
@@ -19005,6 +19402,13 @@
   <p:clrMapOvr>
     <a:masterClrMapping/>
   </p:clrMapOvr>
+  <p:timing>
+    <p:tnLst>
+      <p:par>
+        <p:cTn id="1" dur="indefinite" restart="never" nodeType="tmRoot"/>
+      </p:par>
+    </p:tnLst>
+  </p:timing>
 </p:sld>
 </file>
 
@@ -20188,6 +20592,50 @@
           </a:prstGeom>
         </p:spPr>
       </p:pic>
+      <p:sp>
+        <p:nvSpPr>
+          <p:cNvPr id="10" name="TextBox 9">
+            <a:extLst>
+              <a:ext uri="{FF2B5EF4-FFF2-40B4-BE49-F238E27FC236}">
+                <a16:creationId xmlns:a16="http://schemas.microsoft.com/office/drawing/2014/main" id="{5E940C77-ED2A-4B0E-B484-B937DDFB216B}"/>
+              </a:ext>
+            </a:extLst>
+          </p:cNvPr>
+          <p:cNvSpPr txBox="1"/>
+          <p:nvPr/>
+        </p:nvSpPr>
+        <p:spPr>
+          <a:xfrm>
+            <a:off x="10983569" y="339241"/>
+            <a:ext cx="668773" cy="338554"/>
+          </a:xfrm>
+          <a:prstGeom prst="rect">
+            <a:avLst/>
+          </a:prstGeom>
+          <a:noFill/>
+        </p:spPr>
+        <p:txBody>
+          <a:bodyPr wrap="none" rtlCol="0">
+            <a:spAutoFit/>
+          </a:bodyPr>
+          <a:lstStyle/>
+          <a:p>
+            <a:r>
+              <a:rPr lang="en-US" altLang="ko-KR" sz="1600" b="1" dirty="0">
+                <a:solidFill>
+                  <a:schemeClr val="bg1"/>
+                </a:solidFill>
+              </a:rPr>
+              <a:t>p154</a:t>
+            </a:r>
+            <a:endParaRPr lang="ko-KR" altLang="en-US" sz="1600" b="1" dirty="0">
+              <a:solidFill>
+                <a:schemeClr val="bg1"/>
+              </a:solidFill>
+            </a:endParaRPr>
+          </a:p>
+        </p:txBody>
+      </p:sp>
     </p:spTree>
     <p:extLst>
       <p:ext uri="{BB962C8B-B14F-4D97-AF65-F5344CB8AC3E}">
@@ -21982,6 +22430,50 @@
           </a:p>
         </p:txBody>
       </p:sp>
+      <p:sp>
+        <p:nvSpPr>
+          <p:cNvPr id="14" name="TextBox 13">
+            <a:extLst>
+              <a:ext uri="{FF2B5EF4-FFF2-40B4-BE49-F238E27FC236}">
+                <a16:creationId xmlns:a16="http://schemas.microsoft.com/office/drawing/2014/main" id="{FEA48019-00B6-4FA8-8060-B05E27A3E43D}"/>
+              </a:ext>
+            </a:extLst>
+          </p:cNvPr>
+          <p:cNvSpPr txBox="1"/>
+          <p:nvPr/>
+        </p:nvSpPr>
+        <p:spPr>
+          <a:xfrm>
+            <a:off x="10983569" y="339241"/>
+            <a:ext cx="668773" cy="338554"/>
+          </a:xfrm>
+          <a:prstGeom prst="rect">
+            <a:avLst/>
+          </a:prstGeom>
+          <a:noFill/>
+        </p:spPr>
+        <p:txBody>
+          <a:bodyPr wrap="none" rtlCol="0">
+            <a:spAutoFit/>
+          </a:bodyPr>
+          <a:lstStyle/>
+          <a:p>
+            <a:r>
+              <a:rPr lang="en-US" altLang="ko-KR" sz="1600" b="1" dirty="0">
+                <a:solidFill>
+                  <a:schemeClr val="bg1"/>
+                </a:solidFill>
+              </a:rPr>
+              <a:t>p155</a:t>
+            </a:r>
+            <a:endParaRPr lang="ko-KR" altLang="en-US" sz="1600" b="1" dirty="0">
+              <a:solidFill>
+                <a:schemeClr val="bg1"/>
+              </a:solidFill>
+            </a:endParaRPr>
+          </a:p>
+        </p:txBody>
+      </p:sp>
     </p:spTree>
     <p:extLst>
       <p:ext uri="{BB962C8B-B14F-4D97-AF65-F5344CB8AC3E}">
@@ -23524,6 +24016,50 @@
           </a:prstGeom>
         </p:spPr>
       </p:pic>
+      <p:sp>
+        <p:nvSpPr>
+          <p:cNvPr id="16" name="TextBox 15">
+            <a:extLst>
+              <a:ext uri="{FF2B5EF4-FFF2-40B4-BE49-F238E27FC236}">
+                <a16:creationId xmlns:a16="http://schemas.microsoft.com/office/drawing/2014/main" id="{DBA33376-BD2B-4E3C-B32D-5BCD11F2A5DB}"/>
+              </a:ext>
+            </a:extLst>
+          </p:cNvPr>
+          <p:cNvSpPr txBox="1"/>
+          <p:nvPr/>
+        </p:nvSpPr>
+        <p:spPr>
+          <a:xfrm>
+            <a:off x="10983569" y="339241"/>
+            <a:ext cx="668773" cy="338554"/>
+          </a:xfrm>
+          <a:prstGeom prst="rect">
+            <a:avLst/>
+          </a:prstGeom>
+          <a:noFill/>
+        </p:spPr>
+        <p:txBody>
+          <a:bodyPr wrap="none" rtlCol="0">
+            <a:spAutoFit/>
+          </a:bodyPr>
+          <a:lstStyle/>
+          <a:p>
+            <a:r>
+              <a:rPr lang="en-US" altLang="ko-KR" sz="1600" b="1" dirty="0">
+                <a:solidFill>
+                  <a:schemeClr val="bg1"/>
+                </a:solidFill>
+              </a:rPr>
+              <a:t>p159</a:t>
+            </a:r>
+            <a:endParaRPr lang="ko-KR" altLang="en-US" sz="1600" b="1" dirty="0">
+              <a:solidFill>
+                <a:schemeClr val="bg1"/>
+              </a:solidFill>
+            </a:endParaRPr>
+          </a:p>
+        </p:txBody>
+      </p:sp>
     </p:spTree>
     <p:extLst>
       <p:ext uri="{BB962C8B-B14F-4D97-AF65-F5344CB8AC3E}">
@@ -23672,6 +24208,10 @@
             <a:r>
               <a:rPr lang="ko-KR" altLang="en-US" sz="1400"/>
               <a:t>라고만 입력</a:t>
+            </a:r>
+            <a:r>
+              <a:rPr lang="en-US" altLang="ko-KR" sz="1400"/>
+              <a:t/>
             </a:r>
             <a:br>
               <a:rPr lang="en-US" altLang="ko-KR" sz="1400"/>
@@ -24124,6 +24664,50 @@
           </a:prstGeom>
         </p:spPr>
       </p:pic>
+      <p:sp>
+        <p:nvSpPr>
+          <p:cNvPr id="9" name="TextBox 8">
+            <a:extLst>
+              <a:ext uri="{FF2B5EF4-FFF2-40B4-BE49-F238E27FC236}">
+                <a16:creationId xmlns:a16="http://schemas.microsoft.com/office/drawing/2014/main" id="{4E6F4E0E-A9B9-4E8D-ACF0-45E0D7DDD11A}"/>
+              </a:ext>
+            </a:extLst>
+          </p:cNvPr>
+          <p:cNvSpPr txBox="1"/>
+          <p:nvPr/>
+        </p:nvSpPr>
+        <p:spPr>
+          <a:xfrm>
+            <a:off x="10983569" y="339241"/>
+            <a:ext cx="668773" cy="338554"/>
+          </a:xfrm>
+          <a:prstGeom prst="rect">
+            <a:avLst/>
+          </a:prstGeom>
+          <a:noFill/>
+        </p:spPr>
+        <p:txBody>
+          <a:bodyPr wrap="none" rtlCol="0">
+            <a:spAutoFit/>
+          </a:bodyPr>
+          <a:lstStyle/>
+          <a:p>
+            <a:r>
+              <a:rPr lang="en-US" altLang="ko-KR" sz="1600" b="1" dirty="0">
+                <a:solidFill>
+                  <a:schemeClr val="bg1"/>
+                </a:solidFill>
+              </a:rPr>
+              <a:t>p161</a:t>
+            </a:r>
+            <a:endParaRPr lang="ko-KR" altLang="en-US" sz="1600" b="1" dirty="0">
+              <a:solidFill>
+                <a:schemeClr val="bg1"/>
+              </a:solidFill>
+            </a:endParaRPr>
+          </a:p>
+        </p:txBody>
+      </p:sp>
     </p:spTree>
     <p:extLst>
       <p:ext uri="{BB962C8B-B14F-4D97-AF65-F5344CB8AC3E}">
@@ -24416,6 +25000,50 @@
           </a:prstGeom>
         </p:spPr>
       </p:pic>
+      <p:sp>
+        <p:nvSpPr>
+          <p:cNvPr id="8" name="TextBox 7">
+            <a:extLst>
+              <a:ext uri="{FF2B5EF4-FFF2-40B4-BE49-F238E27FC236}">
+                <a16:creationId xmlns:a16="http://schemas.microsoft.com/office/drawing/2014/main" id="{D5942294-33EE-4F51-88C4-6B53250F9BFD}"/>
+              </a:ext>
+            </a:extLst>
+          </p:cNvPr>
+          <p:cNvSpPr txBox="1"/>
+          <p:nvPr/>
+        </p:nvSpPr>
+        <p:spPr>
+          <a:xfrm>
+            <a:off x="10983569" y="339241"/>
+            <a:ext cx="668773" cy="338554"/>
+          </a:xfrm>
+          <a:prstGeom prst="rect">
+            <a:avLst/>
+          </a:prstGeom>
+          <a:noFill/>
+        </p:spPr>
+        <p:txBody>
+          <a:bodyPr wrap="none" rtlCol="0">
+            <a:spAutoFit/>
+          </a:bodyPr>
+          <a:lstStyle/>
+          <a:p>
+            <a:r>
+              <a:rPr lang="en-US" altLang="ko-KR" sz="1600" b="1" dirty="0">
+                <a:solidFill>
+                  <a:schemeClr val="bg1"/>
+                </a:solidFill>
+              </a:rPr>
+              <a:t>p133</a:t>
+            </a:r>
+            <a:endParaRPr lang="ko-KR" altLang="en-US" sz="1600" b="1" dirty="0">
+              <a:solidFill>
+                <a:schemeClr val="bg1"/>
+              </a:solidFill>
+            </a:endParaRPr>
+          </a:p>
+        </p:txBody>
+      </p:sp>
     </p:spTree>
     <p:extLst>
       <p:ext uri="{BB962C8B-B14F-4D97-AF65-F5344CB8AC3E}">
@@ -24426,6 +25054,13 @@
   <p:clrMapOvr>
     <a:masterClrMapping/>
   </p:clrMapOvr>
+  <p:timing>
+    <p:tnLst>
+      <p:par>
+        <p:cTn id="1" dur="indefinite" restart="never" nodeType="tmRoot"/>
+      </p:par>
+    </p:tnLst>
+  </p:timing>
 </p:sld>
 </file>
 
@@ -25678,6 +26313,50 @@
               <a:t>&gt;</a:t>
             </a:r>
             <a:endParaRPr lang="ko-KR" altLang="en-US" sz="1200"/>
+          </a:p>
+        </p:txBody>
+      </p:sp>
+      <p:sp>
+        <p:nvSpPr>
+          <p:cNvPr id="10" name="TextBox 9">
+            <a:extLst>
+              <a:ext uri="{FF2B5EF4-FFF2-40B4-BE49-F238E27FC236}">
+                <a16:creationId xmlns:a16="http://schemas.microsoft.com/office/drawing/2014/main" id="{E2679C8C-5E21-4355-A464-2049526110ED}"/>
+              </a:ext>
+            </a:extLst>
+          </p:cNvPr>
+          <p:cNvSpPr txBox="1"/>
+          <p:nvPr/>
+        </p:nvSpPr>
+        <p:spPr>
+          <a:xfrm>
+            <a:off x="10983569" y="339241"/>
+            <a:ext cx="668773" cy="338554"/>
+          </a:xfrm>
+          <a:prstGeom prst="rect">
+            <a:avLst/>
+          </a:prstGeom>
+          <a:noFill/>
+        </p:spPr>
+        <p:txBody>
+          <a:bodyPr wrap="none" rtlCol="0">
+            <a:spAutoFit/>
+          </a:bodyPr>
+          <a:lstStyle/>
+          <a:p>
+            <a:r>
+              <a:rPr lang="en-US" altLang="ko-KR" sz="1600" b="1" dirty="0">
+                <a:solidFill>
+                  <a:schemeClr val="bg1"/>
+                </a:solidFill>
+              </a:rPr>
+              <a:t>p162</a:t>
+            </a:r>
+            <a:endParaRPr lang="ko-KR" altLang="en-US" sz="1600" b="1" dirty="0">
+              <a:solidFill>
+                <a:schemeClr val="bg1"/>
+              </a:solidFill>
+            </a:endParaRPr>
           </a:p>
         </p:txBody>
       </p:sp>
@@ -27072,6 +27751,50 @@
           </a:prstGeom>
         </p:spPr>
       </p:pic>
+      <p:sp>
+        <p:nvSpPr>
+          <p:cNvPr id="14" name="TextBox 13">
+            <a:extLst>
+              <a:ext uri="{FF2B5EF4-FFF2-40B4-BE49-F238E27FC236}">
+                <a16:creationId xmlns:a16="http://schemas.microsoft.com/office/drawing/2014/main" id="{69C5EC8F-E2FD-4606-B0D7-56D67BD3D558}"/>
+              </a:ext>
+            </a:extLst>
+          </p:cNvPr>
+          <p:cNvSpPr txBox="1"/>
+          <p:nvPr/>
+        </p:nvSpPr>
+        <p:spPr>
+          <a:xfrm>
+            <a:off x="10983569" y="339241"/>
+            <a:ext cx="668773" cy="338554"/>
+          </a:xfrm>
+          <a:prstGeom prst="rect">
+            <a:avLst/>
+          </a:prstGeom>
+          <a:noFill/>
+        </p:spPr>
+        <p:txBody>
+          <a:bodyPr wrap="none" rtlCol="0">
+            <a:spAutoFit/>
+          </a:bodyPr>
+          <a:lstStyle/>
+          <a:p>
+            <a:r>
+              <a:rPr lang="en-US" altLang="ko-KR" sz="1600" b="1" dirty="0">
+                <a:solidFill>
+                  <a:schemeClr val="bg1"/>
+                </a:solidFill>
+              </a:rPr>
+              <a:t>p170</a:t>
+            </a:r>
+            <a:endParaRPr lang="ko-KR" altLang="en-US" sz="1600" b="1" dirty="0">
+              <a:solidFill>
+                <a:schemeClr val="bg1"/>
+              </a:solidFill>
+            </a:endParaRPr>
+          </a:p>
+        </p:txBody>
+      </p:sp>
     </p:spTree>
     <p:extLst>
       <p:ext uri="{BB962C8B-B14F-4D97-AF65-F5344CB8AC3E}">
@@ -29132,6 +29855,50 @@
           </a:prstGeom>
         </p:spPr>
       </p:pic>
+      <p:sp>
+        <p:nvSpPr>
+          <p:cNvPr id="13" name="TextBox 12">
+            <a:extLst>
+              <a:ext uri="{FF2B5EF4-FFF2-40B4-BE49-F238E27FC236}">
+                <a16:creationId xmlns:a16="http://schemas.microsoft.com/office/drawing/2014/main" id="{1B6DF94A-5FD7-4AA4-B8C0-AC32CC763933}"/>
+              </a:ext>
+            </a:extLst>
+          </p:cNvPr>
+          <p:cNvSpPr txBox="1"/>
+          <p:nvPr/>
+        </p:nvSpPr>
+        <p:spPr>
+          <a:xfrm>
+            <a:off x="10983569" y="339241"/>
+            <a:ext cx="668773" cy="338554"/>
+          </a:xfrm>
+          <a:prstGeom prst="rect">
+            <a:avLst/>
+          </a:prstGeom>
+          <a:noFill/>
+        </p:spPr>
+        <p:txBody>
+          <a:bodyPr wrap="none" rtlCol="0">
+            <a:spAutoFit/>
+          </a:bodyPr>
+          <a:lstStyle/>
+          <a:p>
+            <a:r>
+              <a:rPr lang="en-US" altLang="ko-KR" sz="1600" b="1" dirty="0">
+                <a:solidFill>
+                  <a:schemeClr val="bg1"/>
+                </a:solidFill>
+              </a:rPr>
+              <a:t>p172</a:t>
+            </a:r>
+            <a:endParaRPr lang="ko-KR" altLang="en-US" sz="1600" b="1" dirty="0">
+              <a:solidFill>
+                <a:schemeClr val="bg1"/>
+              </a:solidFill>
+            </a:endParaRPr>
+          </a:p>
+        </p:txBody>
+      </p:sp>
     </p:spTree>
     <p:extLst>
       <p:ext uri="{BB962C8B-B14F-4D97-AF65-F5344CB8AC3E}">
@@ -30599,6 +31366,50 @@
           </a:prstGeom>
         </p:spPr>
       </p:pic>
+      <p:sp>
+        <p:nvSpPr>
+          <p:cNvPr id="13" name="TextBox 12">
+            <a:extLst>
+              <a:ext uri="{FF2B5EF4-FFF2-40B4-BE49-F238E27FC236}">
+                <a16:creationId xmlns:a16="http://schemas.microsoft.com/office/drawing/2014/main" id="{DAFF2E58-B8D1-4E1C-846C-B1AE92B1C85C}"/>
+              </a:ext>
+            </a:extLst>
+          </p:cNvPr>
+          <p:cNvSpPr txBox="1"/>
+          <p:nvPr/>
+        </p:nvSpPr>
+        <p:spPr>
+          <a:xfrm>
+            <a:off x="10983569" y="339241"/>
+            <a:ext cx="668773" cy="338554"/>
+          </a:xfrm>
+          <a:prstGeom prst="rect">
+            <a:avLst/>
+          </a:prstGeom>
+          <a:noFill/>
+        </p:spPr>
+        <p:txBody>
+          <a:bodyPr wrap="none" rtlCol="0">
+            <a:spAutoFit/>
+          </a:bodyPr>
+          <a:lstStyle/>
+          <a:p>
+            <a:r>
+              <a:rPr lang="en-US" altLang="ko-KR" sz="1600" b="1" dirty="0">
+                <a:solidFill>
+                  <a:schemeClr val="bg1"/>
+                </a:solidFill>
+              </a:rPr>
+              <a:t>p172</a:t>
+            </a:r>
+            <a:endParaRPr lang="ko-KR" altLang="en-US" sz="1600" b="1" dirty="0">
+              <a:solidFill>
+                <a:schemeClr val="bg1"/>
+              </a:solidFill>
+            </a:endParaRPr>
+          </a:p>
+        </p:txBody>
+      </p:sp>
     </p:spTree>
     <p:extLst>
       <p:ext uri="{BB962C8B-B14F-4D97-AF65-F5344CB8AC3E}">
@@ -33684,6 +34495,50 @@
           </a:prstGeom>
         </p:spPr>
       </p:pic>
+      <p:sp>
+        <p:nvSpPr>
+          <p:cNvPr id="12" name="TextBox 11">
+            <a:extLst>
+              <a:ext uri="{FF2B5EF4-FFF2-40B4-BE49-F238E27FC236}">
+                <a16:creationId xmlns:a16="http://schemas.microsoft.com/office/drawing/2014/main" id="{1487E02D-FA52-4747-98F3-9279383CD771}"/>
+              </a:ext>
+            </a:extLst>
+          </p:cNvPr>
+          <p:cNvSpPr txBox="1"/>
+          <p:nvPr/>
+        </p:nvSpPr>
+        <p:spPr>
+          <a:xfrm>
+            <a:off x="10983569" y="339241"/>
+            <a:ext cx="668773" cy="338554"/>
+          </a:xfrm>
+          <a:prstGeom prst="rect">
+            <a:avLst/>
+          </a:prstGeom>
+          <a:noFill/>
+        </p:spPr>
+        <p:txBody>
+          <a:bodyPr wrap="none" rtlCol="0">
+            <a:spAutoFit/>
+          </a:bodyPr>
+          <a:lstStyle/>
+          <a:p>
+            <a:r>
+              <a:rPr lang="en-US" altLang="ko-KR" sz="1600" b="1" dirty="0">
+                <a:solidFill>
+                  <a:schemeClr val="bg1"/>
+                </a:solidFill>
+              </a:rPr>
+              <a:t>p177</a:t>
+            </a:r>
+            <a:endParaRPr lang="ko-KR" altLang="en-US" sz="1600" b="1" dirty="0">
+              <a:solidFill>
+                <a:schemeClr val="bg1"/>
+              </a:solidFill>
+            </a:endParaRPr>
+          </a:p>
+        </p:txBody>
+      </p:sp>
     </p:spTree>
     <p:extLst>
       <p:ext uri="{BB962C8B-B14F-4D97-AF65-F5344CB8AC3E}">
@@ -35247,6 +36102,50 @@
           </a:prstGeom>
         </p:spPr>
       </p:pic>
+      <p:sp>
+        <p:nvSpPr>
+          <p:cNvPr id="17" name="TextBox 16">
+            <a:extLst>
+              <a:ext uri="{FF2B5EF4-FFF2-40B4-BE49-F238E27FC236}">
+                <a16:creationId xmlns:a16="http://schemas.microsoft.com/office/drawing/2014/main" id="{33823539-6BF6-4380-8056-49923B320EB1}"/>
+              </a:ext>
+            </a:extLst>
+          </p:cNvPr>
+          <p:cNvSpPr txBox="1"/>
+          <p:nvPr/>
+        </p:nvSpPr>
+        <p:spPr>
+          <a:xfrm>
+            <a:off x="10992036" y="339241"/>
+            <a:ext cx="668773" cy="338554"/>
+          </a:xfrm>
+          <a:prstGeom prst="rect">
+            <a:avLst/>
+          </a:prstGeom>
+          <a:noFill/>
+        </p:spPr>
+        <p:txBody>
+          <a:bodyPr wrap="none" rtlCol="0">
+            <a:spAutoFit/>
+          </a:bodyPr>
+          <a:lstStyle/>
+          <a:p>
+            <a:r>
+              <a:rPr lang="en-US" altLang="ko-KR" sz="1600" b="1" dirty="0">
+                <a:solidFill>
+                  <a:schemeClr val="bg1"/>
+                </a:solidFill>
+              </a:rPr>
+              <a:t>p179</a:t>
+            </a:r>
+            <a:endParaRPr lang="ko-KR" altLang="en-US" sz="1600" b="1" dirty="0">
+              <a:solidFill>
+                <a:schemeClr val="bg1"/>
+              </a:solidFill>
+            </a:endParaRPr>
+          </a:p>
+        </p:txBody>
+      </p:sp>
     </p:spTree>
     <p:extLst>
       <p:ext uri="{BB962C8B-B14F-4D97-AF65-F5344CB8AC3E}">
@@ -35365,6 +36264,10 @@
               <a:rPr lang="ko-KR" altLang="en-US" sz="1400"/>
               <a:t>전체 크기 중에서 얼마나 차지하는지를 표현할 때 사용</a:t>
             </a:r>
+            <a:r>
+              <a:rPr lang="en-US" altLang="ko-KR" sz="1400"/>
+              <a:t/>
+            </a:r>
             <a:br>
               <a:rPr lang="en-US" altLang="ko-KR" sz="1400"/>
             </a:br>
@@ -35497,7 +36400,7 @@
           <a:lstStyle/>
           <a:p>
             <a:r>
-              <a:rPr lang="en-US" altLang="ko-KR" sz="1200">
+              <a:rPr lang="en-US" altLang="ko-KR" sz="1200" dirty="0">
                 <a:solidFill>
                   <a:srgbClr val="0000FF"/>
                 </a:solidFill>
@@ -35510,7 +36413,7 @@
               <a:t>&lt;</a:t>
             </a:r>
             <a:r>
-              <a:rPr lang="en-US" altLang="ko-KR" sz="1200">
+              <a:rPr lang="en-US" altLang="ko-KR" sz="1200" dirty="0">
                 <a:solidFill>
                   <a:srgbClr val="800000"/>
                 </a:solidFill>
@@ -35523,7 +36426,7 @@
               <a:t>label</a:t>
             </a:r>
             <a:r>
-              <a:rPr lang="en-US" altLang="ko-KR" sz="1200">
+              <a:rPr lang="en-US" altLang="ko-KR" sz="1200" dirty="0">
                 <a:solidFill>
                   <a:srgbClr val="0000FF"/>
                 </a:solidFill>
@@ -35536,7 +36439,7 @@
               <a:t>&gt;</a:t>
             </a:r>
             <a:r>
-              <a:rPr lang="ko-KR" altLang="en-US" sz="1200">
+              <a:rPr lang="ko-KR" altLang="en-US" sz="1200" dirty="0">
                 <a:solidFill>
                   <a:srgbClr val="000000"/>
                 </a:solidFill>
@@ -35549,7 +36452,7 @@
               <a:t>점유율 </a:t>
             </a:r>
             <a:r>
-              <a:rPr lang="en-US" altLang="ko-KR" sz="1200">
+              <a:rPr lang="en-US" altLang="ko-KR" sz="1200" dirty="0">
                 <a:solidFill>
                   <a:srgbClr val="000000"/>
                 </a:solidFill>
@@ -35562,7 +36465,7 @@
               <a:t>0.8 </a:t>
             </a:r>
             <a:r>
-              <a:rPr lang="en-US" altLang="ko-KR" sz="1200">
+              <a:rPr lang="en-US" altLang="ko-KR" sz="1200" dirty="0">
                 <a:solidFill>
                   <a:srgbClr val="0000FF"/>
                 </a:solidFill>
@@ -35575,7 +36478,7 @@
               <a:t>&lt;/</a:t>
             </a:r>
             <a:r>
-              <a:rPr lang="en-US" altLang="ko-KR" sz="1200">
+              <a:rPr lang="en-US" altLang="ko-KR" sz="1200" dirty="0">
                 <a:solidFill>
                   <a:srgbClr val="800000"/>
                 </a:solidFill>
@@ -35588,7 +36491,7 @@
               <a:t>label</a:t>
             </a:r>
             <a:r>
-              <a:rPr lang="en-US" altLang="ko-KR" sz="1200">
+              <a:rPr lang="en-US" altLang="ko-KR" sz="1200" dirty="0">
                 <a:solidFill>
                   <a:srgbClr val="0000FF"/>
                 </a:solidFill>
@@ -35600,7 +36503,7 @@
               </a:rPr>
               <a:t>&gt;</a:t>
             </a:r>
-            <a:endParaRPr lang="en-US" altLang="ko-KR" sz="1200">
+            <a:endParaRPr lang="en-US" altLang="ko-KR" sz="1200" dirty="0">
               <a:solidFill>
                 <a:srgbClr val="000000"/>
               </a:solidFill>
@@ -35613,7 +36516,7 @@
           </a:p>
           <a:p>
             <a:r>
-              <a:rPr lang="en-US" altLang="ko-KR" sz="1200">
+              <a:rPr lang="en-US" altLang="ko-KR" sz="1200" dirty="0">
                 <a:solidFill>
                   <a:srgbClr val="0000FF"/>
                 </a:solidFill>
@@ -35626,7 +36529,7 @@
               <a:t>&lt;</a:t>
             </a:r>
             <a:r>
-              <a:rPr lang="en-US" altLang="ko-KR" sz="1200">
+              <a:rPr lang="en-US" altLang="ko-KR" sz="1200" dirty="0">
                 <a:solidFill>
                   <a:srgbClr val="800000"/>
                 </a:solidFill>
@@ -35639,7 +36542,7 @@
               <a:t>meter</a:t>
             </a:r>
             <a:r>
-              <a:rPr lang="en-US" altLang="ko-KR" sz="1200">
+              <a:rPr lang="en-US" altLang="ko-KR" sz="1200" dirty="0">
                 <a:solidFill>
                   <a:srgbClr val="000000"/>
                 </a:solidFill>
@@ -35652,7 +36555,7 @@
               <a:t> </a:t>
             </a:r>
             <a:r>
-              <a:rPr lang="en-US" altLang="ko-KR" sz="1200">
+              <a:rPr lang="en-US" altLang="ko-KR" sz="1200" dirty="0">
                 <a:solidFill>
                   <a:srgbClr val="FF0000"/>
                 </a:solidFill>
@@ -35665,7 +36568,7 @@
               <a:t>value</a:t>
             </a:r>
             <a:r>
-              <a:rPr lang="en-US" altLang="ko-KR" sz="1200">
+              <a:rPr lang="en-US" altLang="ko-KR" sz="1200" dirty="0">
                 <a:solidFill>
                   <a:srgbClr val="0000FF"/>
                 </a:solidFill>
@@ -35678,7 +36581,7 @@
               <a:t>="0.8"&gt;&lt;/</a:t>
             </a:r>
             <a:r>
-              <a:rPr lang="en-US" altLang="ko-KR" sz="1200">
+              <a:rPr lang="en-US" altLang="ko-KR" sz="1200" dirty="0">
                 <a:solidFill>
                   <a:srgbClr val="800000"/>
                 </a:solidFill>
@@ -35691,7 +36594,7 @@
               <a:t>meter</a:t>
             </a:r>
             <a:r>
-              <a:rPr lang="en-US" altLang="ko-KR" sz="1200">
+              <a:rPr lang="en-US" altLang="ko-KR" sz="1200" dirty="0">
                 <a:solidFill>
                   <a:srgbClr val="0000FF"/>
                 </a:solidFill>
@@ -35703,7 +36606,7 @@
               </a:rPr>
               <a:t>&gt;</a:t>
             </a:r>
-            <a:endParaRPr lang="en-US" altLang="ko-KR" sz="1200">
+            <a:endParaRPr lang="en-US" altLang="ko-KR" sz="1200" dirty="0">
               <a:solidFill>
                 <a:srgbClr val="000000"/>
               </a:solidFill>
@@ -35715,7 +36618,7 @@
             </a:endParaRPr>
           </a:p>
           <a:p>
-            <a:endParaRPr lang="en-US" altLang="ko-KR" sz="1200">
+            <a:endParaRPr lang="en-US" altLang="ko-KR" sz="1200" dirty="0">
               <a:solidFill>
                 <a:srgbClr val="0000FF"/>
               </a:solidFill>
@@ -35728,7 +36631,7 @@
           </a:p>
           <a:p>
             <a:r>
-              <a:rPr lang="en-US" altLang="ko-KR" sz="1200">
+              <a:rPr lang="en-US" altLang="ko-KR" sz="1200" dirty="0">
                 <a:solidFill>
                   <a:srgbClr val="0000FF"/>
                 </a:solidFill>
@@ -35741,7 +36644,7 @@
               <a:t>&lt;</a:t>
             </a:r>
             <a:r>
-              <a:rPr lang="en-US" altLang="ko-KR" sz="1200">
+              <a:rPr lang="en-US" altLang="ko-KR" sz="1200" dirty="0">
                 <a:solidFill>
                   <a:srgbClr val="800000"/>
                 </a:solidFill>
@@ -35754,7 +36657,7 @@
               <a:t>label</a:t>
             </a:r>
             <a:r>
-              <a:rPr lang="en-US" altLang="ko-KR" sz="1200">
+              <a:rPr lang="en-US" altLang="ko-KR" sz="1200" dirty="0">
                 <a:solidFill>
                   <a:srgbClr val="0000FF"/>
                 </a:solidFill>
@@ -35767,7 +36670,7 @@
               <a:t>&gt;</a:t>
             </a:r>
             <a:r>
-              <a:rPr lang="ko-KR" altLang="en-US" sz="1200">
+              <a:rPr lang="ko-KR" altLang="en-US" sz="1200" dirty="0">
                 <a:solidFill>
                   <a:srgbClr val="000000"/>
                 </a:solidFill>
@@ -35780,7 +36683,7 @@
               <a:t>사용량 </a:t>
             </a:r>
             <a:r>
-              <a:rPr lang="en-US" altLang="ko-KR" sz="1200">
+              <a:rPr lang="en-US" altLang="ko-KR" sz="1200" dirty="0">
                 <a:solidFill>
                   <a:srgbClr val="000000"/>
                 </a:solidFill>
@@ -35793,7 +36696,7 @@
               <a:t>64%</a:t>
             </a:r>
             <a:r>
-              <a:rPr lang="en-US" altLang="ko-KR" sz="1200">
+              <a:rPr lang="en-US" altLang="ko-KR" sz="1200" dirty="0">
                 <a:solidFill>
                   <a:srgbClr val="0000FF"/>
                 </a:solidFill>
@@ -35806,7 +36709,7 @@
               <a:t>&lt;/</a:t>
             </a:r>
             <a:r>
-              <a:rPr lang="en-US" altLang="ko-KR" sz="1200">
+              <a:rPr lang="en-US" altLang="ko-KR" sz="1200" dirty="0">
                 <a:solidFill>
                   <a:srgbClr val="800000"/>
                 </a:solidFill>
@@ -35819,7 +36722,7 @@
               <a:t>label</a:t>
             </a:r>
             <a:r>
-              <a:rPr lang="en-US" altLang="ko-KR" sz="1200">
+              <a:rPr lang="en-US" altLang="ko-KR" sz="1200" dirty="0">
                 <a:solidFill>
                   <a:srgbClr val="0000FF"/>
                 </a:solidFill>
@@ -35831,7 +36734,7 @@
               </a:rPr>
               <a:t>&gt;</a:t>
             </a:r>
-            <a:endParaRPr lang="en-US" altLang="ko-KR" sz="1200">
+            <a:endParaRPr lang="en-US" altLang="ko-KR" sz="1200" dirty="0">
               <a:solidFill>
                 <a:srgbClr val="000000"/>
               </a:solidFill>
@@ -35844,7 +36747,7 @@
           </a:p>
           <a:p>
             <a:r>
-              <a:rPr lang="en-US" altLang="ko-KR" sz="1200">
+              <a:rPr lang="en-US" altLang="ko-KR" sz="1200" dirty="0">
                 <a:solidFill>
                   <a:srgbClr val="0000FF"/>
                 </a:solidFill>
@@ -35857,7 +36760,7 @@
               <a:t>&lt;</a:t>
             </a:r>
             <a:r>
-              <a:rPr lang="en-US" altLang="ko-KR" sz="1200">
+              <a:rPr lang="en-US" altLang="ko-KR" sz="1200" dirty="0">
                 <a:solidFill>
                   <a:srgbClr val="800000"/>
                 </a:solidFill>
@@ -35870,7 +36773,7 @@
               <a:t>meter</a:t>
             </a:r>
             <a:r>
-              <a:rPr lang="en-US" altLang="ko-KR" sz="1200">
+              <a:rPr lang="en-US" altLang="ko-KR" sz="1200" dirty="0">
                 <a:solidFill>
                   <a:srgbClr val="000000"/>
                 </a:solidFill>
@@ -35883,7 +36786,7 @@
               <a:t> </a:t>
             </a:r>
             <a:r>
-              <a:rPr lang="en-US" altLang="ko-KR" sz="1200">
+              <a:rPr lang="en-US" altLang="ko-KR" sz="1200" dirty="0">
                 <a:solidFill>
                   <a:srgbClr val="FF0000"/>
                 </a:solidFill>
@@ -35896,7 +36799,7 @@
               <a:t>min</a:t>
             </a:r>
             <a:r>
-              <a:rPr lang="en-US" altLang="ko-KR" sz="1200">
+              <a:rPr lang="en-US" altLang="ko-KR" sz="1200" dirty="0">
                 <a:solidFill>
                   <a:srgbClr val="0000FF"/>
                 </a:solidFill>
@@ -35909,7 +36812,7 @@
               <a:t>="0"</a:t>
             </a:r>
             <a:r>
-              <a:rPr lang="en-US" altLang="ko-KR" sz="1200">
+              <a:rPr lang="en-US" altLang="ko-KR" sz="1200" dirty="0">
                 <a:solidFill>
                   <a:srgbClr val="000000"/>
                 </a:solidFill>
@@ -35922,7 +36825,7 @@
               <a:t> </a:t>
             </a:r>
             <a:r>
-              <a:rPr lang="en-US" altLang="ko-KR" sz="1200">
+              <a:rPr lang="en-US" altLang="ko-KR" sz="1200" dirty="0">
                 <a:solidFill>
                   <a:srgbClr val="FF0000"/>
                 </a:solidFill>
@@ -35935,7 +36838,7 @@
               <a:t>max</a:t>
             </a:r>
             <a:r>
-              <a:rPr lang="en-US" altLang="ko-KR" sz="1200">
+              <a:rPr lang="en-US" altLang="ko-KR" sz="1200" dirty="0">
                 <a:solidFill>
                   <a:srgbClr val="0000FF"/>
                 </a:solidFill>
@@ -35948,7 +36851,7 @@
               <a:t>="100"</a:t>
             </a:r>
             <a:r>
-              <a:rPr lang="en-US" altLang="ko-KR" sz="1200">
+              <a:rPr lang="en-US" altLang="ko-KR" sz="1200" dirty="0">
                 <a:solidFill>
                   <a:srgbClr val="000000"/>
                 </a:solidFill>
@@ -35961,7 +36864,7 @@
               <a:t> </a:t>
             </a:r>
             <a:r>
-              <a:rPr lang="en-US" altLang="ko-KR" sz="1200">
+              <a:rPr lang="en-US" altLang="ko-KR" sz="1200" dirty="0">
                 <a:solidFill>
                   <a:srgbClr val="FF0000"/>
                 </a:solidFill>
@@ -35974,7 +36877,7 @@
               <a:t>value</a:t>
             </a:r>
             <a:r>
-              <a:rPr lang="en-US" altLang="ko-KR" sz="1200">
+              <a:rPr lang="en-US" altLang="ko-KR" sz="1200" dirty="0">
                 <a:solidFill>
                   <a:srgbClr val="0000FF"/>
                 </a:solidFill>
@@ -35987,7 +36890,7 @@
               <a:t>="64"&gt;&lt;/</a:t>
             </a:r>
             <a:r>
-              <a:rPr lang="en-US" altLang="ko-KR" sz="1200">
+              <a:rPr lang="en-US" altLang="ko-KR" sz="1200" dirty="0">
                 <a:solidFill>
                   <a:srgbClr val="800000"/>
                 </a:solidFill>
@@ -36000,7 +36903,7 @@
               <a:t>meter</a:t>
             </a:r>
             <a:r>
-              <a:rPr lang="en-US" altLang="ko-KR" sz="1200">
+              <a:rPr lang="en-US" altLang="ko-KR" sz="1200" dirty="0">
                 <a:solidFill>
                   <a:srgbClr val="0000FF"/>
                 </a:solidFill>
@@ -36012,7 +36915,7 @@
               </a:rPr>
               <a:t>&gt;</a:t>
             </a:r>
-            <a:endParaRPr lang="en-US" altLang="ko-KR" sz="1200">
+            <a:endParaRPr lang="en-US" altLang="ko-KR" sz="1200" dirty="0">
               <a:solidFill>
                 <a:srgbClr val="000000"/>
               </a:solidFill>
@@ -36024,7 +36927,7 @@
             </a:endParaRPr>
           </a:p>
           <a:p>
-            <a:endParaRPr lang="en-US" altLang="ko-KR" sz="1200">
+            <a:endParaRPr lang="en-US" altLang="ko-KR" sz="1200" dirty="0">
               <a:solidFill>
                 <a:srgbClr val="0000FF"/>
               </a:solidFill>
@@ -36037,7 +36940,7 @@
           </a:p>
           <a:p>
             <a:r>
-              <a:rPr lang="en-US" altLang="ko-KR" sz="1200">
+              <a:rPr lang="en-US" altLang="ko-KR" sz="1200" dirty="0">
                 <a:solidFill>
                   <a:srgbClr val="0000FF"/>
                 </a:solidFill>
@@ -36050,7 +36953,7 @@
               <a:t>&lt;</a:t>
             </a:r>
             <a:r>
-              <a:rPr lang="en-US" altLang="ko-KR" sz="1200">
+              <a:rPr lang="en-US" altLang="ko-KR" sz="1200" dirty="0">
                 <a:solidFill>
                   <a:srgbClr val="800000"/>
                 </a:solidFill>
@@ -36063,7 +36966,7 @@
               <a:t>label</a:t>
             </a:r>
             <a:r>
-              <a:rPr lang="en-US" altLang="ko-KR" sz="1200">
+              <a:rPr lang="en-US" altLang="ko-KR" sz="1200" dirty="0">
                 <a:solidFill>
                   <a:srgbClr val="0000FF"/>
                 </a:solidFill>
@@ -36076,7 +36979,7 @@
               <a:t>&gt;</a:t>
             </a:r>
             <a:r>
-              <a:rPr lang="ko-KR" altLang="en-US" sz="1200">
+              <a:rPr lang="ko-KR" altLang="en-US" sz="1200" dirty="0">
                 <a:solidFill>
                   <a:srgbClr val="000000"/>
                 </a:solidFill>
@@ -36089,7 +36992,7 @@
               <a:t>트래픽 초과</a:t>
             </a:r>
             <a:r>
-              <a:rPr lang="en-US" altLang="ko-KR" sz="1200">
+              <a:rPr lang="en-US" altLang="ko-KR" sz="1200" dirty="0">
                 <a:solidFill>
                   <a:srgbClr val="0000FF"/>
                 </a:solidFill>
@@ -36102,7 +37005,7 @@
               <a:t>&lt;/</a:t>
             </a:r>
             <a:r>
-              <a:rPr lang="en-US" altLang="ko-KR" sz="1200">
+              <a:rPr lang="en-US" altLang="ko-KR" sz="1200" dirty="0">
                 <a:solidFill>
                   <a:srgbClr val="800000"/>
                 </a:solidFill>
@@ -36115,7 +37018,7 @@
               <a:t>label</a:t>
             </a:r>
             <a:r>
-              <a:rPr lang="en-US" altLang="ko-KR" sz="1200">
+              <a:rPr lang="en-US" altLang="ko-KR" sz="1200" dirty="0">
                 <a:solidFill>
                   <a:srgbClr val="0000FF"/>
                 </a:solidFill>
@@ -36127,7 +37030,7 @@
               </a:rPr>
               <a:t>&gt;</a:t>
             </a:r>
-            <a:endParaRPr lang="en-US" altLang="ko-KR" sz="1200">
+            <a:endParaRPr lang="en-US" altLang="ko-KR" sz="1200" dirty="0">
               <a:solidFill>
                 <a:srgbClr val="000000"/>
               </a:solidFill>
@@ -36140,7 +37043,7 @@
           </a:p>
           <a:p>
             <a:r>
-              <a:rPr lang="en-US" altLang="ko-KR" sz="1200">
+              <a:rPr lang="en-US" altLang="ko-KR" sz="1200" dirty="0">
                 <a:solidFill>
                   <a:srgbClr val="0000FF"/>
                 </a:solidFill>
@@ -36153,7 +37056,7 @@
               <a:t>&lt;</a:t>
             </a:r>
             <a:r>
-              <a:rPr lang="en-US" altLang="ko-KR" sz="1200">
+              <a:rPr lang="en-US" altLang="ko-KR" sz="1200" dirty="0">
                 <a:solidFill>
                   <a:srgbClr val="800000"/>
                 </a:solidFill>
@@ -36166,7 +37069,7 @@
               <a:t>meter</a:t>
             </a:r>
             <a:r>
-              <a:rPr lang="en-US" altLang="ko-KR" sz="1200">
+              <a:rPr lang="en-US" altLang="ko-KR" sz="1200" dirty="0">
                 <a:solidFill>
                   <a:srgbClr val="000000"/>
                 </a:solidFill>
@@ -36179,7 +37082,7 @@
               <a:t> </a:t>
             </a:r>
             <a:r>
-              <a:rPr lang="en-US" altLang="ko-KR" sz="1200">
+              <a:rPr lang="en-US" altLang="ko-KR" sz="1200" dirty="0">
                 <a:solidFill>
                   <a:srgbClr val="FF0000"/>
                 </a:solidFill>
@@ -36192,7 +37095,7 @@
               <a:t>min</a:t>
             </a:r>
             <a:r>
-              <a:rPr lang="en-US" altLang="ko-KR" sz="1200">
+              <a:rPr lang="en-US" altLang="ko-KR" sz="1200" dirty="0">
                 <a:solidFill>
                   <a:srgbClr val="0000FF"/>
                 </a:solidFill>
@@ -36205,7 +37108,7 @@
               <a:t>="1024"</a:t>
             </a:r>
             <a:r>
-              <a:rPr lang="en-US" altLang="ko-KR" sz="1200">
+              <a:rPr lang="en-US" altLang="ko-KR" sz="1200" dirty="0">
                 <a:solidFill>
                   <a:srgbClr val="000000"/>
                 </a:solidFill>
@@ -36218,7 +37121,7 @@
               <a:t> </a:t>
             </a:r>
             <a:r>
-              <a:rPr lang="en-US" altLang="ko-KR" sz="1200">
+              <a:rPr lang="en-US" altLang="ko-KR" sz="1200" dirty="0">
                 <a:solidFill>
                   <a:srgbClr val="FF0000"/>
                 </a:solidFill>
@@ -36231,7 +37134,7 @@
               <a:t>max</a:t>
             </a:r>
             <a:r>
-              <a:rPr lang="en-US" altLang="ko-KR" sz="1200">
+              <a:rPr lang="en-US" altLang="ko-KR" sz="1200" dirty="0">
                 <a:solidFill>
                   <a:srgbClr val="0000FF"/>
                 </a:solidFill>
@@ -36244,7 +37147,7 @@
               <a:t>="10240"</a:t>
             </a:r>
             <a:r>
-              <a:rPr lang="en-US" altLang="ko-KR" sz="1200">
+              <a:rPr lang="en-US" altLang="ko-KR" sz="1200" dirty="0">
                 <a:solidFill>
                   <a:srgbClr val="000000"/>
                 </a:solidFill>
@@ -36257,7 +37160,7 @@
               <a:t> </a:t>
             </a:r>
             <a:r>
-              <a:rPr lang="en-US" altLang="ko-KR" sz="1200">
+              <a:rPr lang="en-US" altLang="ko-KR" sz="1200" dirty="0">
                 <a:solidFill>
                   <a:srgbClr val="FF0000"/>
                 </a:solidFill>
@@ -36270,7 +37173,7 @@
               <a:t>low</a:t>
             </a:r>
             <a:r>
-              <a:rPr lang="en-US" altLang="ko-KR" sz="1200">
+              <a:rPr lang="en-US" altLang="ko-KR" sz="1200" dirty="0">
                 <a:solidFill>
                   <a:srgbClr val="0000FF"/>
                 </a:solidFill>
@@ -36283,7 +37186,7 @@
               <a:t>="2048"</a:t>
             </a:r>
             <a:r>
-              <a:rPr lang="en-US" altLang="ko-KR" sz="1200">
+              <a:rPr lang="en-US" altLang="ko-KR" sz="1200" dirty="0">
                 <a:solidFill>
                   <a:srgbClr val="000000"/>
                 </a:solidFill>
@@ -36296,7 +37199,7 @@
               <a:t> </a:t>
             </a:r>
             <a:r>
-              <a:rPr lang="en-US" altLang="ko-KR" sz="1200">
+              <a:rPr lang="en-US" altLang="ko-KR" sz="1200" dirty="0">
                 <a:solidFill>
                   <a:srgbClr val="FF0000"/>
                 </a:solidFill>
@@ -36309,7 +37212,7 @@
               <a:t>high</a:t>
             </a:r>
             <a:r>
-              <a:rPr lang="en-US" altLang="ko-KR" sz="1200">
+              <a:rPr lang="en-US" altLang="ko-KR" sz="1200" dirty="0">
                 <a:solidFill>
                   <a:srgbClr val="0000FF"/>
                 </a:solidFill>
@@ -36322,7 +37225,7 @@
               <a:t>="8192"</a:t>
             </a:r>
             <a:r>
-              <a:rPr lang="en-US" altLang="ko-KR" sz="1200">
+              <a:rPr lang="en-US" altLang="ko-KR" sz="1200" dirty="0">
                 <a:solidFill>
                   <a:srgbClr val="000000"/>
                 </a:solidFill>
@@ -36335,7 +37238,7 @@
               <a:t> </a:t>
             </a:r>
             <a:r>
-              <a:rPr lang="en-US" altLang="ko-KR" sz="1200">
+              <a:rPr lang="en-US" altLang="ko-KR" sz="1200" dirty="0">
                 <a:solidFill>
                   <a:srgbClr val="FF0000"/>
                 </a:solidFill>
@@ -36348,7 +37251,7 @@
               <a:t>value</a:t>
             </a:r>
             <a:r>
-              <a:rPr lang="en-US" altLang="ko-KR" sz="1200">
+              <a:rPr lang="en-US" altLang="ko-KR" sz="1200" dirty="0">
                 <a:solidFill>
                   <a:srgbClr val="0000FF"/>
                 </a:solidFill>
@@ -36361,7 +37264,7 @@
               <a:t>="9216"&gt;&lt;/</a:t>
             </a:r>
             <a:r>
-              <a:rPr lang="en-US" altLang="ko-KR" sz="1200">
+              <a:rPr lang="en-US" altLang="ko-KR" sz="1200" dirty="0">
                 <a:solidFill>
                   <a:srgbClr val="800000"/>
                 </a:solidFill>
@@ -36374,7 +37277,7 @@
               <a:t>meter</a:t>
             </a:r>
             <a:r>
-              <a:rPr lang="en-US" altLang="ko-KR" sz="1200">
+              <a:rPr lang="en-US" altLang="ko-KR" sz="1200" dirty="0">
                 <a:solidFill>
                   <a:srgbClr val="0000FF"/>
                 </a:solidFill>
@@ -36387,7 +37290,7 @@
               <a:t>&gt;</a:t>
             </a:r>
             <a:r>
-              <a:rPr lang="en-US" altLang="ko-KR" sz="1200">
+              <a:rPr lang="en-US" altLang="ko-KR" sz="1200" dirty="0">
                 <a:solidFill>
                   <a:srgbClr val="000000"/>
                 </a:solidFill>
@@ -36401,7 +37304,7 @@
             </a:r>
           </a:p>
           <a:p>
-            <a:endParaRPr lang="en-US" altLang="ko-KR" sz="1200">
+            <a:endParaRPr lang="en-US" altLang="ko-KR" sz="1200" dirty="0">
               <a:solidFill>
                 <a:srgbClr val="0000FF"/>
               </a:solidFill>
@@ -36414,7 +37317,7 @@
           </a:p>
           <a:p>
             <a:r>
-              <a:rPr lang="en-US" altLang="ko-KR" sz="1200">
+              <a:rPr lang="en-US" altLang="ko-KR" sz="1200" dirty="0">
                 <a:solidFill>
                   <a:srgbClr val="0000FF"/>
                 </a:solidFill>
@@ -36427,7 +37330,7 @@
               <a:t>&lt;</a:t>
             </a:r>
             <a:r>
-              <a:rPr lang="en-US" altLang="ko-KR" sz="1200">
+              <a:rPr lang="en-US" altLang="ko-KR" sz="1200" dirty="0">
                 <a:solidFill>
                   <a:srgbClr val="800000"/>
                 </a:solidFill>
@@ -36440,7 +37343,7 @@
               <a:t>label</a:t>
             </a:r>
             <a:r>
-              <a:rPr lang="en-US" altLang="ko-KR" sz="1200">
+              <a:rPr lang="en-US" altLang="ko-KR" sz="1200" dirty="0">
                 <a:solidFill>
                   <a:srgbClr val="0000FF"/>
                 </a:solidFill>
@@ -36453,7 +37356,7 @@
               <a:t>&gt;</a:t>
             </a:r>
             <a:r>
-              <a:rPr lang="ko-KR" altLang="en-US" sz="1200">
+              <a:rPr lang="ko-KR" altLang="en-US" sz="1200" dirty="0">
                 <a:solidFill>
                   <a:srgbClr val="000000"/>
                 </a:solidFill>
@@ -36466,7 +37369,7 @@
               <a:t>적절한 트래픽</a:t>
             </a:r>
             <a:r>
-              <a:rPr lang="en-US" altLang="ko-KR" sz="1200">
+              <a:rPr lang="en-US" altLang="ko-KR" sz="1200" dirty="0">
                 <a:solidFill>
                   <a:srgbClr val="0000FF"/>
                 </a:solidFill>
@@ -36479,7 +37382,7 @@
               <a:t>&lt;/</a:t>
             </a:r>
             <a:r>
-              <a:rPr lang="en-US" altLang="ko-KR" sz="1200">
+              <a:rPr lang="en-US" altLang="ko-KR" sz="1200" dirty="0">
                 <a:solidFill>
                   <a:srgbClr val="800000"/>
                 </a:solidFill>
@@ -36492,7 +37395,7 @@
               <a:t>label</a:t>
             </a:r>
             <a:r>
-              <a:rPr lang="en-US" altLang="ko-KR" sz="1200">
+              <a:rPr lang="en-US" altLang="ko-KR" sz="1200" dirty="0">
                 <a:solidFill>
                   <a:srgbClr val="0000FF"/>
                 </a:solidFill>
@@ -36504,7 +37407,7 @@
               </a:rPr>
               <a:t>&gt;</a:t>
             </a:r>
-            <a:endParaRPr lang="ko-KR" altLang="en-US" sz="1200">
+            <a:endParaRPr lang="ko-KR" altLang="en-US" sz="1200" dirty="0">
               <a:solidFill>
                 <a:srgbClr val="000000"/>
               </a:solidFill>
@@ -36517,7 +37420,7 @@
           </a:p>
           <a:p>
             <a:r>
-              <a:rPr lang="en-US" altLang="ko-KR" sz="1200">
+              <a:rPr lang="en-US" altLang="ko-KR" sz="1200" dirty="0">
                 <a:solidFill>
                   <a:srgbClr val="0000FF"/>
                 </a:solidFill>
@@ -36530,7 +37433,7 @@
               <a:t>&lt;</a:t>
             </a:r>
             <a:r>
-              <a:rPr lang="en-US" altLang="ko-KR" sz="1200">
+              <a:rPr lang="en-US" altLang="ko-KR" sz="1200" dirty="0">
                 <a:solidFill>
                   <a:srgbClr val="800000"/>
                 </a:solidFill>
@@ -36543,7 +37446,7 @@
               <a:t>meter</a:t>
             </a:r>
             <a:r>
-              <a:rPr lang="en-US" altLang="ko-KR" sz="1200">
+              <a:rPr lang="en-US" altLang="ko-KR" sz="1200" dirty="0">
                 <a:solidFill>
                   <a:srgbClr val="000000"/>
                 </a:solidFill>
@@ -36556,7 +37459,7 @@
               <a:t> </a:t>
             </a:r>
             <a:r>
-              <a:rPr lang="en-US" altLang="ko-KR" sz="1200">
+              <a:rPr lang="en-US" altLang="ko-KR" sz="1200" dirty="0">
                 <a:solidFill>
                   <a:srgbClr val="FF0000"/>
                 </a:solidFill>
@@ -36569,7 +37472,7 @@
               <a:t>value</a:t>
             </a:r>
             <a:r>
-              <a:rPr lang="en-US" altLang="ko-KR" sz="1200">
+              <a:rPr lang="en-US" altLang="ko-KR" sz="1200" dirty="0">
                 <a:solidFill>
                   <a:srgbClr val="0000FF"/>
                 </a:solidFill>
@@ -36582,7 +37485,7 @@
               <a:t>="0.5"</a:t>
             </a:r>
             <a:r>
-              <a:rPr lang="en-US" altLang="ko-KR" sz="1200">
+              <a:rPr lang="en-US" altLang="ko-KR" sz="1200" dirty="0">
                 <a:solidFill>
                   <a:srgbClr val="000000"/>
                 </a:solidFill>
@@ -36595,7 +37498,7 @@
               <a:t> </a:t>
             </a:r>
             <a:r>
-              <a:rPr lang="en-US" altLang="ko-KR" sz="1200">
+              <a:rPr lang="en-US" altLang="ko-KR" sz="1200" dirty="0">
                 <a:solidFill>
                   <a:srgbClr val="FF0000"/>
                 </a:solidFill>
@@ -36608,7 +37511,7 @@
               <a:t>optimum</a:t>
             </a:r>
             <a:r>
-              <a:rPr lang="en-US" altLang="ko-KR" sz="1200">
+              <a:rPr lang="en-US" altLang="ko-KR" sz="1200" dirty="0">
                 <a:solidFill>
                   <a:srgbClr val="0000FF"/>
                 </a:solidFill>
@@ -36621,7 +37524,7 @@
               <a:t>="0.8"&gt;&lt;/</a:t>
             </a:r>
             <a:r>
-              <a:rPr lang="en-US" altLang="ko-KR" sz="1200">
+              <a:rPr lang="en-US" altLang="ko-KR" sz="1200" dirty="0">
                 <a:solidFill>
                   <a:srgbClr val="800000"/>
                 </a:solidFill>
@@ -36634,7 +37537,7 @@
               <a:t>meter</a:t>
             </a:r>
             <a:r>
-              <a:rPr lang="en-US" altLang="ko-KR" sz="1200">
+              <a:rPr lang="en-US" altLang="ko-KR" sz="1200" dirty="0">
                 <a:solidFill>
                   <a:srgbClr val="0000FF"/>
                 </a:solidFill>
@@ -36646,7 +37549,7 @@
               </a:rPr>
               <a:t>&gt;</a:t>
             </a:r>
-            <a:endParaRPr lang="en-US" altLang="ko-KR" sz="1200">
+            <a:endParaRPr lang="en-US" altLang="ko-KR" sz="1200" dirty="0">
               <a:solidFill>
                 <a:srgbClr val="000000"/>
               </a:solidFill>
@@ -36683,6 +37586,288 @@
           </a:prstGeom>
         </p:spPr>
       </p:pic>
+      <p:sp>
+        <p:nvSpPr>
+          <p:cNvPr id="10" name="TextBox 9">
+            <a:extLst>
+              <a:ext uri="{FF2B5EF4-FFF2-40B4-BE49-F238E27FC236}">
+                <a16:creationId xmlns:a16="http://schemas.microsoft.com/office/drawing/2014/main" id="{0BE48487-5750-47B6-B745-A38573E13251}"/>
+              </a:ext>
+            </a:extLst>
+          </p:cNvPr>
+          <p:cNvSpPr txBox="1"/>
+          <p:nvPr/>
+        </p:nvSpPr>
+        <p:spPr>
+          <a:xfrm>
+            <a:off x="9747869" y="1920337"/>
+            <a:ext cx="1217000" cy="276999"/>
+          </a:xfrm>
+          <a:prstGeom prst="rect">
+            <a:avLst/>
+          </a:prstGeom>
+          <a:noFill/>
+        </p:spPr>
+        <p:txBody>
+          <a:bodyPr wrap="none" rtlCol="0">
+            <a:spAutoFit/>
+          </a:bodyPr>
+          <a:lstStyle/>
+          <a:p>
+            <a:r>
+              <a:rPr lang="ko-KR" altLang="en-US" sz="1200" b="1" dirty="0">
+                <a:solidFill>
+                  <a:srgbClr val="FF0000"/>
+                </a:solidFill>
+              </a:rPr>
+              <a:t>현재 값만 지정</a:t>
+            </a:r>
+          </a:p>
+        </p:txBody>
+      </p:sp>
+      <p:sp>
+        <p:nvSpPr>
+          <p:cNvPr id="12" name="TextBox 11">
+            <a:extLst>
+              <a:ext uri="{FF2B5EF4-FFF2-40B4-BE49-F238E27FC236}">
+                <a16:creationId xmlns:a16="http://schemas.microsoft.com/office/drawing/2014/main" id="{17B681CB-A966-4299-B5C2-FBF32D3CBC49}"/>
+              </a:ext>
+            </a:extLst>
+          </p:cNvPr>
+          <p:cNvSpPr txBox="1"/>
+          <p:nvPr/>
+        </p:nvSpPr>
+        <p:spPr>
+          <a:xfrm>
+            <a:off x="9747869" y="2485865"/>
+            <a:ext cx="2289409" cy="276999"/>
+          </a:xfrm>
+          <a:prstGeom prst="rect">
+            <a:avLst/>
+          </a:prstGeom>
+          <a:noFill/>
+        </p:spPr>
+        <p:txBody>
+          <a:bodyPr wrap="none" rtlCol="0">
+            <a:spAutoFit/>
+          </a:bodyPr>
+          <a:lstStyle/>
+          <a:p>
+            <a:r>
+              <a:rPr lang="ko-KR" altLang="en-US" sz="1200" b="1" dirty="0">
+                <a:solidFill>
+                  <a:srgbClr val="FF0000"/>
+                </a:solidFill>
+              </a:rPr>
+              <a:t>현재 값과 함께 최소값</a:t>
+            </a:r>
+            <a:r>
+              <a:rPr lang="en-US" altLang="ko-KR" sz="1200" b="1" dirty="0">
+                <a:solidFill>
+                  <a:srgbClr val="FF0000"/>
+                </a:solidFill>
+              </a:rPr>
+              <a:t>, </a:t>
+            </a:r>
+            <a:r>
+              <a:rPr lang="ko-KR" altLang="en-US" sz="1200" b="1" dirty="0">
+                <a:solidFill>
+                  <a:srgbClr val="FF0000"/>
+                </a:solidFill>
+              </a:rPr>
+              <a:t>최대값</a:t>
+            </a:r>
+          </a:p>
+        </p:txBody>
+      </p:sp>
+      <p:sp>
+        <p:nvSpPr>
+          <p:cNvPr id="13" name="TextBox 12">
+            <a:extLst>
+              <a:ext uri="{FF2B5EF4-FFF2-40B4-BE49-F238E27FC236}">
+                <a16:creationId xmlns:a16="http://schemas.microsoft.com/office/drawing/2014/main" id="{483402F1-9A9B-4B92-96E4-F51B860EEEC1}"/>
+              </a:ext>
+            </a:extLst>
+          </p:cNvPr>
+          <p:cNvSpPr txBox="1"/>
+          <p:nvPr/>
+        </p:nvSpPr>
+        <p:spPr>
+          <a:xfrm>
+            <a:off x="9747869" y="3396529"/>
+            <a:ext cx="2409634" cy="461665"/>
+          </a:xfrm>
+          <a:prstGeom prst="rect">
+            <a:avLst/>
+          </a:prstGeom>
+          <a:noFill/>
+        </p:spPr>
+        <p:txBody>
+          <a:bodyPr wrap="none" rtlCol="0">
+            <a:spAutoFit/>
+          </a:bodyPr>
+          <a:lstStyle/>
+          <a:p>
+            <a:r>
+              <a:rPr lang="ko-KR" altLang="en-US" sz="1200" b="1" dirty="0">
+                <a:solidFill>
+                  <a:srgbClr val="FF0000"/>
+                </a:solidFill>
+              </a:rPr>
+              <a:t>현재 값</a:t>
+            </a:r>
+            <a:r>
+              <a:rPr lang="en-US" altLang="ko-KR" sz="1200" b="1" dirty="0">
+                <a:solidFill>
+                  <a:srgbClr val="FF0000"/>
+                </a:solidFill>
+              </a:rPr>
+              <a:t>,</a:t>
+            </a:r>
+            <a:r>
+              <a:rPr lang="ko-KR" altLang="en-US" sz="1200" b="1" dirty="0">
+                <a:solidFill>
+                  <a:srgbClr val="FF0000"/>
+                </a:solidFill>
+              </a:rPr>
+              <a:t>최소값</a:t>
+            </a:r>
+            <a:r>
+              <a:rPr lang="en-US" altLang="ko-KR" sz="1200" b="1" dirty="0">
+                <a:solidFill>
+                  <a:srgbClr val="FF0000"/>
+                </a:solidFill>
+              </a:rPr>
+              <a:t>, </a:t>
+            </a:r>
+            <a:r>
+              <a:rPr lang="ko-KR" altLang="en-US" sz="1200" b="1" dirty="0">
+                <a:solidFill>
+                  <a:srgbClr val="FF0000"/>
+                </a:solidFill>
+              </a:rPr>
+              <a:t>최대값</a:t>
+            </a:r>
+            <a:r>
+              <a:rPr lang="en-US" altLang="ko-KR" sz="1200" b="1" dirty="0">
+                <a:solidFill>
+                  <a:srgbClr val="FF0000"/>
+                </a:solidFill>
+              </a:rPr>
+              <a:t>, </a:t>
+            </a:r>
+            <a:r>
+              <a:rPr lang="ko-KR" altLang="en-US" sz="1200" b="1" dirty="0">
+                <a:solidFill>
+                  <a:srgbClr val="FF0000"/>
+                </a:solidFill>
+              </a:rPr>
+              <a:t>상한 값</a:t>
+            </a:r>
+            <a:r>
+              <a:rPr lang="en-US" altLang="ko-KR" sz="1200" b="1" dirty="0">
+                <a:solidFill>
+                  <a:srgbClr val="FF0000"/>
+                </a:solidFill>
+              </a:rPr>
+              <a:t>,</a:t>
+            </a:r>
+          </a:p>
+          <a:p>
+            <a:r>
+              <a:rPr lang="ko-KR" altLang="en-US" sz="1200" b="1" dirty="0">
+                <a:solidFill>
+                  <a:srgbClr val="FF0000"/>
+                </a:solidFill>
+              </a:rPr>
+              <a:t>하한 값 지정</a:t>
+            </a:r>
+          </a:p>
+        </p:txBody>
+      </p:sp>
+      <p:sp>
+        <p:nvSpPr>
+          <p:cNvPr id="14" name="TextBox 13">
+            <a:extLst>
+              <a:ext uri="{FF2B5EF4-FFF2-40B4-BE49-F238E27FC236}">
+                <a16:creationId xmlns:a16="http://schemas.microsoft.com/office/drawing/2014/main" id="{418C3786-A817-4E11-A037-7178CC9CF7DF}"/>
+              </a:ext>
+            </a:extLst>
+          </p:cNvPr>
+          <p:cNvSpPr txBox="1"/>
+          <p:nvPr/>
+        </p:nvSpPr>
+        <p:spPr>
+          <a:xfrm>
+            <a:off x="9747869" y="3858194"/>
+            <a:ext cx="1787669" cy="276999"/>
+          </a:xfrm>
+          <a:prstGeom prst="rect">
+            <a:avLst/>
+          </a:prstGeom>
+          <a:noFill/>
+        </p:spPr>
+        <p:txBody>
+          <a:bodyPr wrap="none" rtlCol="0">
+            <a:spAutoFit/>
+          </a:bodyPr>
+          <a:lstStyle/>
+          <a:p>
+            <a:r>
+              <a:rPr lang="ko-KR" altLang="en-US" sz="1200" b="1" dirty="0">
+                <a:solidFill>
+                  <a:srgbClr val="FF0000"/>
+                </a:solidFill>
+              </a:rPr>
+              <a:t>현재 값과 최적 값 지정</a:t>
+            </a:r>
+          </a:p>
+        </p:txBody>
+      </p:sp>
+      <p:sp>
+        <p:nvSpPr>
+          <p:cNvPr id="18" name="TextBox 17">
+            <a:extLst>
+              <a:ext uri="{FF2B5EF4-FFF2-40B4-BE49-F238E27FC236}">
+                <a16:creationId xmlns:a16="http://schemas.microsoft.com/office/drawing/2014/main" id="{5C6BBA5D-7C9D-4DB9-B924-AA550E3EDEE4}"/>
+              </a:ext>
+            </a:extLst>
+          </p:cNvPr>
+          <p:cNvSpPr txBox="1"/>
+          <p:nvPr/>
+        </p:nvSpPr>
+        <p:spPr>
+          <a:xfrm>
+            <a:off x="10983569" y="339241"/>
+            <a:ext cx="668773" cy="338554"/>
+          </a:xfrm>
+          <a:prstGeom prst="rect">
+            <a:avLst/>
+          </a:prstGeom>
+          <a:noFill/>
+        </p:spPr>
+        <p:txBody>
+          <a:bodyPr wrap="none" rtlCol="0">
+            <a:spAutoFit/>
+          </a:bodyPr>
+          <a:lstStyle/>
+          <a:p>
+            <a:r>
+              <a:rPr lang="en-US" altLang="ko-KR" sz="1600" b="1" dirty="0">
+                <a:solidFill>
+                  <a:schemeClr val="bg1"/>
+                </a:solidFill>
+              </a:rPr>
+              <a:t>p181</a:t>
+            </a:r>
+            <a:endParaRPr lang="ko-KR" altLang="en-US" sz="1600" b="1" dirty="0">
+              <a:solidFill>
+                <a:schemeClr val="bg1"/>
+              </a:solidFill>
+            </a:endParaRPr>
+          </a:p>
+        </p:txBody>
+      </p:sp>
     </p:spTree>
     <p:extLst>
       <p:ext uri="{BB962C8B-B14F-4D97-AF65-F5344CB8AC3E}">
@@ -37160,6 +38345,50 @@
           </a:p>
         </p:txBody>
       </p:sp>
+      <p:sp>
+        <p:nvSpPr>
+          <p:cNvPr id="7" name="TextBox 6">
+            <a:extLst>
+              <a:ext uri="{FF2B5EF4-FFF2-40B4-BE49-F238E27FC236}">
+                <a16:creationId xmlns:a16="http://schemas.microsoft.com/office/drawing/2014/main" id="{FE2CB843-F013-445C-94FA-53802F289665}"/>
+              </a:ext>
+            </a:extLst>
+          </p:cNvPr>
+          <p:cNvSpPr txBox="1"/>
+          <p:nvPr/>
+        </p:nvSpPr>
+        <p:spPr>
+          <a:xfrm>
+            <a:off x="10983569" y="339241"/>
+            <a:ext cx="668773" cy="338554"/>
+          </a:xfrm>
+          <a:prstGeom prst="rect">
+            <a:avLst/>
+          </a:prstGeom>
+          <a:noFill/>
+        </p:spPr>
+        <p:txBody>
+          <a:bodyPr wrap="none" rtlCol="0">
+            <a:spAutoFit/>
+          </a:bodyPr>
+          <a:lstStyle/>
+          <a:p>
+            <a:r>
+              <a:rPr lang="en-US" altLang="ko-KR" sz="1600" b="1" dirty="0">
+                <a:solidFill>
+                  <a:schemeClr val="bg1"/>
+                </a:solidFill>
+              </a:rPr>
+              <a:t>p133</a:t>
+            </a:r>
+            <a:endParaRPr lang="ko-KR" altLang="en-US" sz="1600" b="1" dirty="0">
+              <a:solidFill>
+                <a:schemeClr val="bg1"/>
+              </a:solidFill>
+            </a:endParaRPr>
+          </a:p>
+        </p:txBody>
+      </p:sp>
     </p:spTree>
     <p:extLst>
       <p:ext uri="{BB962C8B-B14F-4D97-AF65-F5344CB8AC3E}">
@@ -37170,6 +38399,13 @@
   <p:clrMapOvr>
     <a:masterClrMapping/>
   </p:clrMapOvr>
+  <p:timing>
+    <p:tnLst>
+      <p:par>
+        <p:cTn id="1" dur="indefinite" restart="never" nodeType="tmRoot"/>
+      </p:par>
+    </p:tnLst>
+  </p:timing>
 </p:sld>
 </file>
 
@@ -38074,6 +39310,50 @@
           </a:p>
         </p:txBody>
       </p:sp>
+      <p:sp>
+        <p:nvSpPr>
+          <p:cNvPr id="12" name="TextBox 11">
+            <a:extLst>
+              <a:ext uri="{FF2B5EF4-FFF2-40B4-BE49-F238E27FC236}">
+                <a16:creationId xmlns:a16="http://schemas.microsoft.com/office/drawing/2014/main" id="{0A22146E-3637-402D-BC6B-9FEB97C00173}"/>
+              </a:ext>
+            </a:extLst>
+          </p:cNvPr>
+          <p:cNvSpPr txBox="1"/>
+          <p:nvPr/>
+        </p:nvSpPr>
+        <p:spPr>
+          <a:xfrm>
+            <a:off x="10983569" y="339241"/>
+            <a:ext cx="668773" cy="338554"/>
+          </a:xfrm>
+          <a:prstGeom prst="rect">
+            <a:avLst/>
+          </a:prstGeom>
+          <a:noFill/>
+        </p:spPr>
+        <p:txBody>
+          <a:bodyPr wrap="none" rtlCol="0">
+            <a:spAutoFit/>
+          </a:bodyPr>
+          <a:lstStyle/>
+          <a:p>
+            <a:r>
+              <a:rPr lang="en-US" altLang="ko-KR" sz="1600" b="1" dirty="0">
+                <a:solidFill>
+                  <a:schemeClr val="bg1"/>
+                </a:solidFill>
+              </a:rPr>
+              <a:t>p134</a:t>
+            </a:r>
+            <a:endParaRPr lang="ko-KR" altLang="en-US" sz="1600" b="1" dirty="0">
+              <a:solidFill>
+                <a:schemeClr val="bg1"/>
+              </a:solidFill>
+            </a:endParaRPr>
+          </a:p>
+        </p:txBody>
+      </p:sp>
     </p:spTree>
     <p:extLst>
       <p:ext uri="{BB962C8B-B14F-4D97-AF65-F5344CB8AC3E}">
@@ -38084,6 +39364,13 @@
   <p:clrMapOvr>
     <a:masterClrMapping/>
   </p:clrMapOvr>
+  <p:timing>
+    <p:tnLst>
+      <p:par>
+        <p:cTn id="1" dur="indefinite" restart="never" nodeType="tmRoot"/>
+      </p:par>
+    </p:tnLst>
+  </p:timing>
 </p:sld>
 </file>
 
@@ -38818,6 +40105,50 @@
           </a:prstGeom>
         </p:spPr>
       </p:pic>
+      <p:sp>
+        <p:nvSpPr>
+          <p:cNvPr id="12" name="TextBox 11">
+            <a:extLst>
+              <a:ext uri="{FF2B5EF4-FFF2-40B4-BE49-F238E27FC236}">
+                <a16:creationId xmlns:a16="http://schemas.microsoft.com/office/drawing/2014/main" id="{06EEC110-0BF8-4458-90B3-D30FF9B20746}"/>
+              </a:ext>
+            </a:extLst>
+          </p:cNvPr>
+          <p:cNvSpPr txBox="1"/>
+          <p:nvPr/>
+        </p:nvSpPr>
+        <p:spPr>
+          <a:xfrm>
+            <a:off x="10983569" y="339241"/>
+            <a:ext cx="668773" cy="338554"/>
+          </a:xfrm>
+          <a:prstGeom prst="rect">
+            <a:avLst/>
+          </a:prstGeom>
+          <a:noFill/>
+        </p:spPr>
+        <p:txBody>
+          <a:bodyPr wrap="none" rtlCol="0">
+            <a:spAutoFit/>
+          </a:bodyPr>
+          <a:lstStyle/>
+          <a:p>
+            <a:r>
+              <a:rPr lang="en-US" altLang="ko-KR" sz="1600" b="1" dirty="0">
+                <a:solidFill>
+                  <a:schemeClr val="bg1"/>
+                </a:solidFill>
+              </a:rPr>
+              <a:t>p136</a:t>
+            </a:r>
+            <a:endParaRPr lang="ko-KR" altLang="en-US" sz="1600" b="1" dirty="0">
+              <a:solidFill>
+                <a:schemeClr val="bg1"/>
+              </a:solidFill>
+            </a:endParaRPr>
+          </a:p>
+        </p:txBody>
+      </p:sp>
     </p:spTree>
     <p:extLst>
       <p:ext uri="{BB962C8B-B14F-4D97-AF65-F5344CB8AC3E}">
@@ -38828,6 +40159,13 @@
   <p:clrMapOvr>
     <a:masterClrMapping/>
   </p:clrMapOvr>
+  <p:timing>
+    <p:tnLst>
+      <p:par>
+        <p:cTn id="1" dur="indefinite" restart="never" nodeType="tmRoot"/>
+      </p:par>
+    </p:tnLst>
+  </p:timing>
 </p:sld>
 </file>
 
@@ -41197,6 +42535,50 @@
           </a:prstGeom>
         </p:spPr>
       </p:pic>
+      <p:sp>
+        <p:nvSpPr>
+          <p:cNvPr id="10" name="TextBox 9">
+            <a:extLst>
+              <a:ext uri="{FF2B5EF4-FFF2-40B4-BE49-F238E27FC236}">
+                <a16:creationId xmlns:a16="http://schemas.microsoft.com/office/drawing/2014/main" id="{E427A4B9-6F85-4014-AEC9-FA63F7B12A20}"/>
+              </a:ext>
+            </a:extLst>
+          </p:cNvPr>
+          <p:cNvSpPr txBox="1"/>
+          <p:nvPr/>
+        </p:nvSpPr>
+        <p:spPr>
+          <a:xfrm>
+            <a:off x="10983569" y="339241"/>
+            <a:ext cx="668773" cy="338554"/>
+          </a:xfrm>
+          <a:prstGeom prst="rect">
+            <a:avLst/>
+          </a:prstGeom>
+          <a:noFill/>
+        </p:spPr>
+        <p:txBody>
+          <a:bodyPr wrap="none" rtlCol="0">
+            <a:spAutoFit/>
+          </a:bodyPr>
+          <a:lstStyle/>
+          <a:p>
+            <a:r>
+              <a:rPr lang="en-US" altLang="ko-KR" sz="1600" b="1" dirty="0">
+                <a:solidFill>
+                  <a:schemeClr val="bg1"/>
+                </a:solidFill>
+              </a:rPr>
+              <a:t>p139</a:t>
+            </a:r>
+            <a:endParaRPr lang="ko-KR" altLang="en-US" sz="1600" b="1" dirty="0">
+              <a:solidFill>
+                <a:schemeClr val="bg1"/>
+              </a:solidFill>
+            </a:endParaRPr>
+          </a:p>
+        </p:txBody>
+      </p:sp>
     </p:spTree>
     <p:extLst>
       <p:ext uri="{BB962C8B-B14F-4D97-AF65-F5344CB8AC3E}">
@@ -41207,6 +42589,13 @@
   <p:clrMapOvr>
     <a:masterClrMapping/>
   </p:clrMapOvr>
+  <p:timing>
+    <p:tnLst>
+      <p:par>
+        <p:cTn id="1" dur="indefinite" restart="never" nodeType="tmRoot"/>
+      </p:par>
+    </p:tnLst>
+  </p:timing>
 </p:sld>
 </file>
 
@@ -41557,6 +42946,50 @@
           </a:ln>
         </p:spPr>
       </p:pic>
+      <p:sp>
+        <p:nvSpPr>
+          <p:cNvPr id="12" name="TextBox 11">
+            <a:extLst>
+              <a:ext uri="{FF2B5EF4-FFF2-40B4-BE49-F238E27FC236}">
+                <a16:creationId xmlns:a16="http://schemas.microsoft.com/office/drawing/2014/main" id="{B0DAB0A8-54D6-4C44-B1A4-17BBD403FBE3}"/>
+              </a:ext>
+            </a:extLst>
+          </p:cNvPr>
+          <p:cNvSpPr txBox="1"/>
+          <p:nvPr/>
+        </p:nvSpPr>
+        <p:spPr>
+          <a:xfrm>
+            <a:off x="10983569" y="339241"/>
+            <a:ext cx="668773" cy="338554"/>
+          </a:xfrm>
+          <a:prstGeom prst="rect">
+            <a:avLst/>
+          </a:prstGeom>
+          <a:noFill/>
+        </p:spPr>
+        <p:txBody>
+          <a:bodyPr wrap="none" rtlCol="0">
+            <a:spAutoFit/>
+          </a:bodyPr>
+          <a:lstStyle/>
+          <a:p>
+            <a:r>
+              <a:rPr lang="en-US" altLang="ko-KR" sz="1600" b="1" dirty="0">
+                <a:solidFill>
+                  <a:schemeClr val="bg1"/>
+                </a:solidFill>
+              </a:rPr>
+              <a:t>p141</a:t>
+            </a:r>
+            <a:endParaRPr lang="ko-KR" altLang="en-US" sz="1600" b="1" dirty="0">
+              <a:solidFill>
+                <a:schemeClr val="bg1"/>
+              </a:solidFill>
+            </a:endParaRPr>
+          </a:p>
+        </p:txBody>
+      </p:sp>
     </p:spTree>
     <p:extLst>
       <p:ext uri="{BB962C8B-B14F-4D97-AF65-F5344CB8AC3E}">
@@ -41567,6 +43000,13 @@
   <p:clrMapOvr>
     <a:masterClrMapping/>
   </p:clrMapOvr>
+  <p:timing>
+    <p:tnLst>
+      <p:par>
+        <p:cTn id="1" dur="indefinite" restart="never" nodeType="tmRoot"/>
+      </p:par>
+    </p:tnLst>
+  </p:timing>
 </p:sld>
 </file>
 
@@ -41660,6 +43100,50 @@
           </a:prstGeom>
         </p:spPr>
       </p:pic>
+      <p:sp>
+        <p:nvSpPr>
+          <p:cNvPr id="5" name="TextBox 4">
+            <a:extLst>
+              <a:ext uri="{FF2B5EF4-FFF2-40B4-BE49-F238E27FC236}">
+                <a16:creationId xmlns:a16="http://schemas.microsoft.com/office/drawing/2014/main" id="{20FADBEB-2F60-4845-96B3-F91992CBEA98}"/>
+              </a:ext>
+            </a:extLst>
+          </p:cNvPr>
+          <p:cNvSpPr txBox="1"/>
+          <p:nvPr/>
+        </p:nvSpPr>
+        <p:spPr>
+          <a:xfrm>
+            <a:off x="10983569" y="339241"/>
+            <a:ext cx="668773" cy="338554"/>
+          </a:xfrm>
+          <a:prstGeom prst="rect">
+            <a:avLst/>
+          </a:prstGeom>
+          <a:noFill/>
+        </p:spPr>
+        <p:txBody>
+          <a:bodyPr wrap="none" rtlCol="0">
+            <a:spAutoFit/>
+          </a:bodyPr>
+          <a:lstStyle/>
+          <a:p>
+            <a:r>
+              <a:rPr lang="en-US" altLang="ko-KR" sz="1600" b="1" dirty="0">
+                <a:solidFill>
+                  <a:schemeClr val="bg1"/>
+                </a:solidFill>
+              </a:rPr>
+              <a:t>p143</a:t>
+            </a:r>
+            <a:endParaRPr lang="ko-KR" altLang="en-US" sz="1600" b="1" dirty="0">
+              <a:solidFill>
+                <a:schemeClr val="bg1"/>
+              </a:solidFill>
+            </a:endParaRPr>
+          </a:p>
+        </p:txBody>
+      </p:sp>
     </p:spTree>
     <p:extLst>
       <p:ext uri="{BB962C8B-B14F-4D97-AF65-F5344CB8AC3E}">
@@ -41670,6 +43154,13 @@
   <p:clrMapOvr>
     <a:masterClrMapping/>
   </p:clrMapOvr>
+  <p:timing>
+    <p:tnLst>
+      <p:par>
+        <p:cTn id="1" dur="indefinite" restart="never" nodeType="tmRoot"/>
+      </p:par>
+    </p:tnLst>
+  </p:timing>
 </p:sld>
 </file>
 
@@ -42200,6 +43691,50 @@
           </a:p>
         </p:txBody>
       </p:sp>
+      <p:sp>
+        <p:nvSpPr>
+          <p:cNvPr id="17" name="TextBox 16">
+            <a:extLst>
+              <a:ext uri="{FF2B5EF4-FFF2-40B4-BE49-F238E27FC236}">
+                <a16:creationId xmlns:a16="http://schemas.microsoft.com/office/drawing/2014/main" id="{C6F6A89D-533B-431C-A376-B71229E60718}"/>
+              </a:ext>
+            </a:extLst>
+          </p:cNvPr>
+          <p:cNvSpPr txBox="1"/>
+          <p:nvPr/>
+        </p:nvSpPr>
+        <p:spPr>
+          <a:xfrm>
+            <a:off x="10983569" y="339241"/>
+            <a:ext cx="668773" cy="338554"/>
+          </a:xfrm>
+          <a:prstGeom prst="rect">
+            <a:avLst/>
+          </a:prstGeom>
+          <a:noFill/>
+        </p:spPr>
+        <p:txBody>
+          <a:bodyPr wrap="none" rtlCol="0">
+            <a:spAutoFit/>
+          </a:bodyPr>
+          <a:lstStyle/>
+          <a:p>
+            <a:r>
+              <a:rPr lang="en-US" altLang="ko-KR" sz="1600" b="1" dirty="0">
+                <a:solidFill>
+                  <a:schemeClr val="bg1"/>
+                </a:solidFill>
+              </a:rPr>
+              <a:t>p144</a:t>
+            </a:r>
+            <a:endParaRPr lang="ko-KR" altLang="en-US" sz="1600" b="1" dirty="0">
+              <a:solidFill>
+                <a:schemeClr val="bg1"/>
+              </a:solidFill>
+            </a:endParaRPr>
+          </a:p>
+        </p:txBody>
+      </p:sp>
     </p:spTree>
     <p:extLst>
       <p:ext uri="{BB962C8B-B14F-4D97-AF65-F5344CB8AC3E}">
@@ -42210,6 +43745,13 @@
   <p:clrMapOvr>
     <a:masterClrMapping/>
   </p:clrMapOvr>
+  <p:timing>
+    <p:tnLst>
+      <p:par>
+        <p:cTn id="1" dur="indefinite" restart="never" nodeType="tmRoot"/>
+      </p:par>
+    </p:tnLst>
+  </p:timing>
 </p:sld>
 </file>
 
